--- a/Chapters/Resource/fig/fig ref.pptx
+++ b/Chapters/Resource/fig/fig ref.pptx
@@ -256,7 +256,7 @@
             <a:fld id="{E90ED720-0104-4369-84BC-D37694168613}" type="datetimeFigureOut">
               <a:rPr kumimoji="1" lang="ja-JP" altLang="en-US" smtClean="0"/>
               <a:pPr/>
-              <a:t>2016/5/30</a:t>
+              <a:t>2016/6/5</a:t>
             </a:fld>
             <a:endParaRPr kumimoji="1" lang="ja-JP" altLang="en-US"/>
           </a:p>
@@ -458,7 +458,7 @@
             <a:fld id="{E90ED720-0104-4369-84BC-D37694168613}" type="datetimeFigureOut">
               <a:rPr kumimoji="1" lang="ja-JP" altLang="en-US" smtClean="0"/>
               <a:pPr/>
-              <a:t>2016/5/30</a:t>
+              <a:t>2016/6/5</a:t>
             </a:fld>
             <a:endParaRPr kumimoji="1" lang="ja-JP" altLang="en-US"/>
           </a:p>
@@ -670,7 +670,7 @@
             <a:fld id="{E90ED720-0104-4369-84BC-D37694168613}" type="datetimeFigureOut">
               <a:rPr kumimoji="1" lang="ja-JP" altLang="en-US" smtClean="0"/>
               <a:pPr/>
-              <a:t>2016/5/30</a:t>
+              <a:t>2016/6/5</a:t>
             </a:fld>
             <a:endParaRPr kumimoji="1" lang="ja-JP" altLang="en-US"/>
           </a:p>
@@ -872,7 +872,7 @@
             <a:fld id="{E90ED720-0104-4369-84BC-D37694168613}" type="datetimeFigureOut">
               <a:rPr kumimoji="1" lang="ja-JP" altLang="en-US" smtClean="0"/>
               <a:pPr/>
-              <a:t>2016/5/30</a:t>
+              <a:t>2016/6/5</a:t>
             </a:fld>
             <a:endParaRPr kumimoji="1" lang="ja-JP" altLang="en-US"/>
           </a:p>
@@ -1119,7 +1119,7 @@
             <a:fld id="{E90ED720-0104-4369-84BC-D37694168613}" type="datetimeFigureOut">
               <a:rPr kumimoji="1" lang="ja-JP" altLang="en-US" smtClean="0"/>
               <a:pPr/>
-              <a:t>2016/5/30</a:t>
+              <a:t>2016/6/5</a:t>
             </a:fld>
             <a:endParaRPr kumimoji="1" lang="ja-JP" altLang="en-US"/>
           </a:p>
@@ -1414,7 +1414,7 @@
             <a:fld id="{E90ED720-0104-4369-84BC-D37694168613}" type="datetimeFigureOut">
               <a:rPr kumimoji="1" lang="ja-JP" altLang="en-US" smtClean="0"/>
               <a:pPr/>
-              <a:t>2016/5/30</a:t>
+              <a:t>2016/6/5</a:t>
             </a:fld>
             <a:endParaRPr kumimoji="1" lang="ja-JP" altLang="en-US"/>
           </a:p>
@@ -1844,7 +1844,7 @@
             <a:fld id="{E90ED720-0104-4369-84BC-D37694168613}" type="datetimeFigureOut">
               <a:rPr kumimoji="1" lang="ja-JP" altLang="en-US" smtClean="0"/>
               <a:pPr/>
-              <a:t>2016/5/30</a:t>
+              <a:t>2016/6/5</a:t>
             </a:fld>
             <a:endParaRPr kumimoji="1" lang="ja-JP" altLang="en-US"/>
           </a:p>
@@ -1963,7 +1963,7 @@
             <a:fld id="{E90ED720-0104-4369-84BC-D37694168613}" type="datetimeFigureOut">
               <a:rPr kumimoji="1" lang="ja-JP" altLang="en-US" smtClean="0"/>
               <a:pPr/>
-              <a:t>2016/5/30</a:t>
+              <a:t>2016/6/5</a:t>
             </a:fld>
             <a:endParaRPr kumimoji="1" lang="ja-JP" altLang="en-US"/>
           </a:p>
@@ -2060,7 +2060,7 @@
             <a:fld id="{E90ED720-0104-4369-84BC-D37694168613}" type="datetimeFigureOut">
               <a:rPr kumimoji="1" lang="ja-JP" altLang="en-US" smtClean="0"/>
               <a:pPr/>
-              <a:t>2016/5/30</a:t>
+              <a:t>2016/6/5</a:t>
             </a:fld>
             <a:endParaRPr kumimoji="1" lang="ja-JP" altLang="en-US"/>
           </a:p>
@@ -2369,7 +2369,7 @@
             <a:fld id="{E90ED720-0104-4369-84BC-D37694168613}" type="datetimeFigureOut">
               <a:rPr kumimoji="1" lang="ja-JP" altLang="en-US" smtClean="0"/>
               <a:pPr/>
-              <a:t>2016/5/30</a:t>
+              <a:t>2016/6/5</a:t>
             </a:fld>
             <a:endParaRPr kumimoji="1" lang="ja-JP" altLang="en-US"/>
           </a:p>
@@ -2623,7 +2623,7 @@
             <a:fld id="{E90ED720-0104-4369-84BC-D37694168613}" type="datetimeFigureOut">
               <a:rPr kumimoji="1" lang="ja-JP" altLang="en-US" smtClean="0"/>
               <a:pPr/>
-              <a:t>2016/5/30</a:t>
+              <a:t>2016/6/5</a:t>
             </a:fld>
             <a:endParaRPr kumimoji="1" lang="ja-JP" altLang="en-US"/>
           </a:p>
@@ -2868,7 +2868,7 @@
             <a:fld id="{E90ED720-0104-4369-84BC-D37694168613}" type="datetimeFigureOut">
               <a:rPr kumimoji="1" lang="ja-JP" altLang="en-US" smtClean="0"/>
               <a:pPr/>
-              <a:t>2016/5/30</a:t>
+              <a:t>2016/6/5</a:t>
             </a:fld>
             <a:endParaRPr kumimoji="1" lang="ja-JP" altLang="en-US"/>
           </a:p>
@@ -3764,6 +3764,1437 @@
           <a:chExt cx="0" cy="0"/>
         </a:xfrm>
       </p:grpSpPr>
+      <p:grpSp>
+        <p:nvGrpSpPr>
+          <p:cNvPr id="6" name="グループ化 5"/>
+          <p:cNvGrpSpPr/>
+          <p:nvPr/>
+        </p:nvGrpSpPr>
+        <p:grpSpPr>
+          <a:xfrm>
+            <a:off x="1331640" y="764704"/>
+            <a:ext cx="381000" cy="280987"/>
+            <a:chOff x="1143000" y="2395538"/>
+            <a:chExt cx="381000" cy="280987"/>
+          </a:xfrm>
+        </p:grpSpPr>
+        <p:sp>
+          <p:nvSpPr>
+            <p:cNvPr id="3" name="正方形/長方形 2"/>
+            <p:cNvSpPr/>
+            <p:nvPr/>
+          </p:nvSpPr>
+          <p:spPr>
+            <a:xfrm>
+              <a:off x="1143000" y="2395538"/>
+              <a:ext cx="190500" cy="280987"/>
+            </a:xfrm>
+            <a:prstGeom prst="rect">
+              <a:avLst/>
+            </a:prstGeom>
+          </p:spPr>
+          <p:style>
+            <a:lnRef idx="2">
+              <a:schemeClr val="accent5"/>
+            </a:lnRef>
+            <a:fillRef idx="1">
+              <a:schemeClr val="lt1"/>
+            </a:fillRef>
+            <a:effectRef idx="0">
+              <a:schemeClr val="accent5"/>
+            </a:effectRef>
+            <a:fontRef idx="minor">
+              <a:schemeClr val="dk1"/>
+            </a:fontRef>
+          </p:style>
+          <p:txBody>
+            <a:bodyPr lIns="36000" tIns="36000" rIns="36000" bIns="36000" rtlCol="0" anchor="ctr"/>
+            <a:lstStyle/>
+            <a:p>
+              <a:pPr algn="ctr"/>
+              <a:r>
+                <a:rPr kumimoji="1" lang="en-US" altLang="ja-JP" sz="1000" dirty="0">
+                  <a:latin typeface="Consolas" panose="020B0609020204030204" pitchFamily="49" charset="0"/>
+                </a:rPr>
+                <a:t>1</a:t>
+              </a:r>
+              <a:endParaRPr kumimoji="1" lang="ja-JP" altLang="en-US" sz="1000" dirty="0">
+                <a:latin typeface="Consolas" panose="020B0609020204030204" pitchFamily="49" charset="0"/>
+              </a:endParaRPr>
+            </a:p>
+          </p:txBody>
+        </p:sp>
+        <p:sp>
+          <p:nvSpPr>
+            <p:cNvPr id="4" name="正方形/長方形 3"/>
+            <p:cNvSpPr/>
+            <p:nvPr/>
+          </p:nvSpPr>
+          <p:spPr>
+            <a:xfrm>
+              <a:off x="1333500" y="2395538"/>
+              <a:ext cx="190500" cy="280987"/>
+            </a:xfrm>
+            <a:prstGeom prst="rect">
+              <a:avLst/>
+            </a:prstGeom>
+          </p:spPr>
+          <p:style>
+            <a:lnRef idx="2">
+              <a:schemeClr val="accent5"/>
+            </a:lnRef>
+            <a:fillRef idx="1">
+              <a:schemeClr val="lt1"/>
+            </a:fillRef>
+            <a:effectRef idx="0">
+              <a:schemeClr val="accent5"/>
+            </a:effectRef>
+            <a:fontRef idx="minor">
+              <a:schemeClr val="dk1"/>
+            </a:fontRef>
+          </p:style>
+          <p:txBody>
+            <a:bodyPr lIns="36000" tIns="36000" rIns="36000" bIns="36000" rtlCol="0" anchor="ctr"/>
+            <a:lstStyle/>
+            <a:p>
+              <a:pPr algn="ctr"/>
+              <a:r>
+                <a:rPr lang="en-US" altLang="ja-JP" sz="1000" dirty="0">
+                  <a:latin typeface="Consolas" panose="020B0609020204030204" pitchFamily="49" charset="0"/>
+                </a:rPr>
+                <a:t>2</a:t>
+              </a:r>
+              <a:endParaRPr kumimoji="1" lang="ja-JP" altLang="en-US" sz="1000" dirty="0">
+                <a:latin typeface="Consolas" panose="020B0609020204030204" pitchFamily="49" charset="0"/>
+              </a:endParaRPr>
+            </a:p>
+          </p:txBody>
+        </p:sp>
+      </p:grpSp>
+      <p:sp>
+        <p:nvSpPr>
+          <p:cNvPr id="7" name="テキスト ボックス 6"/>
+          <p:cNvSpPr txBox="1"/>
+          <p:nvPr/>
+        </p:nvSpPr>
+        <p:spPr>
+          <a:xfrm>
+            <a:off x="1160716" y="791901"/>
+            <a:ext cx="143235" cy="226591"/>
+          </a:xfrm>
+          <a:prstGeom prst="rect">
+            <a:avLst/>
+          </a:prstGeom>
+          <a:noFill/>
+        </p:spPr>
+        <p:txBody>
+          <a:bodyPr wrap="none" lIns="36000" tIns="36000" rIns="36000" bIns="36000" rtlCol="0">
+            <a:spAutoFit/>
+          </a:bodyPr>
+          <a:lstStyle/>
+          <a:p>
+            <a:r>
+              <a:rPr kumimoji="1" lang="en-US" altLang="ja-JP" sz="1000" dirty="0">
+                <a:latin typeface="Consolas" panose="020B0609020204030204" pitchFamily="49" charset="0"/>
+              </a:rPr>
+              <a:t>p</a:t>
+            </a:r>
+            <a:endParaRPr kumimoji="1" lang="ja-JP" altLang="en-US" sz="1000" dirty="0">
+              <a:latin typeface="Consolas" panose="020B0609020204030204" pitchFamily="49" charset="0"/>
+            </a:endParaRPr>
+          </a:p>
+        </p:txBody>
+      </p:sp>
+      <p:grpSp>
+        <p:nvGrpSpPr>
+          <p:cNvPr id="8" name="グループ化 7"/>
+          <p:cNvGrpSpPr/>
+          <p:nvPr/>
+        </p:nvGrpSpPr>
+        <p:grpSpPr>
+          <a:xfrm>
+            <a:off x="1331640" y="1484784"/>
+            <a:ext cx="381000" cy="280987"/>
+            <a:chOff x="1143000" y="2395538"/>
+            <a:chExt cx="381000" cy="280987"/>
+          </a:xfrm>
+        </p:grpSpPr>
+        <p:sp>
+          <p:nvSpPr>
+            <p:cNvPr id="9" name="正方形/長方形 8"/>
+            <p:cNvSpPr/>
+            <p:nvPr/>
+          </p:nvSpPr>
+          <p:spPr>
+            <a:xfrm>
+              <a:off x="1143000" y="2395538"/>
+              <a:ext cx="190500" cy="280987"/>
+            </a:xfrm>
+            <a:prstGeom prst="rect">
+              <a:avLst/>
+            </a:prstGeom>
+          </p:spPr>
+          <p:style>
+            <a:lnRef idx="2">
+              <a:schemeClr val="accent5"/>
+            </a:lnRef>
+            <a:fillRef idx="1">
+              <a:schemeClr val="lt1"/>
+            </a:fillRef>
+            <a:effectRef idx="0">
+              <a:schemeClr val="accent5"/>
+            </a:effectRef>
+            <a:fontRef idx="minor">
+              <a:schemeClr val="dk1"/>
+            </a:fontRef>
+          </p:style>
+          <p:txBody>
+            <a:bodyPr lIns="36000" tIns="36000" rIns="36000" bIns="36000" rtlCol="0" anchor="ctr"/>
+            <a:lstStyle/>
+            <a:p>
+              <a:pPr algn="ctr"/>
+              <a:r>
+                <a:rPr kumimoji="1" lang="en-US" altLang="ja-JP" sz="1000" dirty="0">
+                  <a:latin typeface="Consolas" panose="020B0609020204030204" pitchFamily="49" charset="0"/>
+                </a:rPr>
+                <a:t>1</a:t>
+              </a:r>
+              <a:endParaRPr kumimoji="1" lang="ja-JP" altLang="en-US" sz="1000" dirty="0">
+                <a:latin typeface="Consolas" panose="020B0609020204030204" pitchFamily="49" charset="0"/>
+              </a:endParaRPr>
+            </a:p>
+          </p:txBody>
+        </p:sp>
+        <p:sp>
+          <p:nvSpPr>
+            <p:cNvPr id="10" name="正方形/長方形 9"/>
+            <p:cNvSpPr/>
+            <p:nvPr/>
+          </p:nvSpPr>
+          <p:spPr>
+            <a:xfrm>
+              <a:off x="1333500" y="2395538"/>
+              <a:ext cx="190500" cy="280987"/>
+            </a:xfrm>
+            <a:prstGeom prst="rect">
+              <a:avLst/>
+            </a:prstGeom>
+          </p:spPr>
+          <p:style>
+            <a:lnRef idx="2">
+              <a:schemeClr val="accent5"/>
+            </a:lnRef>
+            <a:fillRef idx="1">
+              <a:schemeClr val="lt1"/>
+            </a:fillRef>
+            <a:effectRef idx="0">
+              <a:schemeClr val="accent5"/>
+            </a:effectRef>
+            <a:fontRef idx="minor">
+              <a:schemeClr val="dk1"/>
+            </a:fontRef>
+          </p:style>
+          <p:txBody>
+            <a:bodyPr lIns="36000" tIns="36000" rIns="36000" bIns="36000" rtlCol="0" anchor="ctr"/>
+            <a:lstStyle/>
+            <a:p>
+              <a:pPr algn="ctr"/>
+              <a:r>
+                <a:rPr lang="en-US" altLang="ja-JP" sz="1000" dirty="0">
+                  <a:latin typeface="Consolas" panose="020B0609020204030204" pitchFamily="49" charset="0"/>
+                </a:rPr>
+                <a:t>2</a:t>
+              </a:r>
+              <a:endParaRPr kumimoji="1" lang="ja-JP" altLang="en-US" sz="1000" dirty="0">
+                <a:latin typeface="Consolas" panose="020B0609020204030204" pitchFamily="49" charset="0"/>
+              </a:endParaRPr>
+            </a:p>
+          </p:txBody>
+        </p:sp>
+      </p:grpSp>
+      <p:sp>
+        <p:nvSpPr>
+          <p:cNvPr id="11" name="テキスト ボックス 10"/>
+          <p:cNvSpPr txBox="1"/>
+          <p:nvPr/>
+        </p:nvSpPr>
+        <p:spPr>
+          <a:xfrm>
+            <a:off x="1160716" y="1511981"/>
+            <a:ext cx="143235" cy="226591"/>
+          </a:xfrm>
+          <a:prstGeom prst="rect">
+            <a:avLst/>
+          </a:prstGeom>
+          <a:noFill/>
+        </p:spPr>
+        <p:txBody>
+          <a:bodyPr wrap="none" lIns="36000" tIns="36000" rIns="36000" bIns="36000" rtlCol="0">
+            <a:spAutoFit/>
+          </a:bodyPr>
+          <a:lstStyle/>
+          <a:p>
+            <a:r>
+              <a:rPr kumimoji="1" lang="en-US" altLang="ja-JP" sz="1000" dirty="0">
+                <a:latin typeface="Consolas" panose="020B0609020204030204" pitchFamily="49" charset="0"/>
+              </a:rPr>
+              <a:t>p</a:t>
+            </a:r>
+            <a:endParaRPr kumimoji="1" lang="ja-JP" altLang="en-US" sz="1000" dirty="0">
+              <a:latin typeface="Consolas" panose="020B0609020204030204" pitchFamily="49" charset="0"/>
+            </a:endParaRPr>
+          </a:p>
+        </p:txBody>
+      </p:sp>
+      <p:grpSp>
+        <p:nvGrpSpPr>
+          <p:cNvPr id="12" name="グループ化 11"/>
+          <p:cNvGrpSpPr/>
+          <p:nvPr/>
+        </p:nvGrpSpPr>
+        <p:grpSpPr>
+          <a:xfrm>
+            <a:off x="2123728" y="1484784"/>
+            <a:ext cx="381000" cy="280987"/>
+            <a:chOff x="1143000" y="2395538"/>
+            <a:chExt cx="381000" cy="280987"/>
+          </a:xfrm>
+        </p:grpSpPr>
+        <p:sp>
+          <p:nvSpPr>
+            <p:cNvPr id="13" name="正方形/長方形 12"/>
+            <p:cNvSpPr/>
+            <p:nvPr/>
+          </p:nvSpPr>
+          <p:spPr>
+            <a:xfrm>
+              <a:off x="1143000" y="2395538"/>
+              <a:ext cx="190500" cy="280987"/>
+            </a:xfrm>
+            <a:prstGeom prst="rect">
+              <a:avLst/>
+            </a:prstGeom>
+          </p:spPr>
+          <p:style>
+            <a:lnRef idx="2">
+              <a:schemeClr val="accent5"/>
+            </a:lnRef>
+            <a:fillRef idx="1">
+              <a:schemeClr val="lt1"/>
+            </a:fillRef>
+            <a:effectRef idx="0">
+              <a:schemeClr val="accent5"/>
+            </a:effectRef>
+            <a:fontRef idx="minor">
+              <a:schemeClr val="dk1"/>
+            </a:fontRef>
+          </p:style>
+          <p:txBody>
+            <a:bodyPr lIns="36000" tIns="36000" rIns="36000" bIns="36000" rtlCol="0" anchor="ctr"/>
+            <a:lstStyle/>
+            <a:p>
+              <a:pPr algn="ctr"/>
+              <a:r>
+                <a:rPr kumimoji="1" lang="en-US" altLang="ja-JP" sz="1000" dirty="0">
+                  <a:latin typeface="Consolas" panose="020B0609020204030204" pitchFamily="49" charset="0"/>
+                </a:rPr>
+                <a:t>1</a:t>
+              </a:r>
+              <a:endParaRPr kumimoji="1" lang="ja-JP" altLang="en-US" sz="1000" dirty="0">
+                <a:latin typeface="Consolas" panose="020B0609020204030204" pitchFamily="49" charset="0"/>
+              </a:endParaRPr>
+            </a:p>
+          </p:txBody>
+        </p:sp>
+        <p:sp>
+          <p:nvSpPr>
+            <p:cNvPr id="14" name="正方形/長方形 13"/>
+            <p:cNvSpPr/>
+            <p:nvPr/>
+          </p:nvSpPr>
+          <p:spPr>
+            <a:xfrm>
+              <a:off x="1333500" y="2395538"/>
+              <a:ext cx="190500" cy="280987"/>
+            </a:xfrm>
+            <a:prstGeom prst="rect">
+              <a:avLst/>
+            </a:prstGeom>
+          </p:spPr>
+          <p:style>
+            <a:lnRef idx="2">
+              <a:schemeClr val="accent5"/>
+            </a:lnRef>
+            <a:fillRef idx="1">
+              <a:schemeClr val="lt1"/>
+            </a:fillRef>
+            <a:effectRef idx="0">
+              <a:schemeClr val="accent5"/>
+            </a:effectRef>
+            <a:fontRef idx="minor">
+              <a:schemeClr val="dk1"/>
+            </a:fontRef>
+          </p:style>
+          <p:txBody>
+            <a:bodyPr lIns="36000" tIns="36000" rIns="36000" bIns="36000" rtlCol="0" anchor="ctr"/>
+            <a:lstStyle/>
+            <a:p>
+              <a:pPr algn="ctr"/>
+              <a:r>
+                <a:rPr lang="en-US" altLang="ja-JP" sz="1000" dirty="0">
+                  <a:latin typeface="Consolas" panose="020B0609020204030204" pitchFamily="49" charset="0"/>
+                </a:rPr>
+                <a:t>2</a:t>
+              </a:r>
+              <a:endParaRPr kumimoji="1" lang="ja-JP" altLang="en-US" sz="1000" dirty="0">
+                <a:latin typeface="Consolas" panose="020B0609020204030204" pitchFamily="49" charset="0"/>
+              </a:endParaRPr>
+            </a:p>
+          </p:txBody>
+        </p:sp>
+      </p:grpSp>
+      <p:sp>
+        <p:nvSpPr>
+          <p:cNvPr id="15" name="テキスト ボックス 14"/>
+          <p:cNvSpPr txBox="1"/>
+          <p:nvPr/>
+        </p:nvSpPr>
+        <p:spPr>
+          <a:xfrm>
+            <a:off x="1952804" y="1511981"/>
+            <a:ext cx="143235" cy="226591"/>
+          </a:xfrm>
+          <a:prstGeom prst="rect">
+            <a:avLst/>
+          </a:prstGeom>
+          <a:noFill/>
+        </p:spPr>
+        <p:txBody>
+          <a:bodyPr wrap="none" lIns="36000" tIns="36000" rIns="36000" bIns="36000" rtlCol="0">
+            <a:spAutoFit/>
+          </a:bodyPr>
+          <a:lstStyle/>
+          <a:p>
+            <a:r>
+              <a:rPr kumimoji="1" lang="en-US" altLang="ja-JP" sz="1000" dirty="0">
+                <a:latin typeface="Consolas" panose="020B0609020204030204" pitchFamily="49" charset="0"/>
+              </a:rPr>
+              <a:t>q</a:t>
+            </a:r>
+            <a:endParaRPr kumimoji="1" lang="ja-JP" altLang="en-US" sz="1000" dirty="0">
+              <a:latin typeface="Consolas" panose="020B0609020204030204" pitchFamily="49" charset="0"/>
+            </a:endParaRPr>
+          </a:p>
+        </p:txBody>
+      </p:sp>
+      <p:cxnSp>
+        <p:nvCxnSpPr>
+          <p:cNvPr id="17" name="直線矢印コネクタ 16"/>
+          <p:cNvCxnSpPr/>
+          <p:nvPr/>
+        </p:nvCxnSpPr>
+        <p:spPr>
+          <a:xfrm>
+            <a:off x="1403648" y="1124744"/>
+            <a:ext cx="0" cy="288032"/>
+          </a:xfrm>
+          <a:prstGeom prst="straightConnector1">
+            <a:avLst/>
+          </a:prstGeom>
+          <a:ln>
+            <a:tailEnd type="triangle"/>
+          </a:ln>
+        </p:spPr>
+        <p:style>
+          <a:lnRef idx="3">
+            <a:schemeClr val="accent2"/>
+          </a:lnRef>
+          <a:fillRef idx="0">
+            <a:schemeClr val="accent2"/>
+          </a:fillRef>
+          <a:effectRef idx="2">
+            <a:schemeClr val="accent2"/>
+          </a:effectRef>
+          <a:fontRef idx="minor">
+            <a:schemeClr val="tx1"/>
+          </a:fontRef>
+        </p:style>
+      </p:cxnSp>
+      <p:sp>
+        <p:nvSpPr>
+          <p:cNvPr id="18" name="テキスト ボックス 17"/>
+          <p:cNvSpPr txBox="1"/>
+          <p:nvPr/>
+        </p:nvSpPr>
+        <p:spPr>
+          <a:xfrm>
+            <a:off x="1445787" y="1151942"/>
+            <a:ext cx="778024" cy="226591"/>
+          </a:xfrm>
+          <a:prstGeom prst="rect">
+            <a:avLst/>
+          </a:prstGeom>
+          <a:noFill/>
+        </p:spPr>
+        <p:txBody>
+          <a:bodyPr wrap="none" lIns="36000" tIns="36000" rIns="36000" bIns="36000" rtlCol="0">
+            <a:spAutoFit/>
+          </a:bodyPr>
+          <a:lstStyle/>
+          <a:p>
+            <a:r>
+              <a:rPr kumimoji="1" lang="en-US" altLang="ja-JP" sz="1000" dirty="0">
+                <a:solidFill>
+                  <a:srgbClr val="0000FF"/>
+                </a:solidFill>
+                <a:latin typeface="Consolas" panose="020B0609020204030204" pitchFamily="49" charset="0"/>
+              </a:rPr>
+              <a:t>var</a:t>
+            </a:r>
+            <a:r>
+              <a:rPr kumimoji="1" lang="en-US" altLang="ja-JP" sz="1000" dirty="0">
+                <a:latin typeface="Consolas" panose="020B0609020204030204" pitchFamily="49" charset="0"/>
+              </a:rPr>
+              <a:t> q = p;</a:t>
+            </a:r>
+            <a:endParaRPr kumimoji="1" lang="ja-JP" altLang="en-US" sz="1000" dirty="0">
+              <a:latin typeface="Consolas" panose="020B0609020204030204" pitchFamily="49" charset="0"/>
+            </a:endParaRPr>
+          </a:p>
+        </p:txBody>
+      </p:sp>
+      <p:sp>
+        <p:nvSpPr>
+          <p:cNvPr id="19" name="四角形吹き出し 18"/>
+          <p:cNvSpPr/>
+          <p:nvPr/>
+        </p:nvSpPr>
+        <p:spPr>
+          <a:xfrm>
+            <a:off x="2699792" y="1537964"/>
+            <a:ext cx="1224136" cy="200608"/>
+          </a:xfrm>
+          <a:prstGeom prst="wedgeRectCallout">
+            <a:avLst>
+              <a:gd name="adj1" fmla="val -64306"/>
+              <a:gd name="adj2" fmla="val 15989"/>
+            </a:avLst>
+          </a:prstGeom>
+        </p:spPr>
+        <p:style>
+          <a:lnRef idx="2">
+            <a:schemeClr val="accent3"/>
+          </a:lnRef>
+          <a:fillRef idx="1">
+            <a:schemeClr val="lt1"/>
+          </a:fillRef>
+          <a:effectRef idx="0">
+            <a:schemeClr val="accent3"/>
+          </a:effectRef>
+          <a:fontRef idx="minor">
+            <a:schemeClr val="dk1"/>
+          </a:fontRef>
+        </p:style>
+        <p:txBody>
+          <a:bodyPr lIns="36000" tIns="36000" rIns="36000" bIns="36000" rtlCol="0" anchor="ctr"/>
+          <a:lstStyle/>
+          <a:p>
+            <a:pPr algn="ctr"/>
+            <a:r>
+              <a:rPr lang="ja-JP" altLang="en-US" sz="1100" dirty="0"/>
+              <a:t>コピーが作られる</a:t>
+            </a:r>
+            <a:endParaRPr kumimoji="1" lang="ja-JP" altLang="en-US" sz="1100" dirty="0"/>
+          </a:p>
+        </p:txBody>
+      </p:sp>
+      <p:grpSp>
+        <p:nvGrpSpPr>
+          <p:cNvPr id="20" name="グループ化 19"/>
+          <p:cNvGrpSpPr/>
+          <p:nvPr/>
+        </p:nvGrpSpPr>
+        <p:grpSpPr>
+          <a:xfrm>
+            <a:off x="1331640" y="2223523"/>
+            <a:ext cx="381000" cy="280987"/>
+            <a:chOff x="1143000" y="2395538"/>
+            <a:chExt cx="381000" cy="280987"/>
+          </a:xfrm>
+        </p:grpSpPr>
+        <p:sp>
+          <p:nvSpPr>
+            <p:cNvPr id="21" name="正方形/長方形 20"/>
+            <p:cNvSpPr/>
+            <p:nvPr/>
+          </p:nvSpPr>
+          <p:spPr>
+            <a:xfrm>
+              <a:off x="1143000" y="2395538"/>
+              <a:ext cx="190500" cy="280987"/>
+            </a:xfrm>
+            <a:prstGeom prst="rect">
+              <a:avLst/>
+            </a:prstGeom>
+          </p:spPr>
+          <p:style>
+            <a:lnRef idx="2">
+              <a:schemeClr val="accent5"/>
+            </a:lnRef>
+            <a:fillRef idx="1">
+              <a:schemeClr val="lt1"/>
+            </a:fillRef>
+            <a:effectRef idx="0">
+              <a:schemeClr val="accent5"/>
+            </a:effectRef>
+            <a:fontRef idx="minor">
+              <a:schemeClr val="dk1"/>
+            </a:fontRef>
+          </p:style>
+          <p:txBody>
+            <a:bodyPr lIns="36000" tIns="36000" rIns="36000" bIns="36000" rtlCol="0" anchor="ctr"/>
+            <a:lstStyle/>
+            <a:p>
+              <a:pPr algn="ctr"/>
+              <a:r>
+                <a:rPr kumimoji="1" lang="en-US" altLang="ja-JP" sz="1000" dirty="0">
+                  <a:latin typeface="Consolas" panose="020B0609020204030204" pitchFamily="49" charset="0"/>
+                </a:rPr>
+                <a:t>1</a:t>
+              </a:r>
+              <a:endParaRPr kumimoji="1" lang="ja-JP" altLang="en-US" sz="1000" dirty="0">
+                <a:latin typeface="Consolas" panose="020B0609020204030204" pitchFamily="49" charset="0"/>
+              </a:endParaRPr>
+            </a:p>
+          </p:txBody>
+        </p:sp>
+        <p:sp>
+          <p:nvSpPr>
+            <p:cNvPr id="22" name="正方形/長方形 21"/>
+            <p:cNvSpPr/>
+            <p:nvPr/>
+          </p:nvSpPr>
+          <p:spPr>
+            <a:xfrm>
+              <a:off x="1333500" y="2395538"/>
+              <a:ext cx="190500" cy="280987"/>
+            </a:xfrm>
+            <a:prstGeom prst="rect">
+              <a:avLst/>
+            </a:prstGeom>
+          </p:spPr>
+          <p:style>
+            <a:lnRef idx="2">
+              <a:schemeClr val="accent5"/>
+            </a:lnRef>
+            <a:fillRef idx="1">
+              <a:schemeClr val="lt1"/>
+            </a:fillRef>
+            <a:effectRef idx="0">
+              <a:schemeClr val="accent5"/>
+            </a:effectRef>
+            <a:fontRef idx="minor">
+              <a:schemeClr val="dk1"/>
+            </a:fontRef>
+          </p:style>
+          <p:txBody>
+            <a:bodyPr lIns="36000" tIns="36000" rIns="36000" bIns="36000" rtlCol="0" anchor="ctr"/>
+            <a:lstStyle/>
+            <a:p>
+              <a:pPr algn="ctr"/>
+              <a:r>
+                <a:rPr lang="en-US" altLang="ja-JP" sz="1000" dirty="0">
+                  <a:latin typeface="Consolas" panose="020B0609020204030204" pitchFamily="49" charset="0"/>
+                </a:rPr>
+                <a:t>2</a:t>
+              </a:r>
+              <a:endParaRPr kumimoji="1" lang="ja-JP" altLang="en-US" sz="1000" dirty="0">
+                <a:latin typeface="Consolas" panose="020B0609020204030204" pitchFamily="49" charset="0"/>
+              </a:endParaRPr>
+            </a:p>
+          </p:txBody>
+        </p:sp>
+      </p:grpSp>
+      <p:sp>
+        <p:nvSpPr>
+          <p:cNvPr id="23" name="テキスト ボックス 22"/>
+          <p:cNvSpPr txBox="1"/>
+          <p:nvPr/>
+        </p:nvSpPr>
+        <p:spPr>
+          <a:xfrm>
+            <a:off x="1160716" y="2250720"/>
+            <a:ext cx="143235" cy="226591"/>
+          </a:xfrm>
+          <a:prstGeom prst="rect">
+            <a:avLst/>
+          </a:prstGeom>
+          <a:noFill/>
+        </p:spPr>
+        <p:txBody>
+          <a:bodyPr wrap="none" lIns="36000" tIns="36000" rIns="36000" bIns="36000" rtlCol="0">
+            <a:spAutoFit/>
+          </a:bodyPr>
+          <a:lstStyle/>
+          <a:p>
+            <a:r>
+              <a:rPr kumimoji="1" lang="en-US" altLang="ja-JP" sz="1000" dirty="0">
+                <a:latin typeface="Consolas" panose="020B0609020204030204" pitchFamily="49" charset="0"/>
+              </a:rPr>
+              <a:t>p</a:t>
+            </a:r>
+            <a:endParaRPr kumimoji="1" lang="ja-JP" altLang="en-US" sz="1000" dirty="0">
+              <a:latin typeface="Consolas" panose="020B0609020204030204" pitchFamily="49" charset="0"/>
+            </a:endParaRPr>
+          </a:p>
+        </p:txBody>
+      </p:sp>
+      <p:grpSp>
+        <p:nvGrpSpPr>
+          <p:cNvPr id="24" name="グループ化 23"/>
+          <p:cNvGrpSpPr/>
+          <p:nvPr/>
+        </p:nvGrpSpPr>
+        <p:grpSpPr>
+          <a:xfrm>
+            <a:off x="2123728" y="2223523"/>
+            <a:ext cx="381000" cy="280987"/>
+            <a:chOff x="1143000" y="2395538"/>
+            <a:chExt cx="381000" cy="280987"/>
+          </a:xfrm>
+        </p:grpSpPr>
+        <p:sp>
+          <p:nvSpPr>
+            <p:cNvPr id="25" name="正方形/長方形 24"/>
+            <p:cNvSpPr/>
+            <p:nvPr/>
+          </p:nvSpPr>
+          <p:spPr>
+            <a:xfrm>
+              <a:off x="1143000" y="2395538"/>
+              <a:ext cx="190500" cy="280987"/>
+            </a:xfrm>
+            <a:prstGeom prst="rect">
+              <a:avLst/>
+            </a:prstGeom>
+          </p:spPr>
+          <p:style>
+            <a:lnRef idx="2">
+              <a:schemeClr val="accent5"/>
+            </a:lnRef>
+            <a:fillRef idx="1">
+              <a:schemeClr val="lt1"/>
+            </a:fillRef>
+            <a:effectRef idx="0">
+              <a:schemeClr val="accent5"/>
+            </a:effectRef>
+            <a:fontRef idx="minor">
+              <a:schemeClr val="dk1"/>
+            </a:fontRef>
+          </p:style>
+          <p:txBody>
+            <a:bodyPr lIns="36000" tIns="36000" rIns="36000" bIns="36000" rtlCol="0" anchor="ctr"/>
+            <a:lstStyle/>
+            <a:p>
+              <a:pPr algn="ctr"/>
+              <a:r>
+                <a:rPr kumimoji="1" lang="en-US" altLang="ja-JP" sz="1000" dirty="0">
+                  <a:solidFill>
+                    <a:srgbClr val="FF0000"/>
+                  </a:solidFill>
+                  <a:latin typeface="Consolas" panose="020B0609020204030204" pitchFamily="49" charset="0"/>
+                </a:rPr>
+                <a:t>3</a:t>
+              </a:r>
+              <a:endParaRPr kumimoji="1" lang="ja-JP" altLang="en-US" sz="1000" dirty="0">
+                <a:solidFill>
+                  <a:srgbClr val="FF0000"/>
+                </a:solidFill>
+                <a:latin typeface="Consolas" panose="020B0609020204030204" pitchFamily="49" charset="0"/>
+              </a:endParaRPr>
+            </a:p>
+          </p:txBody>
+        </p:sp>
+        <p:sp>
+          <p:nvSpPr>
+            <p:cNvPr id="26" name="正方形/長方形 25"/>
+            <p:cNvSpPr/>
+            <p:nvPr/>
+          </p:nvSpPr>
+          <p:spPr>
+            <a:xfrm>
+              <a:off x="1333500" y="2395538"/>
+              <a:ext cx="190500" cy="280987"/>
+            </a:xfrm>
+            <a:prstGeom prst="rect">
+              <a:avLst/>
+            </a:prstGeom>
+          </p:spPr>
+          <p:style>
+            <a:lnRef idx="2">
+              <a:schemeClr val="accent5"/>
+            </a:lnRef>
+            <a:fillRef idx="1">
+              <a:schemeClr val="lt1"/>
+            </a:fillRef>
+            <a:effectRef idx="0">
+              <a:schemeClr val="accent5"/>
+            </a:effectRef>
+            <a:fontRef idx="minor">
+              <a:schemeClr val="dk1"/>
+            </a:fontRef>
+          </p:style>
+          <p:txBody>
+            <a:bodyPr lIns="36000" tIns="36000" rIns="36000" bIns="36000" rtlCol="0" anchor="ctr"/>
+            <a:lstStyle/>
+            <a:p>
+              <a:pPr algn="ctr"/>
+              <a:r>
+                <a:rPr lang="en-US" altLang="ja-JP" sz="1000" dirty="0">
+                  <a:latin typeface="Consolas" panose="020B0609020204030204" pitchFamily="49" charset="0"/>
+                </a:rPr>
+                <a:t>2</a:t>
+              </a:r>
+              <a:endParaRPr kumimoji="1" lang="ja-JP" altLang="en-US" sz="1000" dirty="0">
+                <a:latin typeface="Consolas" panose="020B0609020204030204" pitchFamily="49" charset="0"/>
+              </a:endParaRPr>
+            </a:p>
+          </p:txBody>
+        </p:sp>
+      </p:grpSp>
+      <p:sp>
+        <p:nvSpPr>
+          <p:cNvPr id="27" name="テキスト ボックス 26"/>
+          <p:cNvSpPr txBox="1"/>
+          <p:nvPr/>
+        </p:nvSpPr>
+        <p:spPr>
+          <a:xfrm>
+            <a:off x="1952804" y="2250720"/>
+            <a:ext cx="143235" cy="226591"/>
+          </a:xfrm>
+          <a:prstGeom prst="rect">
+            <a:avLst/>
+          </a:prstGeom>
+          <a:noFill/>
+        </p:spPr>
+        <p:txBody>
+          <a:bodyPr wrap="none" lIns="36000" tIns="36000" rIns="36000" bIns="36000" rtlCol="0">
+            <a:spAutoFit/>
+          </a:bodyPr>
+          <a:lstStyle/>
+          <a:p>
+            <a:r>
+              <a:rPr kumimoji="1" lang="en-US" altLang="ja-JP" sz="1000" dirty="0">
+                <a:latin typeface="Consolas" panose="020B0609020204030204" pitchFamily="49" charset="0"/>
+              </a:rPr>
+              <a:t>q</a:t>
+            </a:r>
+            <a:endParaRPr kumimoji="1" lang="ja-JP" altLang="en-US" sz="1000" dirty="0">
+              <a:latin typeface="Consolas" panose="020B0609020204030204" pitchFamily="49" charset="0"/>
+            </a:endParaRPr>
+          </a:p>
+        </p:txBody>
+      </p:sp>
+      <p:cxnSp>
+        <p:nvCxnSpPr>
+          <p:cNvPr id="28" name="直線矢印コネクタ 27"/>
+          <p:cNvCxnSpPr/>
+          <p:nvPr/>
+        </p:nvCxnSpPr>
+        <p:spPr>
+          <a:xfrm>
+            <a:off x="1403648" y="1863483"/>
+            <a:ext cx="0" cy="288032"/>
+          </a:xfrm>
+          <a:prstGeom prst="straightConnector1">
+            <a:avLst/>
+          </a:prstGeom>
+          <a:ln>
+            <a:tailEnd type="triangle"/>
+          </a:ln>
+        </p:spPr>
+        <p:style>
+          <a:lnRef idx="3">
+            <a:schemeClr val="accent2"/>
+          </a:lnRef>
+          <a:fillRef idx="0">
+            <a:schemeClr val="accent2"/>
+          </a:fillRef>
+          <a:effectRef idx="2">
+            <a:schemeClr val="accent2"/>
+          </a:effectRef>
+          <a:fontRef idx="minor">
+            <a:schemeClr val="tx1"/>
+          </a:fontRef>
+        </p:style>
+      </p:cxnSp>
+      <p:sp>
+        <p:nvSpPr>
+          <p:cNvPr id="29" name="テキスト ボックス 28"/>
+          <p:cNvSpPr txBox="1"/>
+          <p:nvPr/>
+        </p:nvSpPr>
+        <p:spPr>
+          <a:xfrm>
+            <a:off x="1445787" y="1890681"/>
+            <a:ext cx="636960" cy="226591"/>
+          </a:xfrm>
+          <a:prstGeom prst="rect">
+            <a:avLst/>
+          </a:prstGeom>
+          <a:noFill/>
+        </p:spPr>
+        <p:txBody>
+          <a:bodyPr wrap="none" lIns="36000" tIns="36000" rIns="36000" bIns="36000" rtlCol="0">
+            <a:spAutoFit/>
+          </a:bodyPr>
+          <a:lstStyle/>
+          <a:p>
+            <a:r>
+              <a:rPr kumimoji="1" lang="en-US" altLang="ja-JP" sz="1000" dirty="0">
+                <a:latin typeface="Consolas" panose="020B0609020204030204" pitchFamily="49" charset="0"/>
+              </a:rPr>
+              <a:t>q.X = 3;</a:t>
+            </a:r>
+            <a:endParaRPr kumimoji="1" lang="ja-JP" altLang="en-US" sz="1000" dirty="0">
+              <a:latin typeface="Consolas" panose="020B0609020204030204" pitchFamily="49" charset="0"/>
+            </a:endParaRPr>
+          </a:p>
+        </p:txBody>
+      </p:sp>
+      <p:sp>
+        <p:nvSpPr>
+          <p:cNvPr id="30" name="四角形吹き出し 29"/>
+          <p:cNvSpPr/>
+          <p:nvPr/>
+        </p:nvSpPr>
+        <p:spPr>
+          <a:xfrm>
+            <a:off x="2699792" y="2276702"/>
+            <a:ext cx="1224136" cy="227808"/>
+          </a:xfrm>
+          <a:prstGeom prst="wedgeRectCallout">
+            <a:avLst>
+              <a:gd name="adj1" fmla="val -62781"/>
+              <a:gd name="adj2" fmla="val 25291"/>
+            </a:avLst>
+          </a:prstGeom>
+        </p:spPr>
+        <p:style>
+          <a:lnRef idx="2">
+            <a:schemeClr val="accent3"/>
+          </a:lnRef>
+          <a:fillRef idx="1">
+            <a:schemeClr val="lt1"/>
+          </a:fillRef>
+          <a:effectRef idx="0">
+            <a:schemeClr val="accent3"/>
+          </a:effectRef>
+          <a:fontRef idx="minor">
+            <a:schemeClr val="dk1"/>
+          </a:fontRef>
+        </p:style>
+        <p:txBody>
+          <a:bodyPr lIns="36000" tIns="36000" rIns="36000" bIns="36000" rtlCol="0" anchor="ctr"/>
+          <a:lstStyle/>
+          <a:p>
+            <a:pPr algn="ctr"/>
+            <a:r>
+              <a:rPr lang="en-US" altLang="ja-JP" sz="1100" dirty="0"/>
+              <a:t>q</a:t>
+            </a:r>
+            <a:r>
+              <a:rPr lang="ja-JP" altLang="en-US" sz="1100" dirty="0"/>
+              <a:t>だけ書き換わる</a:t>
+            </a:r>
+            <a:endParaRPr kumimoji="1" lang="ja-JP" altLang="en-US" sz="1100" dirty="0"/>
+          </a:p>
+        </p:txBody>
+      </p:sp>
+      <p:grpSp>
+        <p:nvGrpSpPr>
+          <p:cNvPr id="31" name="グループ化 30"/>
+          <p:cNvGrpSpPr/>
+          <p:nvPr/>
+        </p:nvGrpSpPr>
+        <p:grpSpPr>
+          <a:xfrm>
+            <a:off x="1331640" y="2947507"/>
+            <a:ext cx="381000" cy="280987"/>
+            <a:chOff x="1143000" y="2395538"/>
+            <a:chExt cx="381000" cy="280987"/>
+          </a:xfrm>
+        </p:grpSpPr>
+        <p:sp>
+          <p:nvSpPr>
+            <p:cNvPr id="32" name="正方形/長方形 31"/>
+            <p:cNvSpPr/>
+            <p:nvPr/>
+          </p:nvSpPr>
+          <p:spPr>
+            <a:xfrm>
+              <a:off x="1143000" y="2395538"/>
+              <a:ext cx="190500" cy="280987"/>
+            </a:xfrm>
+            <a:prstGeom prst="rect">
+              <a:avLst/>
+            </a:prstGeom>
+          </p:spPr>
+          <p:style>
+            <a:lnRef idx="2">
+              <a:schemeClr val="accent5"/>
+            </a:lnRef>
+            <a:fillRef idx="1">
+              <a:schemeClr val="lt1"/>
+            </a:fillRef>
+            <a:effectRef idx="0">
+              <a:schemeClr val="accent5"/>
+            </a:effectRef>
+            <a:fontRef idx="minor">
+              <a:schemeClr val="dk1"/>
+            </a:fontRef>
+          </p:style>
+          <p:txBody>
+            <a:bodyPr lIns="36000" tIns="36000" rIns="36000" bIns="36000" rtlCol="0" anchor="ctr"/>
+            <a:lstStyle/>
+            <a:p>
+              <a:pPr algn="ctr"/>
+              <a:r>
+                <a:rPr kumimoji="1" lang="en-US" altLang="ja-JP" sz="1000" dirty="0">
+                  <a:latin typeface="Consolas" panose="020B0609020204030204" pitchFamily="49" charset="0"/>
+                </a:rPr>
+                <a:t>1</a:t>
+              </a:r>
+              <a:endParaRPr kumimoji="1" lang="ja-JP" altLang="en-US" sz="1000" dirty="0">
+                <a:latin typeface="Consolas" panose="020B0609020204030204" pitchFamily="49" charset="0"/>
+              </a:endParaRPr>
+            </a:p>
+          </p:txBody>
+        </p:sp>
+        <p:sp>
+          <p:nvSpPr>
+            <p:cNvPr id="33" name="正方形/長方形 32"/>
+            <p:cNvSpPr/>
+            <p:nvPr/>
+          </p:nvSpPr>
+          <p:spPr>
+            <a:xfrm>
+              <a:off x="1333500" y="2395538"/>
+              <a:ext cx="190500" cy="280987"/>
+            </a:xfrm>
+            <a:prstGeom prst="rect">
+              <a:avLst/>
+            </a:prstGeom>
+          </p:spPr>
+          <p:style>
+            <a:lnRef idx="2">
+              <a:schemeClr val="accent5"/>
+            </a:lnRef>
+            <a:fillRef idx="1">
+              <a:schemeClr val="lt1"/>
+            </a:fillRef>
+            <a:effectRef idx="0">
+              <a:schemeClr val="accent5"/>
+            </a:effectRef>
+            <a:fontRef idx="minor">
+              <a:schemeClr val="dk1"/>
+            </a:fontRef>
+          </p:style>
+          <p:txBody>
+            <a:bodyPr lIns="36000" tIns="36000" rIns="36000" bIns="36000" rtlCol="0" anchor="ctr"/>
+            <a:lstStyle/>
+            <a:p>
+              <a:pPr algn="ctr"/>
+              <a:r>
+                <a:rPr lang="en-US" altLang="ja-JP" sz="1000" dirty="0">
+                  <a:solidFill>
+                    <a:srgbClr val="FF0000"/>
+                  </a:solidFill>
+                  <a:latin typeface="Consolas" panose="020B0609020204030204" pitchFamily="49" charset="0"/>
+                </a:rPr>
+                <a:t>4</a:t>
+              </a:r>
+              <a:endParaRPr kumimoji="1" lang="ja-JP" altLang="en-US" sz="1000" dirty="0">
+                <a:solidFill>
+                  <a:srgbClr val="FF0000"/>
+                </a:solidFill>
+                <a:latin typeface="Consolas" panose="020B0609020204030204" pitchFamily="49" charset="0"/>
+              </a:endParaRPr>
+            </a:p>
+          </p:txBody>
+        </p:sp>
+      </p:grpSp>
+      <p:sp>
+        <p:nvSpPr>
+          <p:cNvPr id="34" name="テキスト ボックス 33"/>
+          <p:cNvSpPr txBox="1"/>
+          <p:nvPr/>
+        </p:nvSpPr>
+        <p:spPr>
+          <a:xfrm>
+            <a:off x="1160716" y="2974704"/>
+            <a:ext cx="143235" cy="226591"/>
+          </a:xfrm>
+          <a:prstGeom prst="rect">
+            <a:avLst/>
+          </a:prstGeom>
+          <a:noFill/>
+        </p:spPr>
+        <p:txBody>
+          <a:bodyPr wrap="none" lIns="36000" tIns="36000" rIns="36000" bIns="36000" rtlCol="0">
+            <a:spAutoFit/>
+          </a:bodyPr>
+          <a:lstStyle/>
+          <a:p>
+            <a:r>
+              <a:rPr kumimoji="1" lang="en-US" altLang="ja-JP" sz="1000" dirty="0">
+                <a:latin typeface="Consolas" panose="020B0609020204030204" pitchFamily="49" charset="0"/>
+              </a:rPr>
+              <a:t>p</a:t>
+            </a:r>
+            <a:endParaRPr kumimoji="1" lang="ja-JP" altLang="en-US" sz="1000" dirty="0">
+              <a:latin typeface="Consolas" panose="020B0609020204030204" pitchFamily="49" charset="0"/>
+            </a:endParaRPr>
+          </a:p>
+        </p:txBody>
+      </p:sp>
+      <p:grpSp>
+        <p:nvGrpSpPr>
+          <p:cNvPr id="35" name="グループ化 34"/>
+          <p:cNvGrpSpPr/>
+          <p:nvPr/>
+        </p:nvGrpSpPr>
+        <p:grpSpPr>
+          <a:xfrm>
+            <a:off x="2123728" y="2947507"/>
+            <a:ext cx="381000" cy="280987"/>
+            <a:chOff x="1143000" y="2395538"/>
+            <a:chExt cx="381000" cy="280987"/>
+          </a:xfrm>
+        </p:grpSpPr>
+        <p:sp>
+          <p:nvSpPr>
+            <p:cNvPr id="36" name="正方形/長方形 35"/>
+            <p:cNvSpPr/>
+            <p:nvPr/>
+          </p:nvSpPr>
+          <p:spPr>
+            <a:xfrm>
+              <a:off x="1143000" y="2395538"/>
+              <a:ext cx="190500" cy="280987"/>
+            </a:xfrm>
+            <a:prstGeom prst="rect">
+              <a:avLst/>
+            </a:prstGeom>
+          </p:spPr>
+          <p:style>
+            <a:lnRef idx="2">
+              <a:schemeClr val="accent5"/>
+            </a:lnRef>
+            <a:fillRef idx="1">
+              <a:schemeClr val="lt1"/>
+            </a:fillRef>
+            <a:effectRef idx="0">
+              <a:schemeClr val="accent5"/>
+            </a:effectRef>
+            <a:fontRef idx="minor">
+              <a:schemeClr val="dk1"/>
+            </a:fontRef>
+          </p:style>
+          <p:txBody>
+            <a:bodyPr lIns="36000" tIns="36000" rIns="36000" bIns="36000" rtlCol="0" anchor="ctr"/>
+            <a:lstStyle/>
+            <a:p>
+              <a:pPr algn="ctr"/>
+              <a:r>
+                <a:rPr kumimoji="1" lang="en-US" altLang="ja-JP" sz="1000" dirty="0">
+                  <a:solidFill>
+                    <a:schemeClr val="tx1"/>
+                  </a:solidFill>
+                  <a:latin typeface="Consolas" panose="020B0609020204030204" pitchFamily="49" charset="0"/>
+                </a:rPr>
+                <a:t>3</a:t>
+              </a:r>
+              <a:endParaRPr kumimoji="1" lang="ja-JP" altLang="en-US" sz="1000" dirty="0">
+                <a:solidFill>
+                  <a:schemeClr val="tx1"/>
+                </a:solidFill>
+                <a:latin typeface="Consolas" panose="020B0609020204030204" pitchFamily="49" charset="0"/>
+              </a:endParaRPr>
+            </a:p>
+          </p:txBody>
+        </p:sp>
+        <p:sp>
+          <p:nvSpPr>
+            <p:cNvPr id="37" name="正方形/長方形 36"/>
+            <p:cNvSpPr/>
+            <p:nvPr/>
+          </p:nvSpPr>
+          <p:spPr>
+            <a:xfrm>
+              <a:off x="1333500" y="2395538"/>
+              <a:ext cx="190500" cy="280987"/>
+            </a:xfrm>
+            <a:prstGeom prst="rect">
+              <a:avLst/>
+            </a:prstGeom>
+          </p:spPr>
+          <p:style>
+            <a:lnRef idx="2">
+              <a:schemeClr val="accent5"/>
+            </a:lnRef>
+            <a:fillRef idx="1">
+              <a:schemeClr val="lt1"/>
+            </a:fillRef>
+            <a:effectRef idx="0">
+              <a:schemeClr val="accent5"/>
+            </a:effectRef>
+            <a:fontRef idx="minor">
+              <a:schemeClr val="dk1"/>
+            </a:fontRef>
+          </p:style>
+          <p:txBody>
+            <a:bodyPr lIns="36000" tIns="36000" rIns="36000" bIns="36000" rtlCol="0" anchor="ctr"/>
+            <a:lstStyle/>
+            <a:p>
+              <a:pPr algn="ctr"/>
+              <a:r>
+                <a:rPr lang="en-US" altLang="ja-JP" sz="1000" dirty="0">
+                  <a:latin typeface="Consolas" panose="020B0609020204030204" pitchFamily="49" charset="0"/>
+                </a:rPr>
+                <a:t>2</a:t>
+              </a:r>
+              <a:endParaRPr kumimoji="1" lang="ja-JP" altLang="en-US" sz="1000" dirty="0">
+                <a:latin typeface="Consolas" panose="020B0609020204030204" pitchFamily="49" charset="0"/>
+              </a:endParaRPr>
+            </a:p>
+          </p:txBody>
+        </p:sp>
+      </p:grpSp>
+      <p:sp>
+        <p:nvSpPr>
+          <p:cNvPr id="38" name="テキスト ボックス 37"/>
+          <p:cNvSpPr txBox="1"/>
+          <p:nvPr/>
+        </p:nvSpPr>
+        <p:spPr>
+          <a:xfrm>
+            <a:off x="1952804" y="2974704"/>
+            <a:ext cx="143235" cy="226591"/>
+          </a:xfrm>
+          <a:prstGeom prst="rect">
+            <a:avLst/>
+          </a:prstGeom>
+          <a:noFill/>
+        </p:spPr>
+        <p:txBody>
+          <a:bodyPr wrap="none" lIns="36000" tIns="36000" rIns="36000" bIns="36000" rtlCol="0">
+            <a:spAutoFit/>
+          </a:bodyPr>
+          <a:lstStyle/>
+          <a:p>
+            <a:r>
+              <a:rPr kumimoji="1" lang="en-US" altLang="ja-JP" sz="1000" dirty="0">
+                <a:latin typeface="Consolas" panose="020B0609020204030204" pitchFamily="49" charset="0"/>
+              </a:rPr>
+              <a:t>q</a:t>
+            </a:r>
+            <a:endParaRPr kumimoji="1" lang="ja-JP" altLang="en-US" sz="1000" dirty="0">
+              <a:latin typeface="Consolas" panose="020B0609020204030204" pitchFamily="49" charset="0"/>
+            </a:endParaRPr>
+          </a:p>
+        </p:txBody>
+      </p:sp>
+      <p:cxnSp>
+        <p:nvCxnSpPr>
+          <p:cNvPr id="39" name="直線矢印コネクタ 38"/>
+          <p:cNvCxnSpPr/>
+          <p:nvPr/>
+        </p:nvCxnSpPr>
+        <p:spPr>
+          <a:xfrm>
+            <a:off x="1403648" y="2587467"/>
+            <a:ext cx="0" cy="288032"/>
+          </a:xfrm>
+          <a:prstGeom prst="straightConnector1">
+            <a:avLst/>
+          </a:prstGeom>
+          <a:ln>
+            <a:tailEnd type="triangle"/>
+          </a:ln>
+        </p:spPr>
+        <p:style>
+          <a:lnRef idx="3">
+            <a:schemeClr val="accent2"/>
+          </a:lnRef>
+          <a:fillRef idx="0">
+            <a:schemeClr val="accent2"/>
+          </a:fillRef>
+          <a:effectRef idx="2">
+            <a:schemeClr val="accent2"/>
+          </a:effectRef>
+          <a:fontRef idx="minor">
+            <a:schemeClr val="tx1"/>
+          </a:fontRef>
+        </p:style>
+      </p:cxnSp>
+      <p:sp>
+        <p:nvSpPr>
+          <p:cNvPr id="40" name="テキスト ボックス 39"/>
+          <p:cNvSpPr txBox="1"/>
+          <p:nvPr/>
+        </p:nvSpPr>
+        <p:spPr>
+          <a:xfrm>
+            <a:off x="1445787" y="2614665"/>
+            <a:ext cx="636960" cy="226591"/>
+          </a:xfrm>
+          <a:prstGeom prst="rect">
+            <a:avLst/>
+          </a:prstGeom>
+          <a:noFill/>
+        </p:spPr>
+        <p:txBody>
+          <a:bodyPr wrap="none" lIns="36000" tIns="36000" rIns="36000" bIns="36000" rtlCol="0">
+            <a:spAutoFit/>
+          </a:bodyPr>
+          <a:lstStyle/>
+          <a:p>
+            <a:r>
+              <a:rPr kumimoji="1" lang="en-US" altLang="ja-JP" sz="1000" dirty="0">
+                <a:latin typeface="Consolas" panose="020B0609020204030204" pitchFamily="49" charset="0"/>
+              </a:rPr>
+              <a:t>p.Y = 4;</a:t>
+            </a:r>
+            <a:endParaRPr kumimoji="1" lang="ja-JP" altLang="en-US" sz="1000" dirty="0">
+              <a:latin typeface="Consolas" panose="020B0609020204030204" pitchFamily="49" charset="0"/>
+            </a:endParaRPr>
+          </a:p>
+        </p:txBody>
+      </p:sp>
+      <p:sp>
+        <p:nvSpPr>
+          <p:cNvPr id="41" name="四角形吹き出し 40"/>
+          <p:cNvSpPr/>
+          <p:nvPr/>
+        </p:nvSpPr>
+        <p:spPr>
+          <a:xfrm>
+            <a:off x="1303951" y="3357310"/>
+            <a:ext cx="1224136" cy="227808"/>
+          </a:xfrm>
+          <a:prstGeom prst="wedgeRectCallout">
+            <a:avLst>
+              <a:gd name="adj1" fmla="val -24670"/>
+              <a:gd name="adj2" fmla="val -97583"/>
+            </a:avLst>
+          </a:prstGeom>
+        </p:spPr>
+        <p:style>
+          <a:lnRef idx="2">
+            <a:schemeClr val="accent3"/>
+          </a:lnRef>
+          <a:fillRef idx="1">
+            <a:schemeClr val="lt1"/>
+          </a:fillRef>
+          <a:effectRef idx="0">
+            <a:schemeClr val="accent3"/>
+          </a:effectRef>
+          <a:fontRef idx="minor">
+            <a:schemeClr val="dk1"/>
+          </a:fontRef>
+        </p:style>
+        <p:txBody>
+          <a:bodyPr lIns="36000" tIns="36000" rIns="36000" bIns="36000" rtlCol="0" anchor="ctr"/>
+          <a:lstStyle/>
+          <a:p>
+            <a:pPr algn="ctr"/>
+            <a:r>
+              <a:rPr lang="en-US" altLang="ja-JP" sz="1100" dirty="0"/>
+              <a:t>p</a:t>
+            </a:r>
+            <a:r>
+              <a:rPr lang="ja-JP" altLang="en-US" sz="1100" dirty="0"/>
+              <a:t>だけ書き換わる</a:t>
+            </a:r>
+            <a:endParaRPr kumimoji="1" lang="ja-JP" altLang="en-US" sz="1100" dirty="0"/>
+          </a:p>
+        </p:txBody>
+      </p:sp>
+      <p:sp>
+        <p:nvSpPr>
+          <p:cNvPr id="42" name="テキスト ボックス 41"/>
+          <p:cNvSpPr txBox="1"/>
+          <p:nvPr/>
+        </p:nvSpPr>
+        <p:spPr>
+          <a:xfrm>
+            <a:off x="1160716" y="480049"/>
+            <a:ext cx="2541328" cy="226591"/>
+          </a:xfrm>
+          <a:prstGeom prst="rect">
+            <a:avLst/>
+          </a:prstGeom>
+          <a:noFill/>
+        </p:spPr>
+        <p:txBody>
+          <a:bodyPr wrap="none" lIns="36000" tIns="36000" rIns="36000" bIns="36000" rtlCol="0">
+            <a:spAutoFit/>
+          </a:bodyPr>
+          <a:lstStyle/>
+          <a:p>
+            <a:r>
+              <a:rPr kumimoji="1" lang="en-US" altLang="ja-JP" sz="1000" dirty="0">
+                <a:solidFill>
+                  <a:srgbClr val="0000FF"/>
+                </a:solidFill>
+                <a:latin typeface="Consolas" panose="020B0609020204030204" pitchFamily="49" charset="0"/>
+              </a:rPr>
+              <a:t>var</a:t>
+            </a:r>
+            <a:r>
+              <a:rPr kumimoji="1" lang="en-US" altLang="ja-JP" sz="1000" dirty="0">
+                <a:latin typeface="Consolas" panose="020B0609020204030204" pitchFamily="49" charset="0"/>
+              </a:rPr>
+              <a:t> p = </a:t>
+            </a:r>
+            <a:r>
+              <a:rPr kumimoji="1" lang="en-US" altLang="ja-JP" sz="1000" dirty="0">
+                <a:solidFill>
+                  <a:srgbClr val="0000FF"/>
+                </a:solidFill>
+                <a:latin typeface="Consolas" panose="020B0609020204030204" pitchFamily="49" charset="0"/>
+              </a:rPr>
+              <a:t>new</a:t>
+            </a:r>
+            <a:r>
+              <a:rPr kumimoji="1" lang="en-US" altLang="ja-JP" sz="1000" dirty="0">
+                <a:latin typeface="Consolas" panose="020B0609020204030204" pitchFamily="49" charset="0"/>
+              </a:rPr>
+              <a:t> </a:t>
+            </a:r>
+            <a:r>
+              <a:rPr kumimoji="1" lang="en-US" altLang="ja-JP" sz="1000" dirty="0">
+                <a:solidFill>
+                  <a:srgbClr val="009999"/>
+                </a:solidFill>
+                <a:latin typeface="Consolas" panose="020B0609020204030204" pitchFamily="49" charset="0"/>
+              </a:rPr>
+              <a:t>Point</a:t>
+            </a:r>
+            <a:r>
+              <a:rPr kumimoji="1" lang="en-US" altLang="ja-JP" sz="1000" dirty="0">
+                <a:latin typeface="Consolas" panose="020B0609020204030204" pitchFamily="49" charset="0"/>
+              </a:rPr>
+              <a:t> { X = 1, Y = 2 };</a:t>
+            </a:r>
+            <a:endParaRPr kumimoji="1" lang="ja-JP" altLang="en-US" sz="1000" dirty="0">
+              <a:latin typeface="Consolas" panose="020B0609020204030204" pitchFamily="49" charset="0"/>
+            </a:endParaRPr>
+          </a:p>
+        </p:txBody>
+      </p:sp>
     </p:spTree>
     <p:extLst>
       <p:ext uri="{BB962C8B-B14F-4D97-AF65-F5344CB8AC3E}">
@@ -4091,21 +5522,21 @@
   <a:objectDefaults>
     <a:spDef>
       <a:spPr/>
-      <a:bodyPr rtlCol="0" anchor="ctr"/>
+      <a:bodyPr lIns="36000" tIns="36000" rIns="36000" bIns="36000" rtlCol="0" anchor="ctr"/>
       <a:lstStyle>
         <a:defPPr algn="ctr">
-          <a:defRPr kumimoji="1" sz="1100" dirty="0" smtClean="0"/>
+          <a:defRPr sz="1100" dirty="0" smtClean="0"/>
         </a:defPPr>
       </a:lstStyle>
       <a:style>
-        <a:lnRef idx="1">
-          <a:schemeClr val="accent1"/>
+        <a:lnRef idx="2">
+          <a:schemeClr val="accent3"/>
         </a:lnRef>
-        <a:fillRef idx="2">
-          <a:schemeClr val="accent1"/>
+        <a:fillRef idx="1">
+          <a:schemeClr val="lt1"/>
         </a:fillRef>
-        <a:effectRef idx="1">
-          <a:schemeClr val="accent1"/>
+        <a:effectRef idx="0">
+          <a:schemeClr val="accent3"/>
         </a:effectRef>
         <a:fontRef idx="minor">
           <a:schemeClr val="dk1"/>

--- a/Chapters/Resource/fig/fig ref.pptx
+++ b/Chapters/Resource/fig/fig ref.pptx
@@ -8,7 +8,9 @@
     <p:sldId id="259" r:id="rId2"/>
     <p:sldId id="260" r:id="rId3"/>
     <p:sldId id="261" r:id="rId4"/>
-    <p:sldId id="262" r:id="rId5"/>
+    <p:sldId id="263" r:id="rId5"/>
+    <p:sldId id="262" r:id="rId6"/>
+    <p:sldId id="264" r:id="rId7"/>
   </p:sldIdLst>
   <p:sldSz cx="9144000" cy="6858000" type="screen4x3"/>
   <p:notesSz cx="6858000" cy="9144000"/>
@@ -256,7 +258,7 @@
             <a:fld id="{E90ED720-0104-4369-84BC-D37694168613}" type="datetimeFigureOut">
               <a:rPr kumimoji="1" lang="ja-JP" altLang="en-US" smtClean="0"/>
               <a:pPr/>
-              <a:t>2016/6/5</a:t>
+              <a:t>2016/6/14</a:t>
             </a:fld>
             <a:endParaRPr kumimoji="1" lang="ja-JP" altLang="en-US"/>
           </a:p>
@@ -458,7 +460,7 @@
             <a:fld id="{E90ED720-0104-4369-84BC-D37694168613}" type="datetimeFigureOut">
               <a:rPr kumimoji="1" lang="ja-JP" altLang="en-US" smtClean="0"/>
               <a:pPr/>
-              <a:t>2016/6/5</a:t>
+              <a:t>2016/6/14</a:t>
             </a:fld>
             <a:endParaRPr kumimoji="1" lang="ja-JP" altLang="en-US"/>
           </a:p>
@@ -670,7 +672,7 @@
             <a:fld id="{E90ED720-0104-4369-84BC-D37694168613}" type="datetimeFigureOut">
               <a:rPr kumimoji="1" lang="ja-JP" altLang="en-US" smtClean="0"/>
               <a:pPr/>
-              <a:t>2016/6/5</a:t>
+              <a:t>2016/6/14</a:t>
             </a:fld>
             <a:endParaRPr kumimoji="1" lang="ja-JP" altLang="en-US"/>
           </a:p>
@@ -872,7 +874,7 @@
             <a:fld id="{E90ED720-0104-4369-84BC-D37694168613}" type="datetimeFigureOut">
               <a:rPr kumimoji="1" lang="ja-JP" altLang="en-US" smtClean="0"/>
               <a:pPr/>
-              <a:t>2016/6/5</a:t>
+              <a:t>2016/6/14</a:t>
             </a:fld>
             <a:endParaRPr kumimoji="1" lang="ja-JP" altLang="en-US"/>
           </a:p>
@@ -1119,7 +1121,7 @@
             <a:fld id="{E90ED720-0104-4369-84BC-D37694168613}" type="datetimeFigureOut">
               <a:rPr kumimoji="1" lang="ja-JP" altLang="en-US" smtClean="0"/>
               <a:pPr/>
-              <a:t>2016/6/5</a:t>
+              <a:t>2016/6/14</a:t>
             </a:fld>
             <a:endParaRPr kumimoji="1" lang="ja-JP" altLang="en-US"/>
           </a:p>
@@ -1414,7 +1416,7 @@
             <a:fld id="{E90ED720-0104-4369-84BC-D37694168613}" type="datetimeFigureOut">
               <a:rPr kumimoji="1" lang="ja-JP" altLang="en-US" smtClean="0"/>
               <a:pPr/>
-              <a:t>2016/6/5</a:t>
+              <a:t>2016/6/14</a:t>
             </a:fld>
             <a:endParaRPr kumimoji="1" lang="ja-JP" altLang="en-US"/>
           </a:p>
@@ -1844,7 +1846,7 @@
             <a:fld id="{E90ED720-0104-4369-84BC-D37694168613}" type="datetimeFigureOut">
               <a:rPr kumimoji="1" lang="ja-JP" altLang="en-US" smtClean="0"/>
               <a:pPr/>
-              <a:t>2016/6/5</a:t>
+              <a:t>2016/6/14</a:t>
             </a:fld>
             <a:endParaRPr kumimoji="1" lang="ja-JP" altLang="en-US"/>
           </a:p>
@@ -1963,7 +1965,7 @@
             <a:fld id="{E90ED720-0104-4369-84BC-D37694168613}" type="datetimeFigureOut">
               <a:rPr kumimoji="1" lang="ja-JP" altLang="en-US" smtClean="0"/>
               <a:pPr/>
-              <a:t>2016/6/5</a:t>
+              <a:t>2016/6/14</a:t>
             </a:fld>
             <a:endParaRPr kumimoji="1" lang="ja-JP" altLang="en-US"/>
           </a:p>
@@ -2060,7 +2062,7 @@
             <a:fld id="{E90ED720-0104-4369-84BC-D37694168613}" type="datetimeFigureOut">
               <a:rPr kumimoji="1" lang="ja-JP" altLang="en-US" smtClean="0"/>
               <a:pPr/>
-              <a:t>2016/6/5</a:t>
+              <a:t>2016/6/14</a:t>
             </a:fld>
             <a:endParaRPr kumimoji="1" lang="ja-JP" altLang="en-US"/>
           </a:p>
@@ -2369,7 +2371,7 @@
             <a:fld id="{E90ED720-0104-4369-84BC-D37694168613}" type="datetimeFigureOut">
               <a:rPr kumimoji="1" lang="ja-JP" altLang="en-US" smtClean="0"/>
               <a:pPr/>
-              <a:t>2016/6/5</a:t>
+              <a:t>2016/6/14</a:t>
             </a:fld>
             <a:endParaRPr kumimoji="1" lang="ja-JP" altLang="en-US"/>
           </a:p>
@@ -2623,7 +2625,7 @@
             <a:fld id="{E90ED720-0104-4369-84BC-D37694168613}" type="datetimeFigureOut">
               <a:rPr kumimoji="1" lang="ja-JP" altLang="en-US" smtClean="0"/>
               <a:pPr/>
-              <a:t>2016/6/5</a:t>
+              <a:t>2016/6/14</a:t>
             </a:fld>
             <a:endParaRPr kumimoji="1" lang="ja-JP" altLang="en-US"/>
           </a:p>
@@ -2868,7 +2870,7 @@
             <a:fld id="{E90ED720-0104-4369-84BC-D37694168613}" type="datetimeFigureOut">
               <a:rPr kumimoji="1" lang="ja-JP" altLang="en-US" smtClean="0"/>
               <a:pPr/>
-              <a:t>2016/6/5</a:t>
+              <a:t>2016/6/14</a:t>
             </a:fld>
             <a:endParaRPr kumimoji="1" lang="ja-JP" altLang="en-US"/>
           </a:p>
@@ -5225,6 +5227,967 @@
           <a:chExt cx="0" cy="0"/>
         </a:xfrm>
       </p:grpSpPr>
+      <p:sp>
+        <p:nvSpPr>
+          <p:cNvPr id="2" name="正方形/長方形 1"/>
+          <p:cNvSpPr/>
+          <p:nvPr/>
+        </p:nvSpPr>
+        <p:spPr>
+          <a:xfrm>
+            <a:off x="323528" y="764704"/>
+            <a:ext cx="216024" cy="288032"/>
+          </a:xfrm>
+          <a:prstGeom prst="rect">
+            <a:avLst/>
+          </a:prstGeom>
+        </p:spPr>
+        <p:style>
+          <a:lnRef idx="2">
+            <a:schemeClr val="accent5"/>
+          </a:lnRef>
+          <a:fillRef idx="1">
+            <a:schemeClr val="lt1"/>
+          </a:fillRef>
+          <a:effectRef idx="0">
+            <a:schemeClr val="accent5"/>
+          </a:effectRef>
+          <a:fontRef idx="minor">
+            <a:schemeClr val="dk1"/>
+          </a:fontRef>
+        </p:style>
+        <p:txBody>
+          <a:bodyPr lIns="36000" tIns="36000" rIns="36000" bIns="36000" rtlCol="0" anchor="ctr"/>
+          <a:lstStyle/>
+          <a:p>
+            <a:pPr algn="ctr"/>
+            <a:endParaRPr kumimoji="1" lang="ja-JP" altLang="en-US" sz="1100" dirty="0"/>
+          </a:p>
+        </p:txBody>
+      </p:sp>
+      <p:sp>
+        <p:nvSpPr>
+          <p:cNvPr id="3" name="正方形/長方形 2"/>
+          <p:cNvSpPr/>
+          <p:nvPr/>
+        </p:nvSpPr>
+        <p:spPr>
+          <a:xfrm>
+            <a:off x="539552" y="764704"/>
+            <a:ext cx="216024" cy="288032"/>
+          </a:xfrm>
+          <a:prstGeom prst="rect">
+            <a:avLst/>
+          </a:prstGeom>
+        </p:spPr>
+        <p:style>
+          <a:lnRef idx="2">
+            <a:schemeClr val="accent5"/>
+          </a:lnRef>
+          <a:fillRef idx="1">
+            <a:schemeClr val="lt1"/>
+          </a:fillRef>
+          <a:effectRef idx="0">
+            <a:schemeClr val="accent5"/>
+          </a:effectRef>
+          <a:fontRef idx="minor">
+            <a:schemeClr val="dk1"/>
+          </a:fontRef>
+        </p:style>
+        <p:txBody>
+          <a:bodyPr lIns="36000" tIns="36000" rIns="36000" bIns="36000" rtlCol="0" anchor="ctr"/>
+          <a:lstStyle/>
+          <a:p>
+            <a:pPr algn="ctr"/>
+            <a:endParaRPr kumimoji="1" lang="ja-JP" altLang="en-US" sz="1100" dirty="0"/>
+          </a:p>
+        </p:txBody>
+      </p:sp>
+      <p:sp>
+        <p:nvSpPr>
+          <p:cNvPr id="4" name="正方形/長方形 3"/>
+          <p:cNvSpPr/>
+          <p:nvPr/>
+        </p:nvSpPr>
+        <p:spPr>
+          <a:xfrm>
+            <a:off x="755576" y="764704"/>
+            <a:ext cx="216024" cy="288032"/>
+          </a:xfrm>
+          <a:prstGeom prst="rect">
+            <a:avLst/>
+          </a:prstGeom>
+        </p:spPr>
+        <p:style>
+          <a:lnRef idx="2">
+            <a:schemeClr val="accent5"/>
+          </a:lnRef>
+          <a:fillRef idx="1">
+            <a:schemeClr val="lt1"/>
+          </a:fillRef>
+          <a:effectRef idx="0">
+            <a:schemeClr val="accent5"/>
+          </a:effectRef>
+          <a:fontRef idx="minor">
+            <a:schemeClr val="dk1"/>
+          </a:fontRef>
+        </p:style>
+        <p:txBody>
+          <a:bodyPr lIns="36000" tIns="36000" rIns="36000" bIns="36000" rtlCol="0" anchor="ctr"/>
+          <a:lstStyle/>
+          <a:p>
+            <a:pPr algn="ctr"/>
+            <a:endParaRPr kumimoji="1" lang="ja-JP" altLang="en-US" sz="1100" dirty="0"/>
+          </a:p>
+        </p:txBody>
+      </p:sp>
+      <p:sp>
+        <p:nvSpPr>
+          <p:cNvPr id="5" name="正方形/長方形 4"/>
+          <p:cNvSpPr/>
+          <p:nvPr/>
+        </p:nvSpPr>
+        <p:spPr>
+          <a:xfrm>
+            <a:off x="971600" y="764704"/>
+            <a:ext cx="216024" cy="288032"/>
+          </a:xfrm>
+          <a:prstGeom prst="rect">
+            <a:avLst/>
+          </a:prstGeom>
+        </p:spPr>
+        <p:style>
+          <a:lnRef idx="2">
+            <a:schemeClr val="accent5"/>
+          </a:lnRef>
+          <a:fillRef idx="1">
+            <a:schemeClr val="lt1"/>
+          </a:fillRef>
+          <a:effectRef idx="0">
+            <a:schemeClr val="accent5"/>
+          </a:effectRef>
+          <a:fontRef idx="minor">
+            <a:schemeClr val="dk1"/>
+          </a:fontRef>
+        </p:style>
+        <p:txBody>
+          <a:bodyPr lIns="36000" tIns="36000" rIns="36000" bIns="36000" rtlCol="0" anchor="ctr"/>
+          <a:lstStyle/>
+          <a:p>
+            <a:pPr algn="ctr"/>
+            <a:endParaRPr kumimoji="1" lang="ja-JP" altLang="en-US" sz="1100" dirty="0"/>
+          </a:p>
+        </p:txBody>
+      </p:sp>
+      <p:sp>
+        <p:nvSpPr>
+          <p:cNvPr id="6" name="正方形/長方形 5"/>
+          <p:cNvSpPr/>
+          <p:nvPr/>
+        </p:nvSpPr>
+        <p:spPr>
+          <a:xfrm>
+            <a:off x="1187624" y="764704"/>
+            <a:ext cx="216024" cy="288032"/>
+          </a:xfrm>
+          <a:prstGeom prst="rect">
+            <a:avLst/>
+          </a:prstGeom>
+        </p:spPr>
+        <p:style>
+          <a:lnRef idx="2">
+            <a:schemeClr val="accent5"/>
+          </a:lnRef>
+          <a:fillRef idx="1">
+            <a:schemeClr val="lt1"/>
+          </a:fillRef>
+          <a:effectRef idx="0">
+            <a:schemeClr val="accent5"/>
+          </a:effectRef>
+          <a:fontRef idx="minor">
+            <a:schemeClr val="dk1"/>
+          </a:fontRef>
+        </p:style>
+        <p:txBody>
+          <a:bodyPr lIns="36000" tIns="36000" rIns="36000" bIns="36000" rtlCol="0" anchor="ctr"/>
+          <a:lstStyle/>
+          <a:p>
+            <a:pPr algn="ctr"/>
+            <a:endParaRPr kumimoji="1" lang="ja-JP" altLang="en-US" sz="1100" dirty="0"/>
+          </a:p>
+        </p:txBody>
+      </p:sp>
+      <p:sp>
+        <p:nvSpPr>
+          <p:cNvPr id="7" name="正方形/長方形 6"/>
+          <p:cNvSpPr/>
+          <p:nvPr/>
+        </p:nvSpPr>
+        <p:spPr>
+          <a:xfrm>
+            <a:off x="1403648" y="764704"/>
+            <a:ext cx="216024" cy="288032"/>
+          </a:xfrm>
+          <a:prstGeom prst="rect">
+            <a:avLst/>
+          </a:prstGeom>
+        </p:spPr>
+        <p:style>
+          <a:lnRef idx="2">
+            <a:schemeClr val="accent5"/>
+          </a:lnRef>
+          <a:fillRef idx="1">
+            <a:schemeClr val="lt1"/>
+          </a:fillRef>
+          <a:effectRef idx="0">
+            <a:schemeClr val="accent5"/>
+          </a:effectRef>
+          <a:fontRef idx="minor">
+            <a:schemeClr val="dk1"/>
+          </a:fontRef>
+        </p:style>
+        <p:txBody>
+          <a:bodyPr lIns="36000" tIns="36000" rIns="36000" bIns="36000" rtlCol="0" anchor="ctr"/>
+          <a:lstStyle/>
+          <a:p>
+            <a:pPr algn="ctr"/>
+            <a:endParaRPr kumimoji="1" lang="ja-JP" altLang="en-US" sz="1100" dirty="0"/>
+          </a:p>
+        </p:txBody>
+      </p:sp>
+      <p:sp>
+        <p:nvSpPr>
+          <p:cNvPr id="8" name="正方形/長方形 7"/>
+          <p:cNvSpPr/>
+          <p:nvPr/>
+        </p:nvSpPr>
+        <p:spPr>
+          <a:xfrm>
+            <a:off x="1619672" y="764704"/>
+            <a:ext cx="216024" cy="288032"/>
+          </a:xfrm>
+          <a:prstGeom prst="rect">
+            <a:avLst/>
+          </a:prstGeom>
+        </p:spPr>
+        <p:style>
+          <a:lnRef idx="2">
+            <a:schemeClr val="accent5"/>
+          </a:lnRef>
+          <a:fillRef idx="1">
+            <a:schemeClr val="lt1"/>
+          </a:fillRef>
+          <a:effectRef idx="0">
+            <a:schemeClr val="accent5"/>
+          </a:effectRef>
+          <a:fontRef idx="minor">
+            <a:schemeClr val="dk1"/>
+          </a:fontRef>
+        </p:style>
+        <p:txBody>
+          <a:bodyPr lIns="36000" tIns="36000" rIns="36000" bIns="36000" rtlCol="0" anchor="ctr"/>
+          <a:lstStyle/>
+          <a:p>
+            <a:pPr algn="ctr"/>
+            <a:endParaRPr kumimoji="1" lang="ja-JP" altLang="en-US" sz="1100" dirty="0"/>
+          </a:p>
+        </p:txBody>
+      </p:sp>
+      <p:sp>
+        <p:nvSpPr>
+          <p:cNvPr id="9" name="正方形/長方形 8"/>
+          <p:cNvSpPr/>
+          <p:nvPr/>
+        </p:nvSpPr>
+        <p:spPr>
+          <a:xfrm>
+            <a:off x="1835696" y="764704"/>
+            <a:ext cx="216024" cy="288032"/>
+          </a:xfrm>
+          <a:prstGeom prst="rect">
+            <a:avLst/>
+          </a:prstGeom>
+        </p:spPr>
+        <p:style>
+          <a:lnRef idx="2">
+            <a:schemeClr val="accent5"/>
+          </a:lnRef>
+          <a:fillRef idx="1">
+            <a:schemeClr val="lt1"/>
+          </a:fillRef>
+          <a:effectRef idx="0">
+            <a:schemeClr val="accent5"/>
+          </a:effectRef>
+          <a:fontRef idx="minor">
+            <a:schemeClr val="dk1"/>
+          </a:fontRef>
+        </p:style>
+        <p:txBody>
+          <a:bodyPr lIns="36000" tIns="36000" rIns="36000" bIns="36000" rtlCol="0" anchor="ctr"/>
+          <a:lstStyle/>
+          <a:p>
+            <a:pPr algn="ctr"/>
+            <a:endParaRPr kumimoji="1" lang="ja-JP" altLang="en-US" sz="1100" dirty="0"/>
+          </a:p>
+        </p:txBody>
+      </p:sp>
+      <p:sp>
+        <p:nvSpPr>
+          <p:cNvPr id="10" name="正方形/長方形 9"/>
+          <p:cNvSpPr/>
+          <p:nvPr/>
+        </p:nvSpPr>
+        <p:spPr>
+          <a:xfrm>
+            <a:off x="328439" y="2204864"/>
+            <a:ext cx="1724237" cy="288032"/>
+          </a:xfrm>
+          <a:prstGeom prst="rect">
+            <a:avLst/>
+          </a:prstGeom>
+        </p:spPr>
+        <p:style>
+          <a:lnRef idx="2">
+            <a:schemeClr val="accent5"/>
+          </a:lnRef>
+          <a:fillRef idx="1">
+            <a:schemeClr val="lt1"/>
+          </a:fillRef>
+          <a:effectRef idx="0">
+            <a:schemeClr val="accent5"/>
+          </a:effectRef>
+          <a:fontRef idx="minor">
+            <a:schemeClr val="dk1"/>
+          </a:fontRef>
+        </p:style>
+        <p:txBody>
+          <a:bodyPr lIns="36000" tIns="36000" rIns="36000" bIns="36000" rtlCol="0" anchor="ctr"/>
+          <a:lstStyle/>
+          <a:p>
+            <a:pPr algn="ctr"/>
+            <a:endParaRPr kumimoji="1" lang="ja-JP" altLang="en-US" sz="1100" dirty="0"/>
+          </a:p>
+        </p:txBody>
+      </p:sp>
+      <p:sp>
+        <p:nvSpPr>
+          <p:cNvPr id="11" name="正方形/長方形 10"/>
+          <p:cNvSpPr/>
+          <p:nvPr/>
+        </p:nvSpPr>
+        <p:spPr>
+          <a:xfrm>
+            <a:off x="2052676" y="2204864"/>
+            <a:ext cx="1724237" cy="288032"/>
+          </a:xfrm>
+          <a:prstGeom prst="rect">
+            <a:avLst/>
+          </a:prstGeom>
+        </p:spPr>
+        <p:style>
+          <a:lnRef idx="2">
+            <a:schemeClr val="accent5"/>
+          </a:lnRef>
+          <a:fillRef idx="1">
+            <a:schemeClr val="lt1"/>
+          </a:fillRef>
+          <a:effectRef idx="0">
+            <a:schemeClr val="accent5"/>
+          </a:effectRef>
+          <a:fontRef idx="minor">
+            <a:schemeClr val="dk1"/>
+          </a:fontRef>
+        </p:style>
+        <p:txBody>
+          <a:bodyPr lIns="36000" tIns="36000" rIns="36000" bIns="36000" rtlCol="0" anchor="ctr"/>
+          <a:lstStyle/>
+          <a:p>
+            <a:pPr algn="ctr"/>
+            <a:r>
+              <a:rPr kumimoji="1" lang="en-US" altLang="ja-JP" sz="1100" dirty="0"/>
+              <a:t>B</a:t>
+            </a:r>
+            <a:endParaRPr kumimoji="1" lang="ja-JP" altLang="en-US" sz="1100" dirty="0"/>
+          </a:p>
+        </p:txBody>
+      </p:sp>
+      <p:sp>
+        <p:nvSpPr>
+          <p:cNvPr id="12" name="正方形/長方形 11"/>
+          <p:cNvSpPr/>
+          <p:nvPr/>
+        </p:nvSpPr>
+        <p:spPr>
+          <a:xfrm>
+            <a:off x="3776913" y="2204864"/>
+            <a:ext cx="1724237" cy="288032"/>
+          </a:xfrm>
+          <a:prstGeom prst="rect">
+            <a:avLst/>
+          </a:prstGeom>
+        </p:spPr>
+        <p:style>
+          <a:lnRef idx="2">
+            <a:schemeClr val="accent5"/>
+          </a:lnRef>
+          <a:fillRef idx="1">
+            <a:schemeClr val="lt1"/>
+          </a:fillRef>
+          <a:effectRef idx="0">
+            <a:schemeClr val="accent5"/>
+          </a:effectRef>
+          <a:fontRef idx="minor">
+            <a:schemeClr val="dk1"/>
+          </a:fontRef>
+        </p:style>
+        <p:txBody>
+          <a:bodyPr lIns="36000" tIns="36000" rIns="36000" bIns="36000" rtlCol="0" anchor="ctr"/>
+          <a:lstStyle/>
+          <a:p>
+            <a:pPr algn="ctr"/>
+            <a:endParaRPr kumimoji="1" lang="ja-JP" altLang="en-US" sz="1100" dirty="0"/>
+          </a:p>
+        </p:txBody>
+      </p:sp>
+      <p:sp>
+        <p:nvSpPr>
+          <p:cNvPr id="13" name="正方形/長方形 12"/>
+          <p:cNvSpPr/>
+          <p:nvPr/>
+        </p:nvSpPr>
+        <p:spPr>
+          <a:xfrm>
+            <a:off x="328439" y="2204864"/>
+            <a:ext cx="216024" cy="288032"/>
+          </a:xfrm>
+          <a:prstGeom prst="rect">
+            <a:avLst/>
+          </a:prstGeom>
+        </p:spPr>
+        <p:style>
+          <a:lnRef idx="2">
+            <a:schemeClr val="accent5"/>
+          </a:lnRef>
+          <a:fillRef idx="1">
+            <a:schemeClr val="lt1"/>
+          </a:fillRef>
+          <a:effectRef idx="0">
+            <a:schemeClr val="accent5"/>
+          </a:effectRef>
+          <a:fontRef idx="minor">
+            <a:schemeClr val="dk1"/>
+          </a:fontRef>
+        </p:style>
+        <p:txBody>
+          <a:bodyPr lIns="36000" tIns="36000" rIns="36000" bIns="36000" rtlCol="0" anchor="ctr"/>
+          <a:lstStyle/>
+          <a:p>
+            <a:pPr algn="ctr"/>
+            <a:r>
+              <a:rPr kumimoji="1" lang="en-US" altLang="ja-JP" sz="1100" dirty="0"/>
+              <a:t>A</a:t>
+            </a:r>
+            <a:endParaRPr kumimoji="1" lang="ja-JP" altLang="en-US" sz="1100" dirty="0"/>
+          </a:p>
+        </p:txBody>
+      </p:sp>
+      <p:sp>
+        <p:nvSpPr>
+          <p:cNvPr id="14" name="正方形/長方形 13"/>
+          <p:cNvSpPr/>
+          <p:nvPr/>
+        </p:nvSpPr>
+        <p:spPr>
+          <a:xfrm>
+            <a:off x="3776913" y="2204864"/>
+            <a:ext cx="216024" cy="288032"/>
+          </a:xfrm>
+          <a:prstGeom prst="rect">
+            <a:avLst/>
+          </a:prstGeom>
+        </p:spPr>
+        <p:style>
+          <a:lnRef idx="2">
+            <a:schemeClr val="accent5"/>
+          </a:lnRef>
+          <a:fillRef idx="1">
+            <a:schemeClr val="lt1"/>
+          </a:fillRef>
+          <a:effectRef idx="0">
+            <a:schemeClr val="accent5"/>
+          </a:effectRef>
+          <a:fontRef idx="minor">
+            <a:schemeClr val="dk1"/>
+          </a:fontRef>
+        </p:style>
+        <p:txBody>
+          <a:bodyPr lIns="36000" tIns="36000" rIns="36000" bIns="36000" rtlCol="0" anchor="ctr"/>
+          <a:lstStyle/>
+          <a:p>
+            <a:pPr algn="ctr"/>
+            <a:r>
+              <a:rPr kumimoji="1" lang="en-US" altLang="ja-JP" sz="1100" dirty="0"/>
+              <a:t>C</a:t>
+            </a:r>
+            <a:endParaRPr kumimoji="1" lang="ja-JP" altLang="en-US" sz="1100" dirty="0"/>
+          </a:p>
+        </p:txBody>
+      </p:sp>
+      <p:sp>
+        <p:nvSpPr>
+          <p:cNvPr id="15" name="右中かっこ 14"/>
+          <p:cNvSpPr/>
+          <p:nvPr/>
+        </p:nvSpPr>
+        <p:spPr>
+          <a:xfrm rot="5400000">
+            <a:off x="1172099" y="1900352"/>
+            <a:ext cx="264705" cy="1496448"/>
+          </a:xfrm>
+          <a:prstGeom prst="rightBrace">
+            <a:avLst/>
+          </a:prstGeom>
+        </p:spPr>
+        <p:style>
+          <a:lnRef idx="1">
+            <a:schemeClr val="accent3"/>
+          </a:lnRef>
+          <a:fillRef idx="0">
+            <a:schemeClr val="accent3"/>
+          </a:fillRef>
+          <a:effectRef idx="0">
+            <a:schemeClr val="accent3"/>
+          </a:effectRef>
+          <a:fontRef idx="minor">
+            <a:schemeClr val="tx1"/>
+          </a:fontRef>
+        </p:style>
+        <p:txBody>
+          <a:bodyPr rtlCol="0" anchor="ctr"/>
+          <a:lstStyle/>
+          <a:p>
+            <a:pPr algn="ctr"/>
+            <a:endParaRPr kumimoji="1" lang="ja-JP" altLang="en-US"/>
+          </a:p>
+        </p:txBody>
+      </p:sp>
+      <p:sp>
+        <p:nvSpPr>
+          <p:cNvPr id="16" name="右中かっこ 15"/>
+          <p:cNvSpPr/>
+          <p:nvPr/>
+        </p:nvSpPr>
+        <p:spPr>
+          <a:xfrm rot="5400000">
+            <a:off x="4627527" y="1900355"/>
+            <a:ext cx="264705" cy="1496448"/>
+          </a:xfrm>
+          <a:prstGeom prst="rightBrace">
+            <a:avLst/>
+          </a:prstGeom>
+        </p:spPr>
+        <p:style>
+          <a:lnRef idx="1">
+            <a:schemeClr val="accent3"/>
+          </a:lnRef>
+          <a:fillRef idx="0">
+            <a:schemeClr val="accent3"/>
+          </a:fillRef>
+          <a:effectRef idx="0">
+            <a:schemeClr val="accent3"/>
+          </a:effectRef>
+          <a:fontRef idx="minor">
+            <a:schemeClr val="tx1"/>
+          </a:fontRef>
+        </p:style>
+        <p:txBody>
+          <a:bodyPr rtlCol="0" anchor="ctr"/>
+          <a:lstStyle/>
+          <a:p>
+            <a:pPr algn="ctr"/>
+            <a:endParaRPr kumimoji="1" lang="ja-JP" altLang="en-US"/>
+          </a:p>
+        </p:txBody>
+      </p:sp>
+      <p:sp>
+        <p:nvSpPr>
+          <p:cNvPr id="17" name="テキスト ボックス 16"/>
+          <p:cNvSpPr txBox="1"/>
+          <p:nvPr/>
+        </p:nvSpPr>
+        <p:spPr>
+          <a:xfrm>
+            <a:off x="1075739" y="2804256"/>
+            <a:ext cx="457424" cy="226591"/>
+          </a:xfrm>
+          <a:prstGeom prst="rect">
+            <a:avLst/>
+          </a:prstGeom>
+          <a:noFill/>
+        </p:spPr>
+        <p:txBody>
+          <a:bodyPr wrap="none" lIns="36000" tIns="36000" rIns="36000" bIns="36000" rtlCol="0">
+            <a:spAutoFit/>
+          </a:bodyPr>
+          <a:lstStyle/>
+          <a:p>
+            <a:r>
+              <a:rPr kumimoji="1" lang="ja-JP" altLang="en-US" sz="1000" dirty="0"/>
+              <a:t>未使用</a:t>
+            </a:r>
+          </a:p>
+        </p:txBody>
+      </p:sp>
+      <p:sp>
+        <p:nvSpPr>
+          <p:cNvPr id="18" name="テキスト ボックス 17"/>
+          <p:cNvSpPr txBox="1"/>
+          <p:nvPr/>
+        </p:nvSpPr>
+        <p:spPr>
+          <a:xfrm>
+            <a:off x="4512449" y="2804256"/>
+            <a:ext cx="457424" cy="226591"/>
+          </a:xfrm>
+          <a:prstGeom prst="rect">
+            <a:avLst/>
+          </a:prstGeom>
+          <a:noFill/>
+        </p:spPr>
+        <p:txBody>
+          <a:bodyPr wrap="none" lIns="36000" tIns="36000" rIns="36000" bIns="36000" rtlCol="0">
+            <a:spAutoFit/>
+          </a:bodyPr>
+          <a:lstStyle/>
+          <a:p>
+            <a:r>
+              <a:rPr kumimoji="1" lang="ja-JP" altLang="en-US" sz="1000" dirty="0"/>
+              <a:t>未使用</a:t>
+            </a:r>
+          </a:p>
+        </p:txBody>
+      </p:sp>
+      <p:cxnSp>
+        <p:nvCxnSpPr>
+          <p:cNvPr id="20" name="直線コネクタ 19"/>
+          <p:cNvCxnSpPr/>
+          <p:nvPr/>
+        </p:nvCxnSpPr>
+        <p:spPr>
+          <a:xfrm flipV="1">
+            <a:off x="328439" y="1938039"/>
+            <a:ext cx="0" cy="266825"/>
+          </a:xfrm>
+          <a:prstGeom prst="line">
+            <a:avLst/>
+          </a:prstGeom>
+        </p:spPr>
+        <p:style>
+          <a:lnRef idx="1">
+            <a:schemeClr val="accent2"/>
+          </a:lnRef>
+          <a:fillRef idx="0">
+            <a:schemeClr val="accent2"/>
+          </a:fillRef>
+          <a:effectRef idx="0">
+            <a:schemeClr val="accent2"/>
+          </a:effectRef>
+          <a:fontRef idx="minor">
+            <a:schemeClr val="tx1"/>
+          </a:fontRef>
+        </p:style>
+      </p:cxnSp>
+      <p:cxnSp>
+        <p:nvCxnSpPr>
+          <p:cNvPr id="29" name="直線矢印コネクタ 28"/>
+          <p:cNvCxnSpPr/>
+          <p:nvPr/>
+        </p:nvCxnSpPr>
+        <p:spPr>
+          <a:xfrm>
+            <a:off x="328439" y="2060848"/>
+            <a:ext cx="1724237" cy="0"/>
+          </a:xfrm>
+          <a:prstGeom prst="straightConnector1">
+            <a:avLst/>
+          </a:prstGeom>
+          <a:ln>
+            <a:headEnd type="triangle"/>
+            <a:tailEnd type="triangle"/>
+          </a:ln>
+        </p:spPr>
+        <p:style>
+          <a:lnRef idx="1">
+            <a:schemeClr val="accent3"/>
+          </a:lnRef>
+          <a:fillRef idx="0">
+            <a:schemeClr val="accent3"/>
+          </a:fillRef>
+          <a:effectRef idx="0">
+            <a:schemeClr val="accent3"/>
+          </a:effectRef>
+          <a:fontRef idx="minor">
+            <a:schemeClr val="tx1"/>
+          </a:fontRef>
+        </p:style>
+      </p:cxnSp>
+      <p:cxnSp>
+        <p:nvCxnSpPr>
+          <p:cNvPr id="30" name="直線矢印コネクタ 29"/>
+          <p:cNvCxnSpPr/>
+          <p:nvPr/>
+        </p:nvCxnSpPr>
+        <p:spPr>
+          <a:xfrm>
+            <a:off x="2052675" y="2060848"/>
+            <a:ext cx="1724237" cy="0"/>
+          </a:xfrm>
+          <a:prstGeom prst="straightConnector1">
+            <a:avLst/>
+          </a:prstGeom>
+          <a:ln>
+            <a:headEnd type="triangle"/>
+            <a:tailEnd type="triangle"/>
+          </a:ln>
+        </p:spPr>
+        <p:style>
+          <a:lnRef idx="1">
+            <a:schemeClr val="accent3"/>
+          </a:lnRef>
+          <a:fillRef idx="0">
+            <a:schemeClr val="accent3"/>
+          </a:fillRef>
+          <a:effectRef idx="0">
+            <a:schemeClr val="accent3"/>
+          </a:effectRef>
+          <a:fontRef idx="minor">
+            <a:schemeClr val="tx1"/>
+          </a:fontRef>
+        </p:style>
+      </p:cxnSp>
+      <p:cxnSp>
+        <p:nvCxnSpPr>
+          <p:cNvPr id="31" name="直線矢印コネクタ 30"/>
+          <p:cNvCxnSpPr/>
+          <p:nvPr/>
+        </p:nvCxnSpPr>
+        <p:spPr>
+          <a:xfrm>
+            <a:off x="3776913" y="2060848"/>
+            <a:ext cx="1724237" cy="0"/>
+          </a:xfrm>
+          <a:prstGeom prst="straightConnector1">
+            <a:avLst/>
+          </a:prstGeom>
+          <a:ln>
+            <a:headEnd type="triangle"/>
+            <a:tailEnd type="triangle"/>
+          </a:ln>
+        </p:spPr>
+        <p:style>
+          <a:lnRef idx="1">
+            <a:schemeClr val="accent3"/>
+          </a:lnRef>
+          <a:fillRef idx="0">
+            <a:schemeClr val="accent3"/>
+          </a:fillRef>
+          <a:effectRef idx="0">
+            <a:schemeClr val="accent3"/>
+          </a:effectRef>
+          <a:fontRef idx="minor">
+            <a:schemeClr val="tx1"/>
+          </a:fontRef>
+        </p:style>
+      </p:cxnSp>
+      <p:sp>
+        <p:nvSpPr>
+          <p:cNvPr id="32" name="テキスト ボックス 31"/>
+          <p:cNvSpPr txBox="1"/>
+          <p:nvPr/>
+        </p:nvSpPr>
+        <p:spPr>
+          <a:xfrm>
+            <a:off x="961845" y="1824744"/>
+            <a:ext cx="523147" cy="226591"/>
+          </a:xfrm>
+          <a:prstGeom prst="rect">
+            <a:avLst/>
+          </a:prstGeom>
+          <a:noFill/>
+        </p:spPr>
+        <p:txBody>
+          <a:bodyPr wrap="none" lIns="36000" tIns="36000" rIns="36000" bIns="36000" rtlCol="0">
+            <a:spAutoFit/>
+          </a:bodyPr>
+          <a:lstStyle/>
+          <a:p>
+            <a:r>
+              <a:rPr kumimoji="1" lang="en-US" altLang="ja-JP" sz="1000" dirty="0"/>
+              <a:t>8</a:t>
+            </a:r>
+            <a:r>
+              <a:rPr kumimoji="1" lang="ja-JP" altLang="en-US" sz="1000" dirty="0"/>
+              <a:t>バイト</a:t>
+            </a:r>
+          </a:p>
+        </p:txBody>
+      </p:sp>
+      <p:sp>
+        <p:nvSpPr>
+          <p:cNvPr id="33" name="テキスト ボックス 32"/>
+          <p:cNvSpPr txBox="1"/>
+          <p:nvPr/>
+        </p:nvSpPr>
+        <p:spPr>
+          <a:xfrm>
+            <a:off x="2657707" y="1824744"/>
+            <a:ext cx="523147" cy="226591"/>
+          </a:xfrm>
+          <a:prstGeom prst="rect">
+            <a:avLst/>
+          </a:prstGeom>
+          <a:noFill/>
+        </p:spPr>
+        <p:txBody>
+          <a:bodyPr wrap="none" lIns="36000" tIns="36000" rIns="36000" bIns="36000" rtlCol="0">
+            <a:spAutoFit/>
+          </a:bodyPr>
+          <a:lstStyle/>
+          <a:p>
+            <a:r>
+              <a:rPr kumimoji="1" lang="en-US" altLang="ja-JP" sz="1000" dirty="0"/>
+              <a:t>8</a:t>
+            </a:r>
+            <a:r>
+              <a:rPr kumimoji="1" lang="ja-JP" altLang="en-US" sz="1000" dirty="0"/>
+              <a:t>バイト</a:t>
+            </a:r>
+          </a:p>
+        </p:txBody>
+      </p:sp>
+      <p:sp>
+        <p:nvSpPr>
+          <p:cNvPr id="34" name="テキスト ボックス 33"/>
+          <p:cNvSpPr txBox="1"/>
+          <p:nvPr/>
+        </p:nvSpPr>
+        <p:spPr>
+          <a:xfrm>
+            <a:off x="4372971" y="1824744"/>
+            <a:ext cx="523147" cy="226591"/>
+          </a:xfrm>
+          <a:prstGeom prst="rect">
+            <a:avLst/>
+          </a:prstGeom>
+          <a:noFill/>
+        </p:spPr>
+        <p:txBody>
+          <a:bodyPr wrap="none" lIns="36000" tIns="36000" rIns="36000" bIns="36000" rtlCol="0">
+            <a:spAutoFit/>
+          </a:bodyPr>
+          <a:lstStyle/>
+          <a:p>
+            <a:r>
+              <a:rPr kumimoji="1" lang="en-US" altLang="ja-JP" sz="1000" dirty="0"/>
+              <a:t>8</a:t>
+            </a:r>
+            <a:r>
+              <a:rPr kumimoji="1" lang="ja-JP" altLang="en-US" sz="1000" dirty="0"/>
+              <a:t>バイト</a:t>
+            </a:r>
+          </a:p>
+        </p:txBody>
+      </p:sp>
+      <p:cxnSp>
+        <p:nvCxnSpPr>
+          <p:cNvPr id="36" name="直線コネクタ 35"/>
+          <p:cNvCxnSpPr/>
+          <p:nvPr/>
+        </p:nvCxnSpPr>
+        <p:spPr>
+          <a:xfrm flipV="1">
+            <a:off x="2052700" y="1938039"/>
+            <a:ext cx="0" cy="266825"/>
+          </a:xfrm>
+          <a:prstGeom prst="line">
+            <a:avLst/>
+          </a:prstGeom>
+        </p:spPr>
+        <p:style>
+          <a:lnRef idx="1">
+            <a:schemeClr val="accent2"/>
+          </a:lnRef>
+          <a:fillRef idx="0">
+            <a:schemeClr val="accent2"/>
+          </a:fillRef>
+          <a:effectRef idx="0">
+            <a:schemeClr val="accent2"/>
+          </a:effectRef>
+          <a:fontRef idx="minor">
+            <a:schemeClr val="tx1"/>
+          </a:fontRef>
+        </p:style>
+      </p:cxnSp>
+      <p:cxnSp>
+        <p:nvCxnSpPr>
+          <p:cNvPr id="38" name="直線コネクタ 37"/>
+          <p:cNvCxnSpPr/>
+          <p:nvPr/>
+        </p:nvCxnSpPr>
+        <p:spPr>
+          <a:xfrm flipV="1">
+            <a:off x="3776912" y="1938039"/>
+            <a:ext cx="0" cy="266825"/>
+          </a:xfrm>
+          <a:prstGeom prst="line">
+            <a:avLst/>
+          </a:prstGeom>
+        </p:spPr>
+        <p:style>
+          <a:lnRef idx="1">
+            <a:schemeClr val="accent2"/>
+          </a:lnRef>
+          <a:fillRef idx="0">
+            <a:schemeClr val="accent2"/>
+          </a:fillRef>
+          <a:effectRef idx="0">
+            <a:schemeClr val="accent2"/>
+          </a:effectRef>
+          <a:fontRef idx="minor">
+            <a:schemeClr val="tx1"/>
+          </a:fontRef>
+        </p:style>
+      </p:cxnSp>
+      <p:cxnSp>
+        <p:nvCxnSpPr>
+          <p:cNvPr id="39" name="直線コネクタ 38"/>
+          <p:cNvCxnSpPr/>
+          <p:nvPr/>
+        </p:nvCxnSpPr>
+        <p:spPr>
+          <a:xfrm flipV="1">
+            <a:off x="5489386" y="1938039"/>
+            <a:ext cx="0" cy="266825"/>
+          </a:xfrm>
+          <a:prstGeom prst="line">
+            <a:avLst/>
+          </a:prstGeom>
+        </p:spPr>
+        <p:style>
+          <a:lnRef idx="1">
+            <a:schemeClr val="accent2"/>
+          </a:lnRef>
+          <a:fillRef idx="0">
+            <a:schemeClr val="accent2"/>
+          </a:fillRef>
+          <a:effectRef idx="0">
+            <a:schemeClr val="accent2"/>
+          </a:effectRef>
+          <a:fontRef idx="minor">
+            <a:schemeClr val="tx1"/>
+          </a:fontRef>
+        </p:style>
+      </p:cxnSp>
     </p:spTree>
     <p:extLst>
       <p:ext uri="{BB962C8B-B14F-4D97-AF65-F5344CB8AC3E}">
@@ -5255,10 +6218,3225 @@
           <a:chExt cx="0" cy="0"/>
         </a:xfrm>
       </p:grpSpPr>
+      <p:sp>
+        <p:nvSpPr>
+          <p:cNvPr id="118" name="正方形/長方形 117"/>
+          <p:cNvSpPr/>
+          <p:nvPr/>
+        </p:nvSpPr>
+        <p:spPr>
+          <a:xfrm>
+            <a:off x="5061291" y="2950754"/>
+            <a:ext cx="860144" cy="288032"/>
+          </a:xfrm>
+          <a:prstGeom prst="rect">
+            <a:avLst/>
+          </a:prstGeom>
+        </p:spPr>
+        <p:style>
+          <a:lnRef idx="2">
+            <a:schemeClr val="accent5"/>
+          </a:lnRef>
+          <a:fillRef idx="1">
+            <a:schemeClr val="lt1"/>
+          </a:fillRef>
+          <a:effectRef idx="0">
+            <a:schemeClr val="accent5"/>
+          </a:effectRef>
+          <a:fontRef idx="minor">
+            <a:schemeClr val="dk1"/>
+          </a:fontRef>
+        </p:style>
+        <p:txBody>
+          <a:bodyPr lIns="36000" tIns="36000" rIns="36000" bIns="36000" rtlCol="0" anchor="ctr"/>
+          <a:lstStyle/>
+          <a:p>
+            <a:pPr algn="ctr"/>
+            <a:endParaRPr kumimoji="1" lang="ja-JP" altLang="en-US" sz="1100" dirty="0"/>
+          </a:p>
+        </p:txBody>
+      </p:sp>
+      <p:sp>
+        <p:nvSpPr>
+          <p:cNvPr id="2" name="正方形/長方形 1"/>
+          <p:cNvSpPr/>
+          <p:nvPr/>
+        </p:nvSpPr>
+        <p:spPr>
+          <a:xfrm>
+            <a:off x="323528" y="764704"/>
+            <a:ext cx="216024" cy="288032"/>
+          </a:xfrm>
+          <a:prstGeom prst="rect">
+            <a:avLst/>
+          </a:prstGeom>
+        </p:spPr>
+        <p:style>
+          <a:lnRef idx="2">
+            <a:schemeClr val="accent5"/>
+          </a:lnRef>
+          <a:fillRef idx="1">
+            <a:schemeClr val="lt1"/>
+          </a:fillRef>
+          <a:effectRef idx="0">
+            <a:schemeClr val="accent5"/>
+          </a:effectRef>
+          <a:fontRef idx="minor">
+            <a:schemeClr val="dk1"/>
+          </a:fontRef>
+        </p:style>
+        <p:txBody>
+          <a:bodyPr lIns="36000" tIns="36000" rIns="36000" bIns="36000" rtlCol="0" anchor="ctr"/>
+          <a:lstStyle/>
+          <a:p>
+            <a:pPr algn="ctr"/>
+            <a:endParaRPr kumimoji="1" lang="ja-JP" altLang="en-US" sz="1100" dirty="0"/>
+          </a:p>
+        </p:txBody>
+      </p:sp>
+      <p:sp>
+        <p:nvSpPr>
+          <p:cNvPr id="3" name="正方形/長方形 2"/>
+          <p:cNvSpPr/>
+          <p:nvPr/>
+        </p:nvSpPr>
+        <p:spPr>
+          <a:xfrm>
+            <a:off x="539552" y="764704"/>
+            <a:ext cx="216024" cy="288032"/>
+          </a:xfrm>
+          <a:prstGeom prst="rect">
+            <a:avLst/>
+          </a:prstGeom>
+        </p:spPr>
+        <p:style>
+          <a:lnRef idx="2">
+            <a:schemeClr val="accent5"/>
+          </a:lnRef>
+          <a:fillRef idx="1">
+            <a:schemeClr val="lt1"/>
+          </a:fillRef>
+          <a:effectRef idx="0">
+            <a:schemeClr val="accent5"/>
+          </a:effectRef>
+          <a:fontRef idx="minor">
+            <a:schemeClr val="dk1"/>
+          </a:fontRef>
+        </p:style>
+        <p:txBody>
+          <a:bodyPr lIns="36000" tIns="36000" rIns="36000" bIns="36000" rtlCol="0" anchor="ctr"/>
+          <a:lstStyle/>
+          <a:p>
+            <a:pPr algn="ctr"/>
+            <a:endParaRPr kumimoji="1" lang="ja-JP" altLang="en-US" sz="1100" dirty="0"/>
+          </a:p>
+        </p:txBody>
+      </p:sp>
+      <p:sp>
+        <p:nvSpPr>
+          <p:cNvPr id="4" name="正方形/長方形 3"/>
+          <p:cNvSpPr/>
+          <p:nvPr/>
+        </p:nvSpPr>
+        <p:spPr>
+          <a:xfrm>
+            <a:off x="755576" y="764704"/>
+            <a:ext cx="216024" cy="288032"/>
+          </a:xfrm>
+          <a:prstGeom prst="rect">
+            <a:avLst/>
+          </a:prstGeom>
+        </p:spPr>
+        <p:style>
+          <a:lnRef idx="2">
+            <a:schemeClr val="accent5"/>
+          </a:lnRef>
+          <a:fillRef idx="1">
+            <a:schemeClr val="lt1"/>
+          </a:fillRef>
+          <a:effectRef idx="0">
+            <a:schemeClr val="accent5"/>
+          </a:effectRef>
+          <a:fontRef idx="minor">
+            <a:schemeClr val="dk1"/>
+          </a:fontRef>
+        </p:style>
+        <p:txBody>
+          <a:bodyPr lIns="36000" tIns="36000" rIns="36000" bIns="36000" rtlCol="0" anchor="ctr"/>
+          <a:lstStyle/>
+          <a:p>
+            <a:pPr algn="ctr"/>
+            <a:endParaRPr kumimoji="1" lang="ja-JP" altLang="en-US" sz="1100" dirty="0"/>
+          </a:p>
+        </p:txBody>
+      </p:sp>
+      <p:sp>
+        <p:nvSpPr>
+          <p:cNvPr id="5" name="正方形/長方形 4"/>
+          <p:cNvSpPr/>
+          <p:nvPr/>
+        </p:nvSpPr>
+        <p:spPr>
+          <a:xfrm>
+            <a:off x="971600" y="764704"/>
+            <a:ext cx="216024" cy="288032"/>
+          </a:xfrm>
+          <a:prstGeom prst="rect">
+            <a:avLst/>
+          </a:prstGeom>
+        </p:spPr>
+        <p:style>
+          <a:lnRef idx="2">
+            <a:schemeClr val="accent5"/>
+          </a:lnRef>
+          <a:fillRef idx="1">
+            <a:schemeClr val="lt1"/>
+          </a:fillRef>
+          <a:effectRef idx="0">
+            <a:schemeClr val="accent5"/>
+          </a:effectRef>
+          <a:fontRef idx="minor">
+            <a:schemeClr val="dk1"/>
+          </a:fontRef>
+        </p:style>
+        <p:txBody>
+          <a:bodyPr lIns="36000" tIns="36000" rIns="36000" bIns="36000" rtlCol="0" anchor="ctr"/>
+          <a:lstStyle/>
+          <a:p>
+            <a:pPr algn="ctr"/>
+            <a:endParaRPr kumimoji="1" lang="ja-JP" altLang="en-US" sz="1100" dirty="0"/>
+          </a:p>
+        </p:txBody>
+      </p:sp>
+      <p:sp>
+        <p:nvSpPr>
+          <p:cNvPr id="6" name="正方形/長方形 5"/>
+          <p:cNvSpPr/>
+          <p:nvPr/>
+        </p:nvSpPr>
+        <p:spPr>
+          <a:xfrm>
+            <a:off x="1187624" y="764704"/>
+            <a:ext cx="216024" cy="288032"/>
+          </a:xfrm>
+          <a:prstGeom prst="rect">
+            <a:avLst/>
+          </a:prstGeom>
+        </p:spPr>
+        <p:style>
+          <a:lnRef idx="2">
+            <a:schemeClr val="accent5"/>
+          </a:lnRef>
+          <a:fillRef idx="1">
+            <a:schemeClr val="lt1"/>
+          </a:fillRef>
+          <a:effectRef idx="0">
+            <a:schemeClr val="accent5"/>
+          </a:effectRef>
+          <a:fontRef idx="minor">
+            <a:schemeClr val="dk1"/>
+          </a:fontRef>
+        </p:style>
+        <p:txBody>
+          <a:bodyPr lIns="36000" tIns="36000" rIns="36000" bIns="36000" rtlCol="0" anchor="ctr"/>
+          <a:lstStyle/>
+          <a:p>
+            <a:pPr algn="ctr"/>
+            <a:endParaRPr kumimoji="1" lang="ja-JP" altLang="en-US" sz="1100" dirty="0"/>
+          </a:p>
+        </p:txBody>
+      </p:sp>
+      <p:sp>
+        <p:nvSpPr>
+          <p:cNvPr id="7" name="正方形/長方形 6"/>
+          <p:cNvSpPr/>
+          <p:nvPr/>
+        </p:nvSpPr>
+        <p:spPr>
+          <a:xfrm>
+            <a:off x="1403648" y="764704"/>
+            <a:ext cx="216024" cy="288032"/>
+          </a:xfrm>
+          <a:prstGeom prst="rect">
+            <a:avLst/>
+          </a:prstGeom>
+        </p:spPr>
+        <p:style>
+          <a:lnRef idx="2">
+            <a:schemeClr val="accent5"/>
+          </a:lnRef>
+          <a:fillRef idx="1">
+            <a:schemeClr val="lt1"/>
+          </a:fillRef>
+          <a:effectRef idx="0">
+            <a:schemeClr val="accent5"/>
+          </a:effectRef>
+          <a:fontRef idx="minor">
+            <a:schemeClr val="dk1"/>
+          </a:fontRef>
+        </p:style>
+        <p:txBody>
+          <a:bodyPr lIns="36000" tIns="36000" rIns="36000" bIns="36000" rtlCol="0" anchor="ctr"/>
+          <a:lstStyle/>
+          <a:p>
+            <a:pPr algn="ctr"/>
+            <a:endParaRPr kumimoji="1" lang="ja-JP" altLang="en-US" sz="1100" dirty="0"/>
+          </a:p>
+        </p:txBody>
+      </p:sp>
+      <p:sp>
+        <p:nvSpPr>
+          <p:cNvPr id="8" name="正方形/長方形 7"/>
+          <p:cNvSpPr/>
+          <p:nvPr/>
+        </p:nvSpPr>
+        <p:spPr>
+          <a:xfrm>
+            <a:off x="1619672" y="764704"/>
+            <a:ext cx="216024" cy="288032"/>
+          </a:xfrm>
+          <a:prstGeom prst="rect">
+            <a:avLst/>
+          </a:prstGeom>
+        </p:spPr>
+        <p:style>
+          <a:lnRef idx="2">
+            <a:schemeClr val="accent5"/>
+          </a:lnRef>
+          <a:fillRef idx="1">
+            <a:schemeClr val="lt1"/>
+          </a:fillRef>
+          <a:effectRef idx="0">
+            <a:schemeClr val="accent5"/>
+          </a:effectRef>
+          <a:fontRef idx="minor">
+            <a:schemeClr val="dk1"/>
+          </a:fontRef>
+        </p:style>
+        <p:txBody>
+          <a:bodyPr lIns="36000" tIns="36000" rIns="36000" bIns="36000" rtlCol="0" anchor="ctr"/>
+          <a:lstStyle/>
+          <a:p>
+            <a:pPr algn="ctr"/>
+            <a:endParaRPr kumimoji="1" lang="ja-JP" altLang="en-US" sz="1100" dirty="0"/>
+          </a:p>
+        </p:txBody>
+      </p:sp>
+      <p:sp>
+        <p:nvSpPr>
+          <p:cNvPr id="9" name="正方形/長方形 8"/>
+          <p:cNvSpPr/>
+          <p:nvPr/>
+        </p:nvSpPr>
+        <p:spPr>
+          <a:xfrm>
+            <a:off x="1835696" y="764704"/>
+            <a:ext cx="216024" cy="288032"/>
+          </a:xfrm>
+          <a:prstGeom prst="rect">
+            <a:avLst/>
+          </a:prstGeom>
+        </p:spPr>
+        <p:style>
+          <a:lnRef idx="2">
+            <a:schemeClr val="accent5"/>
+          </a:lnRef>
+          <a:fillRef idx="1">
+            <a:schemeClr val="lt1"/>
+          </a:fillRef>
+          <a:effectRef idx="0">
+            <a:schemeClr val="accent5"/>
+          </a:effectRef>
+          <a:fontRef idx="minor">
+            <a:schemeClr val="dk1"/>
+          </a:fontRef>
+        </p:style>
+        <p:txBody>
+          <a:bodyPr lIns="36000" tIns="36000" rIns="36000" bIns="36000" rtlCol="0" anchor="ctr"/>
+          <a:lstStyle/>
+          <a:p>
+            <a:pPr algn="ctr"/>
+            <a:endParaRPr kumimoji="1" lang="ja-JP" altLang="en-US" sz="1100" dirty="0"/>
+          </a:p>
+        </p:txBody>
+      </p:sp>
+      <p:sp>
+        <p:nvSpPr>
+          <p:cNvPr id="10" name="正方形/長方形 9"/>
+          <p:cNvSpPr/>
+          <p:nvPr/>
+        </p:nvSpPr>
+        <p:spPr>
+          <a:xfrm>
+            <a:off x="2472960" y="2204865"/>
+            <a:ext cx="1724237" cy="288032"/>
+          </a:xfrm>
+          <a:prstGeom prst="rect">
+            <a:avLst/>
+          </a:prstGeom>
+        </p:spPr>
+        <p:style>
+          <a:lnRef idx="2">
+            <a:schemeClr val="accent5"/>
+          </a:lnRef>
+          <a:fillRef idx="1">
+            <a:schemeClr val="lt1"/>
+          </a:fillRef>
+          <a:effectRef idx="0">
+            <a:schemeClr val="accent5"/>
+          </a:effectRef>
+          <a:fontRef idx="minor">
+            <a:schemeClr val="dk1"/>
+          </a:fontRef>
+        </p:style>
+        <p:txBody>
+          <a:bodyPr lIns="36000" tIns="36000" rIns="36000" bIns="36000" rtlCol="0" anchor="ctr"/>
+          <a:lstStyle/>
+          <a:p>
+            <a:pPr algn="ctr"/>
+            <a:endParaRPr kumimoji="1" lang="ja-JP" altLang="en-US" sz="1100" dirty="0"/>
+          </a:p>
+        </p:txBody>
+      </p:sp>
+      <p:sp>
+        <p:nvSpPr>
+          <p:cNvPr id="11" name="正方形/長方形 10"/>
+          <p:cNvSpPr/>
+          <p:nvPr/>
+        </p:nvSpPr>
+        <p:spPr>
+          <a:xfrm>
+            <a:off x="4197197" y="2204865"/>
+            <a:ext cx="1724237" cy="288032"/>
+          </a:xfrm>
+          <a:prstGeom prst="rect">
+            <a:avLst/>
+          </a:prstGeom>
+        </p:spPr>
+        <p:style>
+          <a:lnRef idx="2">
+            <a:schemeClr val="accent5"/>
+          </a:lnRef>
+          <a:fillRef idx="1">
+            <a:schemeClr val="lt1"/>
+          </a:fillRef>
+          <a:effectRef idx="0">
+            <a:schemeClr val="accent5"/>
+          </a:effectRef>
+          <a:fontRef idx="minor">
+            <a:schemeClr val="dk1"/>
+          </a:fontRef>
+        </p:style>
+        <p:txBody>
+          <a:bodyPr lIns="36000" tIns="36000" rIns="36000" bIns="36000" rtlCol="0" anchor="ctr"/>
+          <a:lstStyle/>
+          <a:p>
+            <a:pPr algn="ctr"/>
+            <a:r>
+              <a:rPr kumimoji="1" lang="en-US" altLang="ja-JP" sz="1100" dirty="0"/>
+              <a:t>B</a:t>
+            </a:r>
+            <a:endParaRPr kumimoji="1" lang="ja-JP" altLang="en-US" sz="1100" dirty="0"/>
+          </a:p>
+        </p:txBody>
+      </p:sp>
+      <p:sp>
+        <p:nvSpPr>
+          <p:cNvPr id="12" name="正方形/長方形 11"/>
+          <p:cNvSpPr/>
+          <p:nvPr/>
+        </p:nvSpPr>
+        <p:spPr>
+          <a:xfrm>
+            <a:off x="5921434" y="2204865"/>
+            <a:ext cx="1724237" cy="288032"/>
+          </a:xfrm>
+          <a:prstGeom prst="rect">
+            <a:avLst/>
+          </a:prstGeom>
+        </p:spPr>
+        <p:style>
+          <a:lnRef idx="2">
+            <a:schemeClr val="accent5"/>
+          </a:lnRef>
+          <a:fillRef idx="1">
+            <a:schemeClr val="lt1"/>
+          </a:fillRef>
+          <a:effectRef idx="0">
+            <a:schemeClr val="accent5"/>
+          </a:effectRef>
+          <a:fontRef idx="minor">
+            <a:schemeClr val="dk1"/>
+          </a:fontRef>
+        </p:style>
+        <p:txBody>
+          <a:bodyPr lIns="36000" tIns="36000" rIns="36000" bIns="36000" rtlCol="0" anchor="ctr"/>
+          <a:lstStyle/>
+          <a:p>
+            <a:pPr algn="ctr"/>
+            <a:endParaRPr kumimoji="1" lang="ja-JP" altLang="en-US" sz="1100" dirty="0"/>
+          </a:p>
+        </p:txBody>
+      </p:sp>
+      <p:sp>
+        <p:nvSpPr>
+          <p:cNvPr id="13" name="正方形/長方形 12"/>
+          <p:cNvSpPr/>
+          <p:nvPr/>
+        </p:nvSpPr>
+        <p:spPr>
+          <a:xfrm>
+            <a:off x="2472960" y="2204865"/>
+            <a:ext cx="216024" cy="288032"/>
+          </a:xfrm>
+          <a:prstGeom prst="rect">
+            <a:avLst/>
+          </a:prstGeom>
+        </p:spPr>
+        <p:style>
+          <a:lnRef idx="2">
+            <a:schemeClr val="accent5"/>
+          </a:lnRef>
+          <a:fillRef idx="1">
+            <a:schemeClr val="lt1"/>
+          </a:fillRef>
+          <a:effectRef idx="0">
+            <a:schemeClr val="accent5"/>
+          </a:effectRef>
+          <a:fontRef idx="minor">
+            <a:schemeClr val="dk1"/>
+          </a:fontRef>
+        </p:style>
+        <p:txBody>
+          <a:bodyPr lIns="36000" tIns="36000" rIns="36000" bIns="36000" rtlCol="0" anchor="ctr"/>
+          <a:lstStyle/>
+          <a:p>
+            <a:pPr algn="ctr"/>
+            <a:r>
+              <a:rPr kumimoji="1" lang="en-US" altLang="ja-JP" sz="1100" dirty="0"/>
+              <a:t>A</a:t>
+            </a:r>
+            <a:endParaRPr kumimoji="1" lang="ja-JP" altLang="en-US" sz="1100" dirty="0"/>
+          </a:p>
+        </p:txBody>
+      </p:sp>
+      <p:sp>
+        <p:nvSpPr>
+          <p:cNvPr id="14" name="正方形/長方形 13"/>
+          <p:cNvSpPr/>
+          <p:nvPr/>
+        </p:nvSpPr>
+        <p:spPr>
+          <a:xfrm>
+            <a:off x="5921434" y="2204865"/>
+            <a:ext cx="216024" cy="288032"/>
+          </a:xfrm>
+          <a:prstGeom prst="rect">
+            <a:avLst/>
+          </a:prstGeom>
+        </p:spPr>
+        <p:style>
+          <a:lnRef idx="2">
+            <a:schemeClr val="accent5"/>
+          </a:lnRef>
+          <a:fillRef idx="1">
+            <a:schemeClr val="lt1"/>
+          </a:fillRef>
+          <a:effectRef idx="0">
+            <a:schemeClr val="accent5"/>
+          </a:effectRef>
+          <a:fontRef idx="minor">
+            <a:schemeClr val="dk1"/>
+          </a:fontRef>
+        </p:style>
+        <p:txBody>
+          <a:bodyPr lIns="36000" tIns="36000" rIns="36000" bIns="36000" rtlCol="0" anchor="ctr"/>
+          <a:lstStyle/>
+          <a:p>
+            <a:pPr algn="ctr"/>
+            <a:r>
+              <a:rPr kumimoji="1" lang="en-US" altLang="ja-JP" sz="1100" dirty="0"/>
+              <a:t>C</a:t>
+            </a:r>
+            <a:endParaRPr kumimoji="1" lang="ja-JP" altLang="en-US" sz="1100" dirty="0"/>
+          </a:p>
+        </p:txBody>
+      </p:sp>
+      <p:cxnSp>
+        <p:nvCxnSpPr>
+          <p:cNvPr id="20" name="直線コネクタ 19"/>
+          <p:cNvCxnSpPr/>
+          <p:nvPr/>
+        </p:nvCxnSpPr>
+        <p:spPr>
+          <a:xfrm flipV="1">
+            <a:off x="2472960" y="1938040"/>
+            <a:ext cx="0" cy="266825"/>
+          </a:xfrm>
+          <a:prstGeom prst="line">
+            <a:avLst/>
+          </a:prstGeom>
+        </p:spPr>
+        <p:style>
+          <a:lnRef idx="1">
+            <a:schemeClr val="accent2"/>
+          </a:lnRef>
+          <a:fillRef idx="0">
+            <a:schemeClr val="accent2"/>
+          </a:fillRef>
+          <a:effectRef idx="0">
+            <a:schemeClr val="accent2"/>
+          </a:effectRef>
+          <a:fontRef idx="minor">
+            <a:schemeClr val="tx1"/>
+          </a:fontRef>
+        </p:style>
+      </p:cxnSp>
+      <p:cxnSp>
+        <p:nvCxnSpPr>
+          <p:cNvPr id="29" name="直線矢印コネクタ 28"/>
+          <p:cNvCxnSpPr/>
+          <p:nvPr/>
+        </p:nvCxnSpPr>
+        <p:spPr>
+          <a:xfrm>
+            <a:off x="2472960" y="2060849"/>
+            <a:ext cx="1724237" cy="0"/>
+          </a:xfrm>
+          <a:prstGeom prst="straightConnector1">
+            <a:avLst/>
+          </a:prstGeom>
+          <a:ln>
+            <a:headEnd type="triangle"/>
+            <a:tailEnd type="triangle"/>
+          </a:ln>
+        </p:spPr>
+        <p:style>
+          <a:lnRef idx="1">
+            <a:schemeClr val="accent3"/>
+          </a:lnRef>
+          <a:fillRef idx="0">
+            <a:schemeClr val="accent3"/>
+          </a:fillRef>
+          <a:effectRef idx="0">
+            <a:schemeClr val="accent3"/>
+          </a:effectRef>
+          <a:fontRef idx="minor">
+            <a:schemeClr val="tx1"/>
+          </a:fontRef>
+        </p:style>
+      </p:cxnSp>
+      <p:cxnSp>
+        <p:nvCxnSpPr>
+          <p:cNvPr id="30" name="直線矢印コネクタ 29"/>
+          <p:cNvCxnSpPr/>
+          <p:nvPr/>
+        </p:nvCxnSpPr>
+        <p:spPr>
+          <a:xfrm>
+            <a:off x="4197196" y="2060849"/>
+            <a:ext cx="1724237" cy="0"/>
+          </a:xfrm>
+          <a:prstGeom prst="straightConnector1">
+            <a:avLst/>
+          </a:prstGeom>
+          <a:ln>
+            <a:headEnd type="triangle"/>
+            <a:tailEnd type="triangle"/>
+          </a:ln>
+        </p:spPr>
+        <p:style>
+          <a:lnRef idx="1">
+            <a:schemeClr val="accent3"/>
+          </a:lnRef>
+          <a:fillRef idx="0">
+            <a:schemeClr val="accent3"/>
+          </a:fillRef>
+          <a:effectRef idx="0">
+            <a:schemeClr val="accent3"/>
+          </a:effectRef>
+          <a:fontRef idx="minor">
+            <a:schemeClr val="tx1"/>
+          </a:fontRef>
+        </p:style>
+      </p:cxnSp>
+      <p:cxnSp>
+        <p:nvCxnSpPr>
+          <p:cNvPr id="31" name="直線矢印コネクタ 30"/>
+          <p:cNvCxnSpPr/>
+          <p:nvPr/>
+        </p:nvCxnSpPr>
+        <p:spPr>
+          <a:xfrm>
+            <a:off x="5921434" y="2060849"/>
+            <a:ext cx="1724237" cy="0"/>
+          </a:xfrm>
+          <a:prstGeom prst="straightConnector1">
+            <a:avLst/>
+          </a:prstGeom>
+          <a:ln>
+            <a:headEnd type="triangle"/>
+            <a:tailEnd type="triangle"/>
+          </a:ln>
+        </p:spPr>
+        <p:style>
+          <a:lnRef idx="1">
+            <a:schemeClr val="accent3"/>
+          </a:lnRef>
+          <a:fillRef idx="0">
+            <a:schemeClr val="accent3"/>
+          </a:fillRef>
+          <a:effectRef idx="0">
+            <a:schemeClr val="accent3"/>
+          </a:effectRef>
+          <a:fontRef idx="minor">
+            <a:schemeClr val="tx1"/>
+          </a:fontRef>
+        </p:style>
+      </p:cxnSp>
+      <p:sp>
+        <p:nvSpPr>
+          <p:cNvPr id="32" name="テキスト ボックス 31"/>
+          <p:cNvSpPr txBox="1"/>
+          <p:nvPr/>
+        </p:nvSpPr>
+        <p:spPr>
+          <a:xfrm>
+            <a:off x="3106366" y="1824745"/>
+            <a:ext cx="523147" cy="226591"/>
+          </a:xfrm>
+          <a:prstGeom prst="rect">
+            <a:avLst/>
+          </a:prstGeom>
+          <a:noFill/>
+        </p:spPr>
+        <p:txBody>
+          <a:bodyPr wrap="none" lIns="36000" tIns="36000" rIns="36000" bIns="36000" rtlCol="0">
+            <a:spAutoFit/>
+          </a:bodyPr>
+          <a:lstStyle/>
+          <a:p>
+            <a:r>
+              <a:rPr kumimoji="1" lang="en-US" altLang="ja-JP" sz="1000" dirty="0"/>
+              <a:t>8</a:t>
+            </a:r>
+            <a:r>
+              <a:rPr kumimoji="1" lang="ja-JP" altLang="en-US" sz="1000" dirty="0"/>
+              <a:t>バイト</a:t>
+            </a:r>
+          </a:p>
+        </p:txBody>
+      </p:sp>
+      <p:sp>
+        <p:nvSpPr>
+          <p:cNvPr id="33" name="テキスト ボックス 32"/>
+          <p:cNvSpPr txBox="1"/>
+          <p:nvPr/>
+        </p:nvSpPr>
+        <p:spPr>
+          <a:xfrm>
+            <a:off x="4802228" y="1824745"/>
+            <a:ext cx="523147" cy="226591"/>
+          </a:xfrm>
+          <a:prstGeom prst="rect">
+            <a:avLst/>
+          </a:prstGeom>
+          <a:noFill/>
+        </p:spPr>
+        <p:txBody>
+          <a:bodyPr wrap="none" lIns="36000" tIns="36000" rIns="36000" bIns="36000" rtlCol="0">
+            <a:spAutoFit/>
+          </a:bodyPr>
+          <a:lstStyle/>
+          <a:p>
+            <a:r>
+              <a:rPr kumimoji="1" lang="en-US" altLang="ja-JP" sz="1000" dirty="0"/>
+              <a:t>8</a:t>
+            </a:r>
+            <a:r>
+              <a:rPr kumimoji="1" lang="ja-JP" altLang="en-US" sz="1000" dirty="0"/>
+              <a:t>バイト</a:t>
+            </a:r>
+          </a:p>
+        </p:txBody>
+      </p:sp>
+      <p:sp>
+        <p:nvSpPr>
+          <p:cNvPr id="34" name="テキスト ボックス 33"/>
+          <p:cNvSpPr txBox="1"/>
+          <p:nvPr/>
+        </p:nvSpPr>
+        <p:spPr>
+          <a:xfrm>
+            <a:off x="6517492" y="1824745"/>
+            <a:ext cx="523147" cy="226591"/>
+          </a:xfrm>
+          <a:prstGeom prst="rect">
+            <a:avLst/>
+          </a:prstGeom>
+          <a:noFill/>
+        </p:spPr>
+        <p:txBody>
+          <a:bodyPr wrap="none" lIns="36000" tIns="36000" rIns="36000" bIns="36000" rtlCol="0">
+            <a:spAutoFit/>
+          </a:bodyPr>
+          <a:lstStyle/>
+          <a:p>
+            <a:r>
+              <a:rPr kumimoji="1" lang="en-US" altLang="ja-JP" sz="1000" dirty="0"/>
+              <a:t>8</a:t>
+            </a:r>
+            <a:r>
+              <a:rPr kumimoji="1" lang="ja-JP" altLang="en-US" sz="1000" dirty="0"/>
+              <a:t>バイト</a:t>
+            </a:r>
+          </a:p>
+        </p:txBody>
+      </p:sp>
+      <p:cxnSp>
+        <p:nvCxnSpPr>
+          <p:cNvPr id="36" name="直線コネクタ 35"/>
+          <p:cNvCxnSpPr/>
+          <p:nvPr/>
+        </p:nvCxnSpPr>
+        <p:spPr>
+          <a:xfrm flipV="1">
+            <a:off x="4197221" y="1938040"/>
+            <a:ext cx="0" cy="266825"/>
+          </a:xfrm>
+          <a:prstGeom prst="line">
+            <a:avLst/>
+          </a:prstGeom>
+        </p:spPr>
+        <p:style>
+          <a:lnRef idx="1">
+            <a:schemeClr val="accent2"/>
+          </a:lnRef>
+          <a:fillRef idx="0">
+            <a:schemeClr val="accent2"/>
+          </a:fillRef>
+          <a:effectRef idx="0">
+            <a:schemeClr val="accent2"/>
+          </a:effectRef>
+          <a:fontRef idx="minor">
+            <a:schemeClr val="tx1"/>
+          </a:fontRef>
+        </p:style>
+      </p:cxnSp>
+      <p:cxnSp>
+        <p:nvCxnSpPr>
+          <p:cNvPr id="38" name="直線コネクタ 37"/>
+          <p:cNvCxnSpPr/>
+          <p:nvPr/>
+        </p:nvCxnSpPr>
+        <p:spPr>
+          <a:xfrm flipV="1">
+            <a:off x="5921433" y="1938040"/>
+            <a:ext cx="0" cy="266825"/>
+          </a:xfrm>
+          <a:prstGeom prst="line">
+            <a:avLst/>
+          </a:prstGeom>
+        </p:spPr>
+        <p:style>
+          <a:lnRef idx="1">
+            <a:schemeClr val="accent2"/>
+          </a:lnRef>
+          <a:fillRef idx="0">
+            <a:schemeClr val="accent2"/>
+          </a:fillRef>
+          <a:effectRef idx="0">
+            <a:schemeClr val="accent2"/>
+          </a:effectRef>
+          <a:fontRef idx="minor">
+            <a:schemeClr val="tx1"/>
+          </a:fontRef>
+        </p:style>
+      </p:cxnSp>
+      <p:cxnSp>
+        <p:nvCxnSpPr>
+          <p:cNvPr id="39" name="直線コネクタ 38"/>
+          <p:cNvCxnSpPr/>
+          <p:nvPr/>
+        </p:nvCxnSpPr>
+        <p:spPr>
+          <a:xfrm flipV="1">
+            <a:off x="7633907" y="1938040"/>
+            <a:ext cx="0" cy="266825"/>
+          </a:xfrm>
+          <a:prstGeom prst="line">
+            <a:avLst/>
+          </a:prstGeom>
+        </p:spPr>
+        <p:style>
+          <a:lnRef idx="1">
+            <a:schemeClr val="accent2"/>
+          </a:lnRef>
+          <a:fillRef idx="0">
+            <a:schemeClr val="accent2"/>
+          </a:fillRef>
+          <a:effectRef idx="0">
+            <a:schemeClr val="accent2"/>
+          </a:effectRef>
+          <a:fontRef idx="minor">
+            <a:schemeClr val="tx1"/>
+          </a:fontRef>
+        </p:style>
+      </p:cxnSp>
+      <p:sp>
+        <p:nvSpPr>
+          <p:cNvPr id="19" name="テキスト ボックス 18"/>
+          <p:cNvSpPr txBox="1"/>
+          <p:nvPr/>
+        </p:nvSpPr>
+        <p:spPr>
+          <a:xfrm>
+            <a:off x="1675423" y="2039715"/>
+            <a:ext cx="666777" cy="288147"/>
+          </a:xfrm>
+          <a:prstGeom prst="rect">
+            <a:avLst/>
+          </a:prstGeom>
+          <a:noFill/>
+        </p:spPr>
+        <p:txBody>
+          <a:bodyPr wrap="none" lIns="36000" tIns="36000" rIns="36000" bIns="36000" rtlCol="0">
+            <a:spAutoFit/>
+          </a:bodyPr>
+          <a:lstStyle/>
+          <a:p>
+            <a:r>
+              <a:rPr kumimoji="1" lang="en-US" altLang="ja-JP" sz="1400" dirty="0"/>
+              <a:t>Pack</a:t>
+            </a:r>
+            <a:r>
+              <a:rPr kumimoji="1" lang="ja-JP" altLang="en-US" sz="1400" dirty="0"/>
+              <a:t> </a:t>
+            </a:r>
+            <a:r>
+              <a:rPr kumimoji="1" lang="en-US" altLang="ja-JP" sz="1400" dirty="0"/>
+              <a:t>= 8</a:t>
+            </a:r>
+            <a:endParaRPr kumimoji="1" lang="ja-JP" altLang="en-US" sz="1400" dirty="0"/>
+          </a:p>
+        </p:txBody>
+      </p:sp>
+      <p:sp>
+        <p:nvSpPr>
+          <p:cNvPr id="58" name="正方形/長方形 57"/>
+          <p:cNvSpPr/>
+          <p:nvPr/>
+        </p:nvSpPr>
+        <p:spPr>
+          <a:xfrm>
+            <a:off x="2472961" y="2950754"/>
+            <a:ext cx="860144" cy="288032"/>
+          </a:xfrm>
+          <a:prstGeom prst="rect">
+            <a:avLst/>
+          </a:prstGeom>
+        </p:spPr>
+        <p:style>
+          <a:lnRef idx="2">
+            <a:schemeClr val="accent5"/>
+          </a:lnRef>
+          <a:fillRef idx="1">
+            <a:schemeClr val="lt1"/>
+          </a:fillRef>
+          <a:effectRef idx="0">
+            <a:schemeClr val="accent5"/>
+          </a:effectRef>
+          <a:fontRef idx="minor">
+            <a:schemeClr val="dk1"/>
+          </a:fontRef>
+        </p:style>
+        <p:txBody>
+          <a:bodyPr lIns="36000" tIns="36000" rIns="36000" bIns="36000" rtlCol="0" anchor="ctr"/>
+          <a:lstStyle/>
+          <a:p>
+            <a:pPr algn="ctr"/>
+            <a:endParaRPr kumimoji="1" lang="ja-JP" altLang="en-US" sz="1100" dirty="0"/>
+          </a:p>
+        </p:txBody>
+      </p:sp>
+      <p:sp>
+        <p:nvSpPr>
+          <p:cNvPr id="59" name="正方形/長方形 58"/>
+          <p:cNvSpPr/>
+          <p:nvPr/>
+        </p:nvSpPr>
+        <p:spPr>
+          <a:xfrm>
+            <a:off x="3337055" y="2950754"/>
+            <a:ext cx="1724237" cy="288032"/>
+          </a:xfrm>
+          <a:prstGeom prst="rect">
+            <a:avLst/>
+          </a:prstGeom>
+        </p:spPr>
+        <p:style>
+          <a:lnRef idx="2">
+            <a:schemeClr val="accent5"/>
+          </a:lnRef>
+          <a:fillRef idx="1">
+            <a:schemeClr val="lt1"/>
+          </a:fillRef>
+          <a:effectRef idx="0">
+            <a:schemeClr val="accent5"/>
+          </a:effectRef>
+          <a:fontRef idx="minor">
+            <a:schemeClr val="dk1"/>
+          </a:fontRef>
+        </p:style>
+        <p:txBody>
+          <a:bodyPr lIns="36000" tIns="36000" rIns="36000" bIns="36000" rtlCol="0" anchor="ctr"/>
+          <a:lstStyle/>
+          <a:p>
+            <a:pPr algn="ctr"/>
+            <a:r>
+              <a:rPr kumimoji="1" lang="en-US" altLang="ja-JP" sz="1100" dirty="0"/>
+              <a:t>B</a:t>
+            </a:r>
+            <a:endParaRPr kumimoji="1" lang="ja-JP" altLang="en-US" sz="1100" dirty="0"/>
+          </a:p>
+        </p:txBody>
+      </p:sp>
+      <p:sp>
+        <p:nvSpPr>
+          <p:cNvPr id="61" name="正方形/長方形 60"/>
+          <p:cNvSpPr/>
+          <p:nvPr/>
+        </p:nvSpPr>
+        <p:spPr>
+          <a:xfrm>
+            <a:off x="2472960" y="2950754"/>
+            <a:ext cx="216024" cy="288032"/>
+          </a:xfrm>
+          <a:prstGeom prst="rect">
+            <a:avLst/>
+          </a:prstGeom>
+        </p:spPr>
+        <p:style>
+          <a:lnRef idx="2">
+            <a:schemeClr val="accent5"/>
+          </a:lnRef>
+          <a:fillRef idx="1">
+            <a:schemeClr val="lt1"/>
+          </a:fillRef>
+          <a:effectRef idx="0">
+            <a:schemeClr val="accent5"/>
+          </a:effectRef>
+          <a:fontRef idx="minor">
+            <a:schemeClr val="dk1"/>
+          </a:fontRef>
+        </p:style>
+        <p:txBody>
+          <a:bodyPr lIns="36000" tIns="36000" rIns="36000" bIns="36000" rtlCol="0" anchor="ctr"/>
+          <a:lstStyle/>
+          <a:p>
+            <a:pPr algn="ctr"/>
+            <a:r>
+              <a:rPr kumimoji="1" lang="en-US" altLang="ja-JP" sz="1100" dirty="0"/>
+              <a:t>A</a:t>
+            </a:r>
+            <a:endParaRPr kumimoji="1" lang="ja-JP" altLang="en-US" sz="1100" dirty="0"/>
+          </a:p>
+        </p:txBody>
+      </p:sp>
+      <p:sp>
+        <p:nvSpPr>
+          <p:cNvPr id="62" name="正方形/長方形 61"/>
+          <p:cNvSpPr/>
+          <p:nvPr/>
+        </p:nvSpPr>
+        <p:spPr>
+          <a:xfrm>
+            <a:off x="5061292" y="2950754"/>
+            <a:ext cx="216024" cy="288032"/>
+          </a:xfrm>
+          <a:prstGeom prst="rect">
+            <a:avLst/>
+          </a:prstGeom>
+        </p:spPr>
+        <p:style>
+          <a:lnRef idx="2">
+            <a:schemeClr val="accent5"/>
+          </a:lnRef>
+          <a:fillRef idx="1">
+            <a:schemeClr val="lt1"/>
+          </a:fillRef>
+          <a:effectRef idx="0">
+            <a:schemeClr val="accent5"/>
+          </a:effectRef>
+          <a:fontRef idx="minor">
+            <a:schemeClr val="dk1"/>
+          </a:fontRef>
+        </p:style>
+        <p:txBody>
+          <a:bodyPr lIns="36000" tIns="36000" rIns="36000" bIns="36000" rtlCol="0" anchor="ctr"/>
+          <a:lstStyle/>
+          <a:p>
+            <a:pPr algn="ctr"/>
+            <a:r>
+              <a:rPr kumimoji="1" lang="en-US" altLang="ja-JP" sz="1100" dirty="0"/>
+              <a:t>C</a:t>
+            </a:r>
+            <a:endParaRPr kumimoji="1" lang="ja-JP" altLang="en-US" sz="1100" dirty="0"/>
+          </a:p>
+        </p:txBody>
+      </p:sp>
+      <p:cxnSp>
+        <p:nvCxnSpPr>
+          <p:cNvPr id="63" name="直線コネクタ 62"/>
+          <p:cNvCxnSpPr/>
+          <p:nvPr/>
+        </p:nvCxnSpPr>
+        <p:spPr>
+          <a:xfrm flipV="1">
+            <a:off x="2472960" y="2683929"/>
+            <a:ext cx="0" cy="266825"/>
+          </a:xfrm>
+          <a:prstGeom prst="line">
+            <a:avLst/>
+          </a:prstGeom>
+        </p:spPr>
+        <p:style>
+          <a:lnRef idx="1">
+            <a:schemeClr val="accent2"/>
+          </a:lnRef>
+          <a:fillRef idx="0">
+            <a:schemeClr val="accent2"/>
+          </a:fillRef>
+          <a:effectRef idx="0">
+            <a:schemeClr val="accent2"/>
+          </a:effectRef>
+          <a:fontRef idx="minor">
+            <a:schemeClr val="tx1"/>
+          </a:fontRef>
+        </p:style>
+      </p:cxnSp>
+      <p:cxnSp>
+        <p:nvCxnSpPr>
+          <p:cNvPr id="64" name="直線矢印コネクタ 63"/>
+          <p:cNvCxnSpPr/>
+          <p:nvPr/>
+        </p:nvCxnSpPr>
+        <p:spPr>
+          <a:xfrm>
+            <a:off x="2472960" y="2806738"/>
+            <a:ext cx="860145" cy="0"/>
+          </a:xfrm>
+          <a:prstGeom prst="straightConnector1">
+            <a:avLst/>
+          </a:prstGeom>
+          <a:ln>
+            <a:headEnd type="triangle"/>
+            <a:tailEnd type="triangle"/>
+          </a:ln>
+        </p:spPr>
+        <p:style>
+          <a:lnRef idx="1">
+            <a:schemeClr val="accent3"/>
+          </a:lnRef>
+          <a:fillRef idx="0">
+            <a:schemeClr val="accent3"/>
+          </a:fillRef>
+          <a:effectRef idx="0">
+            <a:schemeClr val="accent3"/>
+          </a:effectRef>
+          <a:fontRef idx="minor">
+            <a:schemeClr val="tx1"/>
+          </a:fontRef>
+        </p:style>
+      </p:cxnSp>
+      <p:cxnSp>
+        <p:nvCxnSpPr>
+          <p:cNvPr id="65" name="直線矢印コネクタ 64"/>
+          <p:cNvCxnSpPr/>
+          <p:nvPr/>
+        </p:nvCxnSpPr>
+        <p:spPr>
+          <a:xfrm>
+            <a:off x="3337054" y="2806738"/>
+            <a:ext cx="1724237" cy="0"/>
+          </a:xfrm>
+          <a:prstGeom prst="straightConnector1">
+            <a:avLst/>
+          </a:prstGeom>
+          <a:ln>
+            <a:headEnd type="triangle"/>
+            <a:tailEnd type="triangle"/>
+          </a:ln>
+        </p:spPr>
+        <p:style>
+          <a:lnRef idx="1">
+            <a:schemeClr val="accent3"/>
+          </a:lnRef>
+          <a:fillRef idx="0">
+            <a:schemeClr val="accent3"/>
+          </a:fillRef>
+          <a:effectRef idx="0">
+            <a:schemeClr val="accent3"/>
+          </a:effectRef>
+          <a:fontRef idx="minor">
+            <a:schemeClr val="tx1"/>
+          </a:fontRef>
+        </p:style>
+      </p:cxnSp>
+      <p:sp>
+        <p:nvSpPr>
+          <p:cNvPr id="67" name="テキスト ボックス 66"/>
+          <p:cNvSpPr txBox="1"/>
+          <p:nvPr/>
+        </p:nvSpPr>
+        <p:spPr>
+          <a:xfrm>
+            <a:off x="2641459" y="2570634"/>
+            <a:ext cx="523147" cy="226591"/>
+          </a:xfrm>
+          <a:prstGeom prst="rect">
+            <a:avLst/>
+          </a:prstGeom>
+          <a:noFill/>
+        </p:spPr>
+        <p:txBody>
+          <a:bodyPr wrap="none" lIns="36000" tIns="36000" rIns="36000" bIns="36000" rtlCol="0">
+            <a:spAutoFit/>
+          </a:bodyPr>
+          <a:lstStyle/>
+          <a:p>
+            <a:r>
+              <a:rPr lang="en-US" altLang="ja-JP" sz="1000" dirty="0"/>
+              <a:t>4</a:t>
+            </a:r>
+            <a:r>
+              <a:rPr kumimoji="1" lang="ja-JP" altLang="en-US" sz="1000" dirty="0"/>
+              <a:t>バイト</a:t>
+            </a:r>
+          </a:p>
+        </p:txBody>
+      </p:sp>
+      <p:sp>
+        <p:nvSpPr>
+          <p:cNvPr id="68" name="テキスト ボックス 67"/>
+          <p:cNvSpPr txBox="1"/>
+          <p:nvPr/>
+        </p:nvSpPr>
+        <p:spPr>
+          <a:xfrm>
+            <a:off x="3935598" y="2570634"/>
+            <a:ext cx="523147" cy="226591"/>
+          </a:xfrm>
+          <a:prstGeom prst="rect">
+            <a:avLst/>
+          </a:prstGeom>
+          <a:noFill/>
+        </p:spPr>
+        <p:txBody>
+          <a:bodyPr wrap="none" lIns="36000" tIns="36000" rIns="36000" bIns="36000" rtlCol="0">
+            <a:spAutoFit/>
+          </a:bodyPr>
+          <a:lstStyle/>
+          <a:p>
+            <a:r>
+              <a:rPr kumimoji="1" lang="en-US" altLang="ja-JP" sz="1000" dirty="0"/>
+              <a:t>8</a:t>
+            </a:r>
+            <a:r>
+              <a:rPr kumimoji="1" lang="ja-JP" altLang="en-US" sz="1000" dirty="0"/>
+              <a:t>バイト</a:t>
+            </a:r>
+          </a:p>
+        </p:txBody>
+      </p:sp>
+      <p:cxnSp>
+        <p:nvCxnSpPr>
+          <p:cNvPr id="70" name="直線コネクタ 69"/>
+          <p:cNvCxnSpPr/>
+          <p:nvPr/>
+        </p:nvCxnSpPr>
+        <p:spPr>
+          <a:xfrm flipV="1">
+            <a:off x="3337079" y="2683929"/>
+            <a:ext cx="0" cy="266825"/>
+          </a:xfrm>
+          <a:prstGeom prst="line">
+            <a:avLst/>
+          </a:prstGeom>
+        </p:spPr>
+        <p:style>
+          <a:lnRef idx="1">
+            <a:schemeClr val="accent2"/>
+          </a:lnRef>
+          <a:fillRef idx="0">
+            <a:schemeClr val="accent2"/>
+          </a:fillRef>
+          <a:effectRef idx="0">
+            <a:schemeClr val="accent2"/>
+          </a:effectRef>
+          <a:fontRef idx="minor">
+            <a:schemeClr val="tx1"/>
+          </a:fontRef>
+        </p:style>
+      </p:cxnSp>
+      <p:cxnSp>
+        <p:nvCxnSpPr>
+          <p:cNvPr id="71" name="直線コネクタ 70"/>
+          <p:cNvCxnSpPr/>
+          <p:nvPr/>
+        </p:nvCxnSpPr>
+        <p:spPr>
+          <a:xfrm flipV="1">
+            <a:off x="5061291" y="2683929"/>
+            <a:ext cx="0" cy="266825"/>
+          </a:xfrm>
+          <a:prstGeom prst="line">
+            <a:avLst/>
+          </a:prstGeom>
+        </p:spPr>
+        <p:style>
+          <a:lnRef idx="1">
+            <a:schemeClr val="accent2"/>
+          </a:lnRef>
+          <a:fillRef idx="0">
+            <a:schemeClr val="accent2"/>
+          </a:fillRef>
+          <a:effectRef idx="0">
+            <a:schemeClr val="accent2"/>
+          </a:effectRef>
+          <a:fontRef idx="minor">
+            <a:schemeClr val="tx1"/>
+          </a:fontRef>
+        </p:style>
+      </p:cxnSp>
+      <p:sp>
+        <p:nvSpPr>
+          <p:cNvPr id="73" name="テキスト ボックス 72"/>
+          <p:cNvSpPr txBox="1"/>
+          <p:nvPr/>
+        </p:nvSpPr>
+        <p:spPr>
+          <a:xfrm>
+            <a:off x="1675423" y="2785604"/>
+            <a:ext cx="666777" cy="288147"/>
+          </a:xfrm>
+          <a:prstGeom prst="rect">
+            <a:avLst/>
+          </a:prstGeom>
+          <a:noFill/>
+        </p:spPr>
+        <p:txBody>
+          <a:bodyPr wrap="none" lIns="36000" tIns="36000" rIns="36000" bIns="36000" rtlCol="0">
+            <a:spAutoFit/>
+          </a:bodyPr>
+          <a:lstStyle/>
+          <a:p>
+            <a:r>
+              <a:rPr kumimoji="1" lang="en-US" altLang="ja-JP" sz="1400" dirty="0"/>
+              <a:t>Pack</a:t>
+            </a:r>
+            <a:r>
+              <a:rPr kumimoji="1" lang="ja-JP" altLang="en-US" sz="1400" dirty="0"/>
+              <a:t> </a:t>
+            </a:r>
+            <a:r>
+              <a:rPr kumimoji="1" lang="en-US" altLang="ja-JP" sz="1400" dirty="0"/>
+              <a:t>=</a:t>
+            </a:r>
+            <a:r>
+              <a:rPr kumimoji="1" lang="ja-JP" altLang="en-US" sz="1400" dirty="0"/>
+              <a:t> </a:t>
+            </a:r>
+            <a:r>
+              <a:rPr lang="en-US" altLang="ja-JP" sz="1400" dirty="0"/>
+              <a:t>4</a:t>
+            </a:r>
+            <a:endParaRPr kumimoji="1" lang="ja-JP" altLang="en-US" sz="1400" dirty="0"/>
+          </a:p>
+        </p:txBody>
+      </p:sp>
+      <p:sp>
+        <p:nvSpPr>
+          <p:cNvPr id="75" name="正方形/長方形 74"/>
+          <p:cNvSpPr/>
+          <p:nvPr/>
+        </p:nvSpPr>
+        <p:spPr>
+          <a:xfrm>
+            <a:off x="2905007" y="3696643"/>
+            <a:ext cx="1724237" cy="288032"/>
+          </a:xfrm>
+          <a:prstGeom prst="rect">
+            <a:avLst/>
+          </a:prstGeom>
+        </p:spPr>
+        <p:style>
+          <a:lnRef idx="2">
+            <a:schemeClr val="accent5"/>
+          </a:lnRef>
+          <a:fillRef idx="1">
+            <a:schemeClr val="lt1"/>
+          </a:fillRef>
+          <a:effectRef idx="0">
+            <a:schemeClr val="accent5"/>
+          </a:effectRef>
+          <a:fontRef idx="minor">
+            <a:schemeClr val="dk1"/>
+          </a:fontRef>
+        </p:style>
+        <p:txBody>
+          <a:bodyPr lIns="36000" tIns="36000" rIns="36000" bIns="36000" rtlCol="0" anchor="ctr"/>
+          <a:lstStyle/>
+          <a:p>
+            <a:pPr algn="ctr"/>
+            <a:r>
+              <a:rPr kumimoji="1" lang="en-US" altLang="ja-JP" sz="1100" dirty="0"/>
+              <a:t>B</a:t>
+            </a:r>
+            <a:endParaRPr kumimoji="1" lang="ja-JP" altLang="en-US" sz="1100" dirty="0"/>
+          </a:p>
+        </p:txBody>
+      </p:sp>
+      <p:sp>
+        <p:nvSpPr>
+          <p:cNvPr id="77" name="正方形/長方形 76"/>
+          <p:cNvSpPr/>
+          <p:nvPr/>
+        </p:nvSpPr>
+        <p:spPr>
+          <a:xfrm>
+            <a:off x="2472960" y="3696643"/>
+            <a:ext cx="216024" cy="288032"/>
+          </a:xfrm>
+          <a:prstGeom prst="rect">
+            <a:avLst/>
+          </a:prstGeom>
+        </p:spPr>
+        <p:style>
+          <a:lnRef idx="2">
+            <a:schemeClr val="accent5"/>
+          </a:lnRef>
+          <a:fillRef idx="1">
+            <a:schemeClr val="lt1"/>
+          </a:fillRef>
+          <a:effectRef idx="0">
+            <a:schemeClr val="accent5"/>
+          </a:effectRef>
+          <a:fontRef idx="minor">
+            <a:schemeClr val="dk1"/>
+          </a:fontRef>
+        </p:style>
+        <p:txBody>
+          <a:bodyPr lIns="36000" tIns="36000" rIns="36000" bIns="36000" rtlCol="0" anchor="ctr"/>
+          <a:lstStyle/>
+          <a:p>
+            <a:pPr algn="ctr"/>
+            <a:r>
+              <a:rPr kumimoji="1" lang="en-US" altLang="ja-JP" sz="1100" dirty="0"/>
+              <a:t>A</a:t>
+            </a:r>
+            <a:endParaRPr kumimoji="1" lang="ja-JP" altLang="en-US" sz="1100" dirty="0"/>
+          </a:p>
+        </p:txBody>
+      </p:sp>
+      <p:sp>
+        <p:nvSpPr>
+          <p:cNvPr id="78" name="正方形/長方形 77"/>
+          <p:cNvSpPr/>
+          <p:nvPr/>
+        </p:nvSpPr>
+        <p:spPr>
+          <a:xfrm>
+            <a:off x="4629244" y="3696643"/>
+            <a:ext cx="216024" cy="288032"/>
+          </a:xfrm>
+          <a:prstGeom prst="rect">
+            <a:avLst/>
+          </a:prstGeom>
+        </p:spPr>
+        <p:style>
+          <a:lnRef idx="2">
+            <a:schemeClr val="accent5"/>
+          </a:lnRef>
+          <a:fillRef idx="1">
+            <a:schemeClr val="lt1"/>
+          </a:fillRef>
+          <a:effectRef idx="0">
+            <a:schemeClr val="accent5"/>
+          </a:effectRef>
+          <a:fontRef idx="minor">
+            <a:schemeClr val="dk1"/>
+          </a:fontRef>
+        </p:style>
+        <p:txBody>
+          <a:bodyPr lIns="36000" tIns="36000" rIns="36000" bIns="36000" rtlCol="0" anchor="ctr"/>
+          <a:lstStyle/>
+          <a:p>
+            <a:pPr algn="ctr"/>
+            <a:r>
+              <a:rPr kumimoji="1" lang="en-US" altLang="ja-JP" sz="1100" dirty="0"/>
+              <a:t>C</a:t>
+            </a:r>
+            <a:endParaRPr kumimoji="1" lang="ja-JP" altLang="en-US" sz="1100" dirty="0"/>
+          </a:p>
+        </p:txBody>
+      </p:sp>
+      <p:cxnSp>
+        <p:nvCxnSpPr>
+          <p:cNvPr id="81" name="直線矢印コネクタ 80"/>
+          <p:cNvCxnSpPr/>
+          <p:nvPr/>
+        </p:nvCxnSpPr>
+        <p:spPr>
+          <a:xfrm>
+            <a:off x="2905006" y="3552627"/>
+            <a:ext cx="1724237" cy="0"/>
+          </a:xfrm>
+          <a:prstGeom prst="straightConnector1">
+            <a:avLst/>
+          </a:prstGeom>
+          <a:ln>
+            <a:headEnd type="triangle"/>
+            <a:tailEnd type="triangle"/>
+          </a:ln>
+        </p:spPr>
+        <p:style>
+          <a:lnRef idx="1">
+            <a:schemeClr val="accent3"/>
+          </a:lnRef>
+          <a:fillRef idx="0">
+            <a:schemeClr val="accent3"/>
+          </a:fillRef>
+          <a:effectRef idx="0">
+            <a:schemeClr val="accent3"/>
+          </a:effectRef>
+          <a:fontRef idx="minor">
+            <a:schemeClr val="tx1"/>
+          </a:fontRef>
+        </p:style>
+      </p:cxnSp>
+      <p:sp>
+        <p:nvSpPr>
+          <p:cNvPr id="84" name="テキスト ボックス 83"/>
+          <p:cNvSpPr txBox="1"/>
+          <p:nvPr/>
+        </p:nvSpPr>
+        <p:spPr>
+          <a:xfrm>
+            <a:off x="3510038" y="3316523"/>
+            <a:ext cx="523147" cy="226591"/>
+          </a:xfrm>
+          <a:prstGeom prst="rect">
+            <a:avLst/>
+          </a:prstGeom>
+          <a:noFill/>
+        </p:spPr>
+        <p:txBody>
+          <a:bodyPr wrap="none" lIns="36000" tIns="36000" rIns="36000" bIns="36000" rtlCol="0">
+            <a:spAutoFit/>
+          </a:bodyPr>
+          <a:lstStyle/>
+          <a:p>
+            <a:r>
+              <a:rPr kumimoji="1" lang="en-US" altLang="ja-JP" sz="1000" dirty="0"/>
+              <a:t>8</a:t>
+            </a:r>
+            <a:r>
+              <a:rPr kumimoji="1" lang="ja-JP" altLang="en-US" sz="1000" dirty="0"/>
+              <a:t>バイト</a:t>
+            </a:r>
+          </a:p>
+        </p:txBody>
+      </p:sp>
+      <p:cxnSp>
+        <p:nvCxnSpPr>
+          <p:cNvPr id="86" name="直線コネクタ 85"/>
+          <p:cNvCxnSpPr/>
+          <p:nvPr/>
+        </p:nvCxnSpPr>
+        <p:spPr>
+          <a:xfrm flipV="1">
+            <a:off x="2905031" y="3429818"/>
+            <a:ext cx="0" cy="266825"/>
+          </a:xfrm>
+          <a:prstGeom prst="line">
+            <a:avLst/>
+          </a:prstGeom>
+        </p:spPr>
+        <p:style>
+          <a:lnRef idx="1">
+            <a:schemeClr val="accent2"/>
+          </a:lnRef>
+          <a:fillRef idx="0">
+            <a:schemeClr val="accent2"/>
+          </a:fillRef>
+          <a:effectRef idx="0">
+            <a:schemeClr val="accent2"/>
+          </a:effectRef>
+          <a:fontRef idx="minor">
+            <a:schemeClr val="tx1"/>
+          </a:fontRef>
+        </p:style>
+      </p:cxnSp>
+      <p:cxnSp>
+        <p:nvCxnSpPr>
+          <p:cNvPr id="87" name="直線コネクタ 86"/>
+          <p:cNvCxnSpPr/>
+          <p:nvPr/>
+        </p:nvCxnSpPr>
+        <p:spPr>
+          <a:xfrm flipV="1">
+            <a:off x="4629243" y="3429818"/>
+            <a:ext cx="0" cy="266825"/>
+          </a:xfrm>
+          <a:prstGeom prst="line">
+            <a:avLst/>
+          </a:prstGeom>
+        </p:spPr>
+        <p:style>
+          <a:lnRef idx="1">
+            <a:schemeClr val="accent2"/>
+          </a:lnRef>
+          <a:fillRef idx="0">
+            <a:schemeClr val="accent2"/>
+          </a:fillRef>
+          <a:effectRef idx="0">
+            <a:schemeClr val="accent2"/>
+          </a:effectRef>
+          <a:fontRef idx="minor">
+            <a:schemeClr val="tx1"/>
+          </a:fontRef>
+        </p:style>
+      </p:cxnSp>
+      <p:sp>
+        <p:nvSpPr>
+          <p:cNvPr id="89" name="テキスト ボックス 88"/>
+          <p:cNvSpPr txBox="1"/>
+          <p:nvPr/>
+        </p:nvSpPr>
+        <p:spPr>
+          <a:xfrm>
+            <a:off x="1675423" y="3531493"/>
+            <a:ext cx="666777" cy="288147"/>
+          </a:xfrm>
+          <a:prstGeom prst="rect">
+            <a:avLst/>
+          </a:prstGeom>
+          <a:noFill/>
+        </p:spPr>
+        <p:txBody>
+          <a:bodyPr wrap="none" lIns="36000" tIns="36000" rIns="36000" bIns="36000" rtlCol="0">
+            <a:spAutoFit/>
+          </a:bodyPr>
+          <a:lstStyle/>
+          <a:p>
+            <a:r>
+              <a:rPr kumimoji="1" lang="en-US" altLang="ja-JP" sz="1400" dirty="0"/>
+              <a:t>Pack</a:t>
+            </a:r>
+            <a:r>
+              <a:rPr kumimoji="1" lang="ja-JP" altLang="en-US" sz="1400" dirty="0"/>
+              <a:t> </a:t>
+            </a:r>
+            <a:r>
+              <a:rPr kumimoji="1" lang="en-US" altLang="ja-JP" sz="1400" dirty="0"/>
+              <a:t>= 2</a:t>
+            </a:r>
+            <a:endParaRPr kumimoji="1" lang="ja-JP" altLang="en-US" sz="1400" dirty="0"/>
+          </a:p>
+        </p:txBody>
+      </p:sp>
+      <p:sp>
+        <p:nvSpPr>
+          <p:cNvPr id="91" name="正方形/長方形 90"/>
+          <p:cNvSpPr/>
+          <p:nvPr/>
+        </p:nvSpPr>
+        <p:spPr>
+          <a:xfrm>
+            <a:off x="2688984" y="4503239"/>
+            <a:ext cx="1724237" cy="288032"/>
+          </a:xfrm>
+          <a:prstGeom prst="rect">
+            <a:avLst/>
+          </a:prstGeom>
+        </p:spPr>
+        <p:style>
+          <a:lnRef idx="2">
+            <a:schemeClr val="accent5"/>
+          </a:lnRef>
+          <a:fillRef idx="1">
+            <a:schemeClr val="lt1"/>
+          </a:fillRef>
+          <a:effectRef idx="0">
+            <a:schemeClr val="accent5"/>
+          </a:effectRef>
+          <a:fontRef idx="minor">
+            <a:schemeClr val="dk1"/>
+          </a:fontRef>
+        </p:style>
+        <p:txBody>
+          <a:bodyPr lIns="36000" tIns="36000" rIns="36000" bIns="36000" rtlCol="0" anchor="ctr"/>
+          <a:lstStyle/>
+          <a:p>
+            <a:pPr algn="ctr"/>
+            <a:r>
+              <a:rPr kumimoji="1" lang="en-US" altLang="ja-JP" sz="1100" dirty="0"/>
+              <a:t>B</a:t>
+            </a:r>
+            <a:endParaRPr kumimoji="1" lang="ja-JP" altLang="en-US" sz="1100" dirty="0"/>
+          </a:p>
+        </p:txBody>
+      </p:sp>
+      <p:sp>
+        <p:nvSpPr>
+          <p:cNvPr id="93" name="正方形/長方形 92"/>
+          <p:cNvSpPr/>
+          <p:nvPr/>
+        </p:nvSpPr>
+        <p:spPr>
+          <a:xfrm>
+            <a:off x="2472960" y="4503239"/>
+            <a:ext cx="216024" cy="288032"/>
+          </a:xfrm>
+          <a:prstGeom prst="rect">
+            <a:avLst/>
+          </a:prstGeom>
+        </p:spPr>
+        <p:style>
+          <a:lnRef idx="2">
+            <a:schemeClr val="accent5"/>
+          </a:lnRef>
+          <a:fillRef idx="1">
+            <a:schemeClr val="lt1"/>
+          </a:fillRef>
+          <a:effectRef idx="0">
+            <a:schemeClr val="accent5"/>
+          </a:effectRef>
+          <a:fontRef idx="minor">
+            <a:schemeClr val="dk1"/>
+          </a:fontRef>
+        </p:style>
+        <p:txBody>
+          <a:bodyPr lIns="36000" tIns="36000" rIns="36000" bIns="36000" rtlCol="0" anchor="ctr"/>
+          <a:lstStyle/>
+          <a:p>
+            <a:pPr algn="ctr"/>
+            <a:r>
+              <a:rPr kumimoji="1" lang="en-US" altLang="ja-JP" sz="1100" dirty="0"/>
+              <a:t>A</a:t>
+            </a:r>
+            <a:endParaRPr kumimoji="1" lang="ja-JP" altLang="en-US" sz="1100" dirty="0"/>
+          </a:p>
+        </p:txBody>
+      </p:sp>
+      <p:sp>
+        <p:nvSpPr>
+          <p:cNvPr id="94" name="正方形/長方形 93"/>
+          <p:cNvSpPr/>
+          <p:nvPr/>
+        </p:nvSpPr>
+        <p:spPr>
+          <a:xfrm>
+            <a:off x="4413221" y="4503239"/>
+            <a:ext cx="216024" cy="288032"/>
+          </a:xfrm>
+          <a:prstGeom prst="rect">
+            <a:avLst/>
+          </a:prstGeom>
+        </p:spPr>
+        <p:style>
+          <a:lnRef idx="2">
+            <a:schemeClr val="accent5"/>
+          </a:lnRef>
+          <a:fillRef idx="1">
+            <a:schemeClr val="lt1"/>
+          </a:fillRef>
+          <a:effectRef idx="0">
+            <a:schemeClr val="accent5"/>
+          </a:effectRef>
+          <a:fontRef idx="minor">
+            <a:schemeClr val="dk1"/>
+          </a:fontRef>
+        </p:style>
+        <p:txBody>
+          <a:bodyPr lIns="36000" tIns="36000" rIns="36000" bIns="36000" rtlCol="0" anchor="ctr"/>
+          <a:lstStyle/>
+          <a:p>
+            <a:pPr algn="ctr"/>
+            <a:r>
+              <a:rPr kumimoji="1" lang="en-US" altLang="ja-JP" sz="1100" dirty="0"/>
+              <a:t>C</a:t>
+            </a:r>
+            <a:endParaRPr kumimoji="1" lang="ja-JP" altLang="en-US" sz="1100" dirty="0"/>
+          </a:p>
+        </p:txBody>
+      </p:sp>
+      <p:cxnSp>
+        <p:nvCxnSpPr>
+          <p:cNvPr id="97" name="直線矢印コネクタ 96"/>
+          <p:cNvCxnSpPr/>
+          <p:nvPr/>
+        </p:nvCxnSpPr>
+        <p:spPr>
+          <a:xfrm>
+            <a:off x="2688983" y="4359223"/>
+            <a:ext cx="1724237" cy="0"/>
+          </a:xfrm>
+          <a:prstGeom prst="straightConnector1">
+            <a:avLst/>
+          </a:prstGeom>
+          <a:ln>
+            <a:headEnd type="triangle"/>
+            <a:tailEnd type="triangle"/>
+          </a:ln>
+        </p:spPr>
+        <p:style>
+          <a:lnRef idx="1">
+            <a:schemeClr val="accent3"/>
+          </a:lnRef>
+          <a:fillRef idx="0">
+            <a:schemeClr val="accent3"/>
+          </a:fillRef>
+          <a:effectRef idx="0">
+            <a:schemeClr val="accent3"/>
+          </a:effectRef>
+          <a:fontRef idx="minor">
+            <a:schemeClr val="tx1"/>
+          </a:fontRef>
+        </p:style>
+      </p:cxnSp>
+      <p:sp>
+        <p:nvSpPr>
+          <p:cNvPr id="100" name="テキスト ボックス 99"/>
+          <p:cNvSpPr txBox="1"/>
+          <p:nvPr/>
+        </p:nvSpPr>
+        <p:spPr>
+          <a:xfrm>
+            <a:off x="3294015" y="4123119"/>
+            <a:ext cx="523147" cy="226591"/>
+          </a:xfrm>
+          <a:prstGeom prst="rect">
+            <a:avLst/>
+          </a:prstGeom>
+          <a:noFill/>
+        </p:spPr>
+        <p:txBody>
+          <a:bodyPr wrap="none" lIns="36000" tIns="36000" rIns="36000" bIns="36000" rtlCol="0">
+            <a:spAutoFit/>
+          </a:bodyPr>
+          <a:lstStyle/>
+          <a:p>
+            <a:r>
+              <a:rPr kumimoji="1" lang="en-US" altLang="ja-JP" sz="1000" dirty="0"/>
+              <a:t>8</a:t>
+            </a:r>
+            <a:r>
+              <a:rPr kumimoji="1" lang="ja-JP" altLang="en-US" sz="1000" dirty="0"/>
+              <a:t>バイト</a:t>
+            </a:r>
+          </a:p>
+        </p:txBody>
+      </p:sp>
+      <p:cxnSp>
+        <p:nvCxnSpPr>
+          <p:cNvPr id="102" name="直線コネクタ 101"/>
+          <p:cNvCxnSpPr/>
+          <p:nvPr/>
+        </p:nvCxnSpPr>
+        <p:spPr>
+          <a:xfrm flipV="1">
+            <a:off x="2689008" y="4236414"/>
+            <a:ext cx="0" cy="266825"/>
+          </a:xfrm>
+          <a:prstGeom prst="line">
+            <a:avLst/>
+          </a:prstGeom>
+        </p:spPr>
+        <p:style>
+          <a:lnRef idx="1">
+            <a:schemeClr val="accent2"/>
+          </a:lnRef>
+          <a:fillRef idx="0">
+            <a:schemeClr val="accent2"/>
+          </a:fillRef>
+          <a:effectRef idx="0">
+            <a:schemeClr val="accent2"/>
+          </a:effectRef>
+          <a:fontRef idx="minor">
+            <a:schemeClr val="tx1"/>
+          </a:fontRef>
+        </p:style>
+      </p:cxnSp>
+      <p:cxnSp>
+        <p:nvCxnSpPr>
+          <p:cNvPr id="103" name="直線コネクタ 102"/>
+          <p:cNvCxnSpPr/>
+          <p:nvPr/>
+        </p:nvCxnSpPr>
+        <p:spPr>
+          <a:xfrm flipV="1">
+            <a:off x="4413220" y="4236414"/>
+            <a:ext cx="0" cy="266825"/>
+          </a:xfrm>
+          <a:prstGeom prst="line">
+            <a:avLst/>
+          </a:prstGeom>
+        </p:spPr>
+        <p:style>
+          <a:lnRef idx="1">
+            <a:schemeClr val="accent2"/>
+          </a:lnRef>
+          <a:fillRef idx="0">
+            <a:schemeClr val="accent2"/>
+          </a:fillRef>
+          <a:effectRef idx="0">
+            <a:schemeClr val="accent2"/>
+          </a:effectRef>
+          <a:fontRef idx="minor">
+            <a:schemeClr val="tx1"/>
+          </a:fontRef>
+        </p:style>
+      </p:cxnSp>
+      <p:sp>
+        <p:nvSpPr>
+          <p:cNvPr id="105" name="テキスト ボックス 104"/>
+          <p:cNvSpPr txBox="1"/>
+          <p:nvPr/>
+        </p:nvSpPr>
+        <p:spPr>
+          <a:xfrm>
+            <a:off x="1675423" y="4338089"/>
+            <a:ext cx="666777" cy="288147"/>
+          </a:xfrm>
+          <a:prstGeom prst="rect">
+            <a:avLst/>
+          </a:prstGeom>
+          <a:noFill/>
+        </p:spPr>
+        <p:txBody>
+          <a:bodyPr wrap="none" lIns="36000" tIns="36000" rIns="36000" bIns="36000" rtlCol="0">
+            <a:spAutoFit/>
+          </a:bodyPr>
+          <a:lstStyle/>
+          <a:p>
+            <a:r>
+              <a:rPr kumimoji="1" lang="en-US" altLang="ja-JP" sz="1400" dirty="0"/>
+              <a:t>Pack</a:t>
+            </a:r>
+            <a:r>
+              <a:rPr kumimoji="1" lang="ja-JP" altLang="en-US" sz="1400" dirty="0"/>
+              <a:t> </a:t>
+            </a:r>
+            <a:r>
+              <a:rPr kumimoji="1" lang="en-US" altLang="ja-JP" sz="1400" dirty="0"/>
+              <a:t>= 1</a:t>
+            </a:r>
+            <a:endParaRPr kumimoji="1" lang="ja-JP" altLang="en-US" sz="1400" dirty="0"/>
+          </a:p>
+        </p:txBody>
+      </p:sp>
+      <p:sp>
+        <p:nvSpPr>
+          <p:cNvPr id="106" name="正方形/長方形 105"/>
+          <p:cNvSpPr/>
+          <p:nvPr/>
+        </p:nvSpPr>
+        <p:spPr>
+          <a:xfrm>
+            <a:off x="2688983" y="3695909"/>
+            <a:ext cx="216024" cy="288032"/>
+          </a:xfrm>
+          <a:prstGeom prst="rect">
+            <a:avLst/>
+          </a:prstGeom>
+        </p:spPr>
+        <p:style>
+          <a:lnRef idx="2">
+            <a:schemeClr val="accent5"/>
+          </a:lnRef>
+          <a:fillRef idx="1">
+            <a:schemeClr val="lt1"/>
+          </a:fillRef>
+          <a:effectRef idx="0">
+            <a:schemeClr val="accent5"/>
+          </a:effectRef>
+          <a:fontRef idx="minor">
+            <a:schemeClr val="dk1"/>
+          </a:fontRef>
+        </p:style>
+        <p:txBody>
+          <a:bodyPr lIns="36000" tIns="36000" rIns="36000" bIns="36000" rtlCol="0" anchor="ctr"/>
+          <a:lstStyle/>
+          <a:p>
+            <a:pPr algn="ctr"/>
+            <a:endParaRPr kumimoji="1" lang="ja-JP" altLang="en-US" sz="1100" dirty="0"/>
+          </a:p>
+        </p:txBody>
+      </p:sp>
+      <p:sp>
+        <p:nvSpPr>
+          <p:cNvPr id="107" name="正方形/長方形 106"/>
+          <p:cNvSpPr/>
+          <p:nvPr/>
+        </p:nvSpPr>
+        <p:spPr>
+          <a:xfrm>
+            <a:off x="4845268" y="3695909"/>
+            <a:ext cx="216024" cy="288032"/>
+          </a:xfrm>
+          <a:prstGeom prst="rect">
+            <a:avLst/>
+          </a:prstGeom>
+        </p:spPr>
+        <p:style>
+          <a:lnRef idx="2">
+            <a:schemeClr val="accent5"/>
+          </a:lnRef>
+          <a:fillRef idx="1">
+            <a:schemeClr val="lt1"/>
+          </a:fillRef>
+          <a:effectRef idx="0">
+            <a:schemeClr val="accent5"/>
+          </a:effectRef>
+          <a:fontRef idx="minor">
+            <a:schemeClr val="dk1"/>
+          </a:fontRef>
+        </p:style>
+        <p:txBody>
+          <a:bodyPr lIns="36000" tIns="36000" rIns="36000" bIns="36000" rtlCol="0" anchor="ctr"/>
+          <a:lstStyle/>
+          <a:p>
+            <a:pPr algn="ctr"/>
+            <a:endParaRPr kumimoji="1" lang="ja-JP" altLang="en-US" sz="1100" dirty="0"/>
+          </a:p>
+        </p:txBody>
+      </p:sp>
+      <p:cxnSp>
+        <p:nvCxnSpPr>
+          <p:cNvPr id="119" name="直線矢印コネクタ 118"/>
+          <p:cNvCxnSpPr/>
+          <p:nvPr/>
+        </p:nvCxnSpPr>
+        <p:spPr>
+          <a:xfrm>
+            <a:off x="5061238" y="2806738"/>
+            <a:ext cx="860145" cy="0"/>
+          </a:xfrm>
+          <a:prstGeom prst="straightConnector1">
+            <a:avLst/>
+          </a:prstGeom>
+          <a:ln>
+            <a:headEnd type="triangle"/>
+            <a:tailEnd type="triangle"/>
+          </a:ln>
+        </p:spPr>
+        <p:style>
+          <a:lnRef idx="1">
+            <a:schemeClr val="accent3"/>
+          </a:lnRef>
+          <a:fillRef idx="0">
+            <a:schemeClr val="accent3"/>
+          </a:fillRef>
+          <a:effectRef idx="0">
+            <a:schemeClr val="accent3"/>
+          </a:effectRef>
+          <a:fontRef idx="minor">
+            <a:schemeClr val="tx1"/>
+          </a:fontRef>
+        </p:style>
+      </p:cxnSp>
+      <p:sp>
+        <p:nvSpPr>
+          <p:cNvPr id="120" name="テキスト ボックス 119"/>
+          <p:cNvSpPr txBox="1"/>
+          <p:nvPr/>
+        </p:nvSpPr>
+        <p:spPr>
+          <a:xfrm>
+            <a:off x="5229737" y="2570634"/>
+            <a:ext cx="523147" cy="226591"/>
+          </a:xfrm>
+          <a:prstGeom prst="rect">
+            <a:avLst/>
+          </a:prstGeom>
+          <a:noFill/>
+        </p:spPr>
+        <p:txBody>
+          <a:bodyPr wrap="none" lIns="36000" tIns="36000" rIns="36000" bIns="36000" rtlCol="0">
+            <a:spAutoFit/>
+          </a:bodyPr>
+          <a:lstStyle/>
+          <a:p>
+            <a:r>
+              <a:rPr lang="en-US" altLang="ja-JP" sz="1000" dirty="0"/>
+              <a:t>4</a:t>
+            </a:r>
+            <a:r>
+              <a:rPr kumimoji="1" lang="ja-JP" altLang="en-US" sz="1000" dirty="0"/>
+              <a:t>バイト</a:t>
+            </a:r>
+          </a:p>
+        </p:txBody>
+      </p:sp>
+      <p:cxnSp>
+        <p:nvCxnSpPr>
+          <p:cNvPr id="121" name="直線コネクタ 120"/>
+          <p:cNvCxnSpPr/>
+          <p:nvPr/>
+        </p:nvCxnSpPr>
+        <p:spPr>
+          <a:xfrm flipV="1">
+            <a:off x="5925357" y="2683929"/>
+            <a:ext cx="0" cy="266825"/>
+          </a:xfrm>
+          <a:prstGeom prst="line">
+            <a:avLst/>
+          </a:prstGeom>
+        </p:spPr>
+        <p:style>
+          <a:lnRef idx="1">
+            <a:schemeClr val="accent2"/>
+          </a:lnRef>
+          <a:fillRef idx="0">
+            <a:schemeClr val="accent2"/>
+          </a:fillRef>
+          <a:effectRef idx="0">
+            <a:schemeClr val="accent2"/>
+          </a:effectRef>
+          <a:fontRef idx="minor">
+            <a:schemeClr val="tx1"/>
+          </a:fontRef>
+        </p:style>
+      </p:cxnSp>
+      <p:sp>
+        <p:nvSpPr>
+          <p:cNvPr id="22" name="テキスト ボックス 21"/>
+          <p:cNvSpPr txBox="1"/>
+          <p:nvPr/>
+        </p:nvSpPr>
+        <p:spPr>
+          <a:xfrm>
+            <a:off x="1670463" y="2327862"/>
+            <a:ext cx="717110" cy="226591"/>
+          </a:xfrm>
+          <a:prstGeom prst="rect">
+            <a:avLst/>
+          </a:prstGeom>
+          <a:noFill/>
+        </p:spPr>
+        <p:txBody>
+          <a:bodyPr wrap="none" lIns="36000" tIns="36000" rIns="36000" bIns="36000" rtlCol="0">
+            <a:spAutoFit/>
+          </a:bodyPr>
+          <a:lstStyle/>
+          <a:p>
+            <a:r>
+              <a:rPr lang="ja-JP" altLang="en-US" sz="1000" dirty="0"/>
+              <a:t>計</a:t>
+            </a:r>
+            <a:r>
+              <a:rPr lang="en-US" altLang="ja-JP" sz="1000" dirty="0"/>
+              <a:t>24</a:t>
+            </a:r>
+            <a:r>
+              <a:rPr lang="ja-JP" altLang="en-US" sz="1000" dirty="0"/>
+              <a:t>バイト</a:t>
+            </a:r>
+            <a:endParaRPr kumimoji="1" lang="ja-JP" altLang="en-US" sz="1000" dirty="0"/>
+          </a:p>
+        </p:txBody>
+      </p:sp>
+      <p:sp>
+        <p:nvSpPr>
+          <p:cNvPr id="123" name="テキスト ボックス 122"/>
+          <p:cNvSpPr txBox="1"/>
+          <p:nvPr/>
+        </p:nvSpPr>
+        <p:spPr>
+          <a:xfrm>
+            <a:off x="1670463" y="3073751"/>
+            <a:ext cx="717110" cy="226591"/>
+          </a:xfrm>
+          <a:prstGeom prst="rect">
+            <a:avLst/>
+          </a:prstGeom>
+          <a:noFill/>
+        </p:spPr>
+        <p:txBody>
+          <a:bodyPr wrap="none" lIns="36000" tIns="36000" rIns="36000" bIns="36000" rtlCol="0">
+            <a:spAutoFit/>
+          </a:bodyPr>
+          <a:lstStyle/>
+          <a:p>
+            <a:r>
+              <a:rPr lang="ja-JP" altLang="en-US" sz="1000" dirty="0"/>
+              <a:t>計</a:t>
+            </a:r>
+            <a:r>
+              <a:rPr lang="en-US" altLang="ja-JP" sz="1000" dirty="0"/>
+              <a:t>16</a:t>
+            </a:r>
+            <a:r>
+              <a:rPr lang="ja-JP" altLang="en-US" sz="1000" dirty="0"/>
+              <a:t>バイト</a:t>
+            </a:r>
+            <a:endParaRPr kumimoji="1" lang="ja-JP" altLang="en-US" sz="1000" dirty="0"/>
+          </a:p>
+        </p:txBody>
+      </p:sp>
+      <p:sp>
+        <p:nvSpPr>
+          <p:cNvPr id="124" name="テキスト ボックス 123"/>
+          <p:cNvSpPr txBox="1"/>
+          <p:nvPr/>
+        </p:nvSpPr>
+        <p:spPr>
+          <a:xfrm>
+            <a:off x="1670463" y="3819640"/>
+            <a:ext cx="717110" cy="226591"/>
+          </a:xfrm>
+          <a:prstGeom prst="rect">
+            <a:avLst/>
+          </a:prstGeom>
+          <a:noFill/>
+        </p:spPr>
+        <p:txBody>
+          <a:bodyPr wrap="none" lIns="36000" tIns="36000" rIns="36000" bIns="36000" rtlCol="0">
+            <a:spAutoFit/>
+          </a:bodyPr>
+          <a:lstStyle/>
+          <a:p>
+            <a:r>
+              <a:rPr lang="ja-JP" altLang="en-US" sz="1000" dirty="0"/>
+              <a:t>計</a:t>
+            </a:r>
+            <a:r>
+              <a:rPr lang="en-US" altLang="ja-JP" sz="1000" dirty="0"/>
+              <a:t>12</a:t>
+            </a:r>
+            <a:r>
+              <a:rPr lang="ja-JP" altLang="en-US" sz="1000" dirty="0"/>
+              <a:t>バイト</a:t>
+            </a:r>
+            <a:endParaRPr kumimoji="1" lang="ja-JP" altLang="en-US" sz="1000" dirty="0"/>
+          </a:p>
+        </p:txBody>
+      </p:sp>
+      <p:sp>
+        <p:nvSpPr>
+          <p:cNvPr id="125" name="テキスト ボックス 124"/>
+          <p:cNvSpPr txBox="1"/>
+          <p:nvPr/>
+        </p:nvSpPr>
+        <p:spPr>
+          <a:xfrm>
+            <a:off x="1670463" y="4564680"/>
+            <a:ext cx="717110" cy="226591"/>
+          </a:xfrm>
+          <a:prstGeom prst="rect">
+            <a:avLst/>
+          </a:prstGeom>
+          <a:noFill/>
+        </p:spPr>
+        <p:txBody>
+          <a:bodyPr wrap="none" lIns="36000" tIns="36000" rIns="36000" bIns="36000" rtlCol="0">
+            <a:spAutoFit/>
+          </a:bodyPr>
+          <a:lstStyle/>
+          <a:p>
+            <a:r>
+              <a:rPr lang="ja-JP" altLang="en-US" sz="1000" dirty="0"/>
+              <a:t>計</a:t>
+            </a:r>
+            <a:r>
+              <a:rPr lang="en-US" altLang="ja-JP" sz="1000" dirty="0"/>
+              <a:t>10</a:t>
+            </a:r>
+            <a:r>
+              <a:rPr lang="ja-JP" altLang="en-US" sz="1000" dirty="0"/>
+              <a:t>バイト</a:t>
+            </a:r>
+            <a:endParaRPr kumimoji="1" lang="ja-JP" altLang="en-US" sz="1000" dirty="0"/>
+          </a:p>
+        </p:txBody>
+      </p:sp>
+    </p:spTree>
+    <p:extLst>
+      <p:ext uri="{BB962C8B-B14F-4D97-AF65-F5344CB8AC3E}">
+        <p14:creationId xmlns:p14="http://schemas.microsoft.com/office/powerpoint/2010/main" val="3065467660"/>
+      </p:ext>
+    </p:extLst>
+  </p:cSld>
+  <p:clrMapOvr>
+    <a:masterClrMapping/>
+  </p:clrMapOvr>
+</p:sld>
+</file>
+
+<file path=ppt/slides/slide5.xml><?xml version="1.0" encoding="utf-8"?>
+<p:sld xmlns:a="http://schemas.openxmlformats.org/drawingml/2006/main" xmlns:r="http://schemas.openxmlformats.org/officeDocument/2006/relationships" xmlns:p="http://schemas.openxmlformats.org/presentationml/2006/main">
+  <p:cSld>
+    <p:spTree>
+      <p:nvGrpSpPr>
+        <p:cNvPr id="1" name=""/>
+        <p:cNvGrpSpPr/>
+        <p:nvPr/>
+      </p:nvGrpSpPr>
+      <p:grpSpPr>
+        <a:xfrm>
+          <a:off x="0" y="0"/>
+          <a:ext cx="0" cy="0"/>
+          <a:chOff x="0" y="0"/>
+          <a:chExt cx="0" cy="0"/>
+        </a:xfrm>
+      </p:grpSpPr>
+      <p:sp>
+        <p:nvSpPr>
+          <p:cNvPr id="9" name="正方形/長方形 8"/>
+          <p:cNvSpPr/>
+          <p:nvPr/>
+        </p:nvSpPr>
+        <p:spPr>
+          <a:xfrm>
+            <a:off x="4419535" y="4503238"/>
+            <a:ext cx="860144" cy="288032"/>
+          </a:xfrm>
+          <a:prstGeom prst="rect">
+            <a:avLst/>
+          </a:prstGeom>
+        </p:spPr>
+        <p:style>
+          <a:lnRef idx="2">
+            <a:schemeClr val="accent5"/>
+          </a:lnRef>
+          <a:fillRef idx="1">
+            <a:schemeClr val="lt1"/>
+          </a:fillRef>
+          <a:effectRef idx="0">
+            <a:schemeClr val="accent5"/>
+          </a:effectRef>
+          <a:fontRef idx="minor">
+            <a:schemeClr val="dk1"/>
+          </a:fontRef>
+        </p:style>
+        <p:txBody>
+          <a:bodyPr lIns="36000" tIns="36000" rIns="36000" bIns="36000" rtlCol="0" anchor="ctr"/>
+          <a:lstStyle/>
+          <a:p>
+            <a:pPr algn="ctr"/>
+            <a:endParaRPr kumimoji="1" lang="ja-JP" altLang="en-US" sz="1100" dirty="0"/>
+          </a:p>
+        </p:txBody>
+      </p:sp>
+      <p:sp>
+        <p:nvSpPr>
+          <p:cNvPr id="2" name="正方形/長方形 1"/>
+          <p:cNvSpPr/>
+          <p:nvPr/>
+        </p:nvSpPr>
+        <p:spPr>
+          <a:xfrm>
+            <a:off x="2688984" y="4503239"/>
+            <a:ext cx="1724237" cy="288032"/>
+          </a:xfrm>
+          <a:prstGeom prst="rect">
+            <a:avLst/>
+          </a:prstGeom>
+        </p:spPr>
+        <p:style>
+          <a:lnRef idx="2">
+            <a:schemeClr val="accent5"/>
+          </a:lnRef>
+          <a:fillRef idx="1">
+            <a:schemeClr val="lt1"/>
+          </a:fillRef>
+          <a:effectRef idx="0">
+            <a:schemeClr val="accent5"/>
+          </a:effectRef>
+          <a:fontRef idx="minor">
+            <a:schemeClr val="dk1"/>
+          </a:fontRef>
+        </p:style>
+        <p:txBody>
+          <a:bodyPr lIns="36000" tIns="36000" rIns="36000" bIns="36000" rtlCol="0" anchor="ctr"/>
+          <a:lstStyle/>
+          <a:p>
+            <a:pPr algn="ctr"/>
+            <a:r>
+              <a:rPr kumimoji="1" lang="en-US" altLang="ja-JP" sz="1100" dirty="0"/>
+              <a:t>B</a:t>
+            </a:r>
+            <a:endParaRPr kumimoji="1" lang="ja-JP" altLang="en-US" sz="1100" dirty="0"/>
+          </a:p>
+        </p:txBody>
+      </p:sp>
+      <p:sp>
+        <p:nvSpPr>
+          <p:cNvPr id="3" name="正方形/長方形 2"/>
+          <p:cNvSpPr/>
+          <p:nvPr/>
+        </p:nvSpPr>
+        <p:spPr>
+          <a:xfrm>
+            <a:off x="4413220" y="4503239"/>
+            <a:ext cx="216024" cy="288032"/>
+          </a:xfrm>
+          <a:prstGeom prst="rect">
+            <a:avLst/>
+          </a:prstGeom>
+        </p:spPr>
+        <p:style>
+          <a:lnRef idx="2">
+            <a:schemeClr val="accent5"/>
+          </a:lnRef>
+          <a:fillRef idx="1">
+            <a:schemeClr val="lt1"/>
+          </a:fillRef>
+          <a:effectRef idx="0">
+            <a:schemeClr val="accent5"/>
+          </a:effectRef>
+          <a:fontRef idx="minor">
+            <a:schemeClr val="dk1"/>
+          </a:fontRef>
+        </p:style>
+        <p:txBody>
+          <a:bodyPr lIns="36000" tIns="36000" rIns="36000" bIns="36000" rtlCol="0" anchor="ctr"/>
+          <a:lstStyle/>
+          <a:p>
+            <a:pPr algn="ctr"/>
+            <a:r>
+              <a:rPr kumimoji="1" lang="en-US" altLang="ja-JP" sz="1100" dirty="0"/>
+              <a:t>A</a:t>
+            </a:r>
+            <a:endParaRPr kumimoji="1" lang="ja-JP" altLang="en-US" sz="1100" dirty="0"/>
+          </a:p>
+        </p:txBody>
+      </p:sp>
+      <p:sp>
+        <p:nvSpPr>
+          <p:cNvPr id="4" name="正方形/長方形 3"/>
+          <p:cNvSpPr/>
+          <p:nvPr/>
+        </p:nvSpPr>
+        <p:spPr>
+          <a:xfrm>
+            <a:off x="4633583" y="4503239"/>
+            <a:ext cx="216024" cy="288032"/>
+          </a:xfrm>
+          <a:prstGeom prst="rect">
+            <a:avLst/>
+          </a:prstGeom>
+        </p:spPr>
+        <p:style>
+          <a:lnRef idx="2">
+            <a:schemeClr val="accent5"/>
+          </a:lnRef>
+          <a:fillRef idx="1">
+            <a:schemeClr val="lt1"/>
+          </a:fillRef>
+          <a:effectRef idx="0">
+            <a:schemeClr val="accent5"/>
+          </a:effectRef>
+          <a:fontRef idx="minor">
+            <a:schemeClr val="dk1"/>
+          </a:fontRef>
+        </p:style>
+        <p:txBody>
+          <a:bodyPr lIns="36000" tIns="36000" rIns="36000" bIns="36000" rtlCol="0" anchor="ctr"/>
+          <a:lstStyle/>
+          <a:p>
+            <a:pPr algn="ctr"/>
+            <a:r>
+              <a:rPr kumimoji="1" lang="en-US" altLang="ja-JP" sz="1100" dirty="0"/>
+              <a:t>C</a:t>
+            </a:r>
+            <a:endParaRPr kumimoji="1" lang="ja-JP" altLang="en-US" sz="1100" dirty="0"/>
+          </a:p>
+        </p:txBody>
+      </p:sp>
+      <p:cxnSp>
+        <p:nvCxnSpPr>
+          <p:cNvPr id="5" name="直線矢印コネクタ 4"/>
+          <p:cNvCxnSpPr/>
+          <p:nvPr/>
+        </p:nvCxnSpPr>
+        <p:spPr>
+          <a:xfrm>
+            <a:off x="2688983" y="4359223"/>
+            <a:ext cx="1724237" cy="0"/>
+          </a:xfrm>
+          <a:prstGeom prst="straightConnector1">
+            <a:avLst/>
+          </a:prstGeom>
+          <a:ln>
+            <a:headEnd type="triangle"/>
+            <a:tailEnd type="triangle"/>
+          </a:ln>
+        </p:spPr>
+        <p:style>
+          <a:lnRef idx="1">
+            <a:schemeClr val="accent3"/>
+          </a:lnRef>
+          <a:fillRef idx="0">
+            <a:schemeClr val="accent3"/>
+          </a:fillRef>
+          <a:effectRef idx="0">
+            <a:schemeClr val="accent3"/>
+          </a:effectRef>
+          <a:fontRef idx="minor">
+            <a:schemeClr val="tx1"/>
+          </a:fontRef>
+        </p:style>
+      </p:cxnSp>
+      <p:sp>
+        <p:nvSpPr>
+          <p:cNvPr id="6" name="テキスト ボックス 5"/>
+          <p:cNvSpPr txBox="1"/>
+          <p:nvPr/>
+        </p:nvSpPr>
+        <p:spPr>
+          <a:xfrm>
+            <a:off x="3294015" y="4123119"/>
+            <a:ext cx="523147" cy="226591"/>
+          </a:xfrm>
+          <a:prstGeom prst="rect">
+            <a:avLst/>
+          </a:prstGeom>
+          <a:noFill/>
+        </p:spPr>
+        <p:txBody>
+          <a:bodyPr wrap="none" lIns="36000" tIns="36000" rIns="36000" bIns="36000" rtlCol="0">
+            <a:spAutoFit/>
+          </a:bodyPr>
+          <a:lstStyle/>
+          <a:p>
+            <a:r>
+              <a:rPr kumimoji="1" lang="en-US" altLang="ja-JP" sz="1000" dirty="0"/>
+              <a:t>8</a:t>
+            </a:r>
+            <a:r>
+              <a:rPr kumimoji="1" lang="ja-JP" altLang="en-US" sz="1000" dirty="0"/>
+              <a:t>バイト</a:t>
+            </a:r>
+          </a:p>
+        </p:txBody>
+      </p:sp>
+      <p:cxnSp>
+        <p:nvCxnSpPr>
+          <p:cNvPr id="7" name="直線コネクタ 6"/>
+          <p:cNvCxnSpPr/>
+          <p:nvPr/>
+        </p:nvCxnSpPr>
+        <p:spPr>
+          <a:xfrm flipV="1">
+            <a:off x="2689008" y="4236414"/>
+            <a:ext cx="0" cy="266825"/>
+          </a:xfrm>
+          <a:prstGeom prst="line">
+            <a:avLst/>
+          </a:prstGeom>
+        </p:spPr>
+        <p:style>
+          <a:lnRef idx="1">
+            <a:schemeClr val="accent2"/>
+          </a:lnRef>
+          <a:fillRef idx="0">
+            <a:schemeClr val="accent2"/>
+          </a:fillRef>
+          <a:effectRef idx="0">
+            <a:schemeClr val="accent2"/>
+          </a:effectRef>
+          <a:fontRef idx="minor">
+            <a:schemeClr val="tx1"/>
+          </a:fontRef>
+        </p:style>
+      </p:cxnSp>
+      <p:cxnSp>
+        <p:nvCxnSpPr>
+          <p:cNvPr id="8" name="直線コネクタ 7"/>
+          <p:cNvCxnSpPr/>
+          <p:nvPr/>
+        </p:nvCxnSpPr>
+        <p:spPr>
+          <a:xfrm flipV="1">
+            <a:off x="4413220" y="4236414"/>
+            <a:ext cx="0" cy="266825"/>
+          </a:xfrm>
+          <a:prstGeom prst="line">
+            <a:avLst/>
+          </a:prstGeom>
+        </p:spPr>
+        <p:style>
+          <a:lnRef idx="1">
+            <a:schemeClr val="accent2"/>
+          </a:lnRef>
+          <a:fillRef idx="0">
+            <a:schemeClr val="accent2"/>
+          </a:fillRef>
+          <a:effectRef idx="0">
+            <a:schemeClr val="accent2"/>
+          </a:effectRef>
+          <a:fontRef idx="minor">
+            <a:schemeClr val="tx1"/>
+          </a:fontRef>
+        </p:style>
+      </p:cxnSp>
+      <p:cxnSp>
+        <p:nvCxnSpPr>
+          <p:cNvPr id="10" name="直線矢印コネクタ 9"/>
+          <p:cNvCxnSpPr/>
+          <p:nvPr/>
+        </p:nvCxnSpPr>
+        <p:spPr>
+          <a:xfrm>
+            <a:off x="4419534" y="4365104"/>
+            <a:ext cx="860145" cy="0"/>
+          </a:xfrm>
+          <a:prstGeom prst="straightConnector1">
+            <a:avLst/>
+          </a:prstGeom>
+          <a:ln>
+            <a:headEnd type="triangle"/>
+            <a:tailEnd type="triangle"/>
+          </a:ln>
+        </p:spPr>
+        <p:style>
+          <a:lnRef idx="1">
+            <a:schemeClr val="accent3"/>
+          </a:lnRef>
+          <a:fillRef idx="0">
+            <a:schemeClr val="accent3"/>
+          </a:fillRef>
+          <a:effectRef idx="0">
+            <a:schemeClr val="accent3"/>
+          </a:effectRef>
+          <a:fontRef idx="minor">
+            <a:schemeClr val="tx1"/>
+          </a:fontRef>
+        </p:style>
+      </p:cxnSp>
+      <p:sp>
+        <p:nvSpPr>
+          <p:cNvPr id="11" name="テキスト ボックス 10"/>
+          <p:cNvSpPr txBox="1"/>
+          <p:nvPr/>
+        </p:nvSpPr>
+        <p:spPr>
+          <a:xfrm>
+            <a:off x="4588033" y="4129000"/>
+            <a:ext cx="523147" cy="226591"/>
+          </a:xfrm>
+          <a:prstGeom prst="rect">
+            <a:avLst/>
+          </a:prstGeom>
+          <a:noFill/>
+        </p:spPr>
+        <p:txBody>
+          <a:bodyPr wrap="none" lIns="36000" tIns="36000" rIns="36000" bIns="36000" rtlCol="0">
+            <a:spAutoFit/>
+          </a:bodyPr>
+          <a:lstStyle/>
+          <a:p>
+            <a:r>
+              <a:rPr lang="en-US" altLang="ja-JP" sz="1000" dirty="0"/>
+              <a:t>4</a:t>
+            </a:r>
+            <a:r>
+              <a:rPr kumimoji="1" lang="ja-JP" altLang="en-US" sz="1000" dirty="0"/>
+              <a:t>バイト</a:t>
+            </a:r>
+          </a:p>
+        </p:txBody>
+      </p:sp>
+      <p:cxnSp>
+        <p:nvCxnSpPr>
+          <p:cNvPr id="12" name="直線コネクタ 11"/>
+          <p:cNvCxnSpPr/>
+          <p:nvPr/>
+        </p:nvCxnSpPr>
+        <p:spPr>
+          <a:xfrm flipV="1">
+            <a:off x="5283653" y="4242295"/>
+            <a:ext cx="0" cy="266825"/>
+          </a:xfrm>
+          <a:prstGeom prst="line">
+            <a:avLst/>
+          </a:prstGeom>
+        </p:spPr>
+        <p:style>
+          <a:lnRef idx="1">
+            <a:schemeClr val="accent2"/>
+          </a:lnRef>
+          <a:fillRef idx="0">
+            <a:schemeClr val="accent2"/>
+          </a:fillRef>
+          <a:effectRef idx="0">
+            <a:schemeClr val="accent2"/>
+          </a:effectRef>
+          <a:fontRef idx="minor">
+            <a:schemeClr val="tx1"/>
+          </a:fontRef>
+        </p:style>
+      </p:cxnSp>
     </p:spTree>
     <p:extLst>
       <p:ext uri="{BB962C8B-B14F-4D97-AF65-F5344CB8AC3E}">
         <p14:creationId xmlns:p14="http://schemas.microsoft.com/office/powerpoint/2010/main" val="4021390403"/>
+      </p:ext>
+    </p:extLst>
+  </p:cSld>
+  <p:clrMapOvr>
+    <a:masterClrMapping/>
+  </p:clrMapOvr>
+</p:sld>
+</file>
+
+<file path=ppt/slides/slide6.xml><?xml version="1.0" encoding="utf-8"?>
+<p:sld xmlns:a="http://schemas.openxmlformats.org/drawingml/2006/main" xmlns:r="http://schemas.openxmlformats.org/officeDocument/2006/relationships" xmlns:p="http://schemas.openxmlformats.org/presentationml/2006/main">
+  <p:cSld>
+    <p:spTree>
+      <p:nvGrpSpPr>
+        <p:cNvPr id="1" name=""/>
+        <p:cNvGrpSpPr/>
+        <p:nvPr/>
+      </p:nvGrpSpPr>
+      <p:grpSpPr>
+        <a:xfrm>
+          <a:off x="0" y="0"/>
+          <a:ext cx="0" cy="0"/>
+          <a:chOff x="0" y="0"/>
+          <a:chExt cx="0" cy="0"/>
+        </a:xfrm>
+      </p:grpSpPr>
+      <p:sp>
+        <p:nvSpPr>
+          <p:cNvPr id="9" name="正方形/長方形 8"/>
+          <p:cNvSpPr/>
+          <p:nvPr/>
+        </p:nvSpPr>
+        <p:spPr>
+          <a:xfrm>
+            <a:off x="4409246" y="4503238"/>
+            <a:ext cx="860144" cy="288032"/>
+          </a:xfrm>
+          <a:prstGeom prst="rect">
+            <a:avLst/>
+          </a:prstGeom>
+        </p:spPr>
+        <p:style>
+          <a:lnRef idx="2">
+            <a:schemeClr val="accent5"/>
+          </a:lnRef>
+          <a:fillRef idx="1">
+            <a:schemeClr val="lt1"/>
+          </a:fillRef>
+          <a:effectRef idx="0">
+            <a:schemeClr val="accent5"/>
+          </a:effectRef>
+          <a:fontRef idx="minor">
+            <a:schemeClr val="dk1"/>
+          </a:fontRef>
+        </p:style>
+        <p:txBody>
+          <a:bodyPr lIns="36000" tIns="36000" rIns="36000" bIns="36000" rtlCol="0" anchor="ctr"/>
+          <a:lstStyle/>
+          <a:p>
+            <a:pPr algn="ctr"/>
+            <a:endParaRPr kumimoji="1" lang="ja-JP" altLang="en-US" sz="1100" dirty="0"/>
+          </a:p>
+        </p:txBody>
+      </p:sp>
+      <p:sp>
+        <p:nvSpPr>
+          <p:cNvPr id="2" name="正方形/長方形 1"/>
+          <p:cNvSpPr/>
+          <p:nvPr/>
+        </p:nvSpPr>
+        <p:spPr>
+          <a:xfrm>
+            <a:off x="2678695" y="4503239"/>
+            <a:ext cx="1724237" cy="288032"/>
+          </a:xfrm>
+          <a:prstGeom prst="rect">
+            <a:avLst/>
+          </a:prstGeom>
+        </p:spPr>
+        <p:style>
+          <a:lnRef idx="2">
+            <a:schemeClr val="accent5"/>
+          </a:lnRef>
+          <a:fillRef idx="1">
+            <a:schemeClr val="lt1"/>
+          </a:fillRef>
+          <a:effectRef idx="0">
+            <a:schemeClr val="accent5"/>
+          </a:effectRef>
+          <a:fontRef idx="minor">
+            <a:schemeClr val="dk1"/>
+          </a:fontRef>
+        </p:style>
+        <p:txBody>
+          <a:bodyPr lIns="36000" tIns="36000" rIns="36000" bIns="36000" rtlCol="0" anchor="ctr"/>
+          <a:lstStyle/>
+          <a:p>
+            <a:pPr algn="ctr"/>
+            <a:r>
+              <a:rPr kumimoji="1" lang="en-US" altLang="ja-JP" sz="1100" dirty="0"/>
+              <a:t>B</a:t>
+            </a:r>
+            <a:endParaRPr kumimoji="1" lang="ja-JP" altLang="en-US" sz="1100" dirty="0"/>
+          </a:p>
+        </p:txBody>
+      </p:sp>
+      <p:cxnSp>
+        <p:nvCxnSpPr>
+          <p:cNvPr id="5" name="直線矢印コネクタ 4"/>
+          <p:cNvCxnSpPr/>
+          <p:nvPr/>
+        </p:nvCxnSpPr>
+        <p:spPr>
+          <a:xfrm>
+            <a:off x="2678694" y="4359223"/>
+            <a:ext cx="1724237" cy="0"/>
+          </a:xfrm>
+          <a:prstGeom prst="straightConnector1">
+            <a:avLst/>
+          </a:prstGeom>
+          <a:ln>
+            <a:headEnd type="triangle"/>
+            <a:tailEnd type="triangle"/>
+          </a:ln>
+        </p:spPr>
+        <p:style>
+          <a:lnRef idx="1">
+            <a:schemeClr val="accent3"/>
+          </a:lnRef>
+          <a:fillRef idx="0">
+            <a:schemeClr val="accent3"/>
+          </a:fillRef>
+          <a:effectRef idx="0">
+            <a:schemeClr val="accent3"/>
+          </a:effectRef>
+          <a:fontRef idx="minor">
+            <a:schemeClr val="tx1"/>
+          </a:fontRef>
+        </p:style>
+      </p:cxnSp>
+      <p:sp>
+        <p:nvSpPr>
+          <p:cNvPr id="6" name="テキスト ボックス 5"/>
+          <p:cNvSpPr txBox="1"/>
+          <p:nvPr/>
+        </p:nvSpPr>
+        <p:spPr>
+          <a:xfrm>
+            <a:off x="3283726" y="4123119"/>
+            <a:ext cx="523147" cy="226591"/>
+          </a:xfrm>
+          <a:prstGeom prst="rect">
+            <a:avLst/>
+          </a:prstGeom>
+          <a:noFill/>
+        </p:spPr>
+        <p:txBody>
+          <a:bodyPr wrap="none" lIns="36000" tIns="36000" rIns="36000" bIns="36000" rtlCol="0">
+            <a:spAutoFit/>
+          </a:bodyPr>
+          <a:lstStyle/>
+          <a:p>
+            <a:r>
+              <a:rPr kumimoji="1" lang="en-US" altLang="ja-JP" sz="1000" dirty="0"/>
+              <a:t>8</a:t>
+            </a:r>
+            <a:r>
+              <a:rPr kumimoji="1" lang="ja-JP" altLang="en-US" sz="1000" dirty="0"/>
+              <a:t>バイト</a:t>
+            </a:r>
+          </a:p>
+        </p:txBody>
+      </p:sp>
+      <p:cxnSp>
+        <p:nvCxnSpPr>
+          <p:cNvPr id="7" name="直線コネクタ 6"/>
+          <p:cNvCxnSpPr/>
+          <p:nvPr/>
+        </p:nvCxnSpPr>
+        <p:spPr>
+          <a:xfrm flipV="1">
+            <a:off x="2678719" y="4236414"/>
+            <a:ext cx="0" cy="266825"/>
+          </a:xfrm>
+          <a:prstGeom prst="line">
+            <a:avLst/>
+          </a:prstGeom>
+        </p:spPr>
+        <p:style>
+          <a:lnRef idx="1">
+            <a:schemeClr val="accent2"/>
+          </a:lnRef>
+          <a:fillRef idx="0">
+            <a:schemeClr val="accent2"/>
+          </a:fillRef>
+          <a:effectRef idx="0">
+            <a:schemeClr val="accent2"/>
+          </a:effectRef>
+          <a:fontRef idx="minor">
+            <a:schemeClr val="tx1"/>
+          </a:fontRef>
+        </p:style>
+      </p:cxnSp>
+      <p:cxnSp>
+        <p:nvCxnSpPr>
+          <p:cNvPr id="8" name="直線コネクタ 7"/>
+          <p:cNvCxnSpPr/>
+          <p:nvPr/>
+        </p:nvCxnSpPr>
+        <p:spPr>
+          <a:xfrm flipV="1">
+            <a:off x="4402931" y="4236414"/>
+            <a:ext cx="0" cy="266825"/>
+          </a:xfrm>
+          <a:prstGeom prst="line">
+            <a:avLst/>
+          </a:prstGeom>
+        </p:spPr>
+        <p:style>
+          <a:lnRef idx="1">
+            <a:schemeClr val="accent2"/>
+          </a:lnRef>
+          <a:fillRef idx="0">
+            <a:schemeClr val="accent2"/>
+          </a:fillRef>
+          <a:effectRef idx="0">
+            <a:schemeClr val="accent2"/>
+          </a:effectRef>
+          <a:fontRef idx="minor">
+            <a:schemeClr val="tx1"/>
+          </a:fontRef>
+        </p:style>
+      </p:cxnSp>
+      <p:cxnSp>
+        <p:nvCxnSpPr>
+          <p:cNvPr id="10" name="直線矢印コネクタ 9"/>
+          <p:cNvCxnSpPr/>
+          <p:nvPr/>
+        </p:nvCxnSpPr>
+        <p:spPr>
+          <a:xfrm>
+            <a:off x="4409245" y="4365104"/>
+            <a:ext cx="860145" cy="0"/>
+          </a:xfrm>
+          <a:prstGeom prst="straightConnector1">
+            <a:avLst/>
+          </a:prstGeom>
+          <a:ln>
+            <a:headEnd type="triangle"/>
+            <a:tailEnd type="triangle"/>
+          </a:ln>
+        </p:spPr>
+        <p:style>
+          <a:lnRef idx="1">
+            <a:schemeClr val="accent3"/>
+          </a:lnRef>
+          <a:fillRef idx="0">
+            <a:schemeClr val="accent3"/>
+          </a:fillRef>
+          <a:effectRef idx="0">
+            <a:schemeClr val="accent3"/>
+          </a:effectRef>
+          <a:fontRef idx="minor">
+            <a:schemeClr val="tx1"/>
+          </a:fontRef>
+        </p:style>
+      </p:cxnSp>
+      <p:sp>
+        <p:nvSpPr>
+          <p:cNvPr id="11" name="テキスト ボックス 10"/>
+          <p:cNvSpPr txBox="1"/>
+          <p:nvPr/>
+        </p:nvSpPr>
+        <p:spPr>
+          <a:xfrm>
+            <a:off x="4577744" y="4129000"/>
+            <a:ext cx="523147" cy="226591"/>
+          </a:xfrm>
+          <a:prstGeom prst="rect">
+            <a:avLst/>
+          </a:prstGeom>
+          <a:noFill/>
+        </p:spPr>
+        <p:txBody>
+          <a:bodyPr wrap="none" lIns="36000" tIns="36000" rIns="36000" bIns="36000" rtlCol="0">
+            <a:spAutoFit/>
+          </a:bodyPr>
+          <a:lstStyle/>
+          <a:p>
+            <a:r>
+              <a:rPr lang="en-US" altLang="ja-JP" sz="1000" dirty="0"/>
+              <a:t>4</a:t>
+            </a:r>
+            <a:r>
+              <a:rPr kumimoji="1" lang="ja-JP" altLang="en-US" sz="1000" dirty="0"/>
+              <a:t>バイト</a:t>
+            </a:r>
+          </a:p>
+        </p:txBody>
+      </p:sp>
+      <p:cxnSp>
+        <p:nvCxnSpPr>
+          <p:cNvPr id="12" name="直線コネクタ 11"/>
+          <p:cNvCxnSpPr/>
+          <p:nvPr/>
+        </p:nvCxnSpPr>
+        <p:spPr>
+          <a:xfrm flipV="1">
+            <a:off x="5273364" y="4242295"/>
+            <a:ext cx="0" cy="266825"/>
+          </a:xfrm>
+          <a:prstGeom prst="line">
+            <a:avLst/>
+          </a:prstGeom>
+        </p:spPr>
+        <p:style>
+          <a:lnRef idx="1">
+            <a:schemeClr val="accent2"/>
+          </a:lnRef>
+          <a:fillRef idx="0">
+            <a:schemeClr val="accent2"/>
+          </a:fillRef>
+          <a:effectRef idx="0">
+            <a:schemeClr val="accent2"/>
+          </a:effectRef>
+          <a:fontRef idx="minor">
+            <a:schemeClr val="tx1"/>
+          </a:fontRef>
+        </p:style>
+      </p:cxnSp>
+      <p:sp>
+        <p:nvSpPr>
+          <p:cNvPr id="13" name="正方形/長方形 12"/>
+          <p:cNvSpPr/>
+          <p:nvPr/>
+        </p:nvSpPr>
+        <p:spPr>
+          <a:xfrm>
+            <a:off x="1818551" y="4503238"/>
+            <a:ext cx="860144" cy="288032"/>
+          </a:xfrm>
+          <a:prstGeom prst="rect">
+            <a:avLst/>
+          </a:prstGeom>
+        </p:spPr>
+        <p:style>
+          <a:lnRef idx="2">
+            <a:schemeClr val="accent5"/>
+          </a:lnRef>
+          <a:fillRef idx="1">
+            <a:schemeClr val="lt1"/>
+          </a:fillRef>
+          <a:effectRef idx="0">
+            <a:schemeClr val="accent5"/>
+          </a:effectRef>
+          <a:fontRef idx="minor">
+            <a:schemeClr val="dk1"/>
+          </a:fontRef>
+        </p:style>
+        <p:txBody>
+          <a:bodyPr lIns="36000" tIns="36000" rIns="36000" bIns="36000" rtlCol="0" anchor="ctr"/>
+          <a:lstStyle/>
+          <a:p>
+            <a:pPr algn="ctr"/>
+            <a:endParaRPr kumimoji="1" lang="ja-JP" altLang="en-US" sz="1100" dirty="0"/>
+          </a:p>
+        </p:txBody>
+      </p:sp>
+      <p:sp>
+        <p:nvSpPr>
+          <p:cNvPr id="15" name="正方形/長方形 14"/>
+          <p:cNvSpPr/>
+          <p:nvPr/>
+        </p:nvSpPr>
+        <p:spPr>
+          <a:xfrm>
+            <a:off x="2032599" y="4503239"/>
+            <a:ext cx="216024" cy="288032"/>
+          </a:xfrm>
+          <a:prstGeom prst="rect">
+            <a:avLst/>
+          </a:prstGeom>
+        </p:spPr>
+        <p:style>
+          <a:lnRef idx="2">
+            <a:schemeClr val="accent5"/>
+          </a:lnRef>
+          <a:fillRef idx="1">
+            <a:schemeClr val="lt1"/>
+          </a:fillRef>
+          <a:effectRef idx="0">
+            <a:schemeClr val="accent5"/>
+          </a:effectRef>
+          <a:fontRef idx="minor">
+            <a:schemeClr val="dk1"/>
+          </a:fontRef>
+        </p:style>
+        <p:txBody>
+          <a:bodyPr lIns="36000" tIns="36000" rIns="36000" bIns="36000" rtlCol="0" anchor="ctr"/>
+          <a:lstStyle/>
+          <a:p>
+            <a:pPr algn="ctr"/>
+            <a:r>
+              <a:rPr kumimoji="1" lang="en-US" altLang="ja-JP" sz="1100" dirty="0"/>
+              <a:t>A</a:t>
+            </a:r>
+            <a:endParaRPr kumimoji="1" lang="ja-JP" altLang="en-US" sz="1100" dirty="0"/>
+          </a:p>
+        </p:txBody>
+      </p:sp>
+      <p:cxnSp>
+        <p:nvCxnSpPr>
+          <p:cNvPr id="16" name="直線コネクタ 15"/>
+          <p:cNvCxnSpPr/>
+          <p:nvPr/>
+        </p:nvCxnSpPr>
+        <p:spPr>
+          <a:xfrm flipV="1">
+            <a:off x="1812236" y="4236414"/>
+            <a:ext cx="0" cy="266825"/>
+          </a:xfrm>
+          <a:prstGeom prst="line">
+            <a:avLst/>
+          </a:prstGeom>
+        </p:spPr>
+        <p:style>
+          <a:lnRef idx="1">
+            <a:schemeClr val="accent2"/>
+          </a:lnRef>
+          <a:fillRef idx="0">
+            <a:schemeClr val="accent2"/>
+          </a:fillRef>
+          <a:effectRef idx="0">
+            <a:schemeClr val="accent2"/>
+          </a:effectRef>
+          <a:fontRef idx="minor">
+            <a:schemeClr val="tx1"/>
+          </a:fontRef>
+        </p:style>
+      </p:cxnSp>
+      <p:cxnSp>
+        <p:nvCxnSpPr>
+          <p:cNvPr id="17" name="直線矢印コネクタ 16"/>
+          <p:cNvCxnSpPr/>
+          <p:nvPr/>
+        </p:nvCxnSpPr>
+        <p:spPr>
+          <a:xfrm>
+            <a:off x="1818550" y="4365104"/>
+            <a:ext cx="860145" cy="0"/>
+          </a:xfrm>
+          <a:prstGeom prst="straightConnector1">
+            <a:avLst/>
+          </a:prstGeom>
+          <a:ln>
+            <a:headEnd type="triangle"/>
+            <a:tailEnd type="triangle"/>
+          </a:ln>
+        </p:spPr>
+        <p:style>
+          <a:lnRef idx="1">
+            <a:schemeClr val="accent3"/>
+          </a:lnRef>
+          <a:fillRef idx="0">
+            <a:schemeClr val="accent3"/>
+          </a:fillRef>
+          <a:effectRef idx="0">
+            <a:schemeClr val="accent3"/>
+          </a:effectRef>
+          <a:fontRef idx="minor">
+            <a:schemeClr val="tx1"/>
+          </a:fontRef>
+        </p:style>
+      </p:cxnSp>
+      <p:sp>
+        <p:nvSpPr>
+          <p:cNvPr id="18" name="テキスト ボックス 17"/>
+          <p:cNvSpPr txBox="1"/>
+          <p:nvPr/>
+        </p:nvSpPr>
+        <p:spPr>
+          <a:xfrm>
+            <a:off x="1987049" y="4129000"/>
+            <a:ext cx="523147" cy="226591"/>
+          </a:xfrm>
+          <a:prstGeom prst="rect">
+            <a:avLst/>
+          </a:prstGeom>
+          <a:noFill/>
+        </p:spPr>
+        <p:txBody>
+          <a:bodyPr wrap="none" lIns="36000" tIns="36000" rIns="36000" bIns="36000" rtlCol="0">
+            <a:spAutoFit/>
+          </a:bodyPr>
+          <a:lstStyle/>
+          <a:p>
+            <a:r>
+              <a:rPr lang="en-US" altLang="ja-JP" sz="1000" dirty="0"/>
+              <a:t>4</a:t>
+            </a:r>
+            <a:r>
+              <a:rPr kumimoji="1" lang="ja-JP" altLang="en-US" sz="1000" dirty="0"/>
+              <a:t>バイト</a:t>
+            </a:r>
+          </a:p>
+        </p:txBody>
+      </p:sp>
+      <p:sp>
+        <p:nvSpPr>
+          <p:cNvPr id="20" name="正方形/長方形 19"/>
+          <p:cNvSpPr/>
+          <p:nvPr/>
+        </p:nvSpPr>
+        <p:spPr>
+          <a:xfrm>
+            <a:off x="5049013" y="4503239"/>
+            <a:ext cx="216024" cy="288032"/>
+          </a:xfrm>
+          <a:prstGeom prst="rect">
+            <a:avLst/>
+          </a:prstGeom>
+        </p:spPr>
+        <p:style>
+          <a:lnRef idx="2">
+            <a:schemeClr val="accent5"/>
+          </a:lnRef>
+          <a:fillRef idx="1">
+            <a:schemeClr val="lt1"/>
+          </a:fillRef>
+          <a:effectRef idx="0">
+            <a:schemeClr val="accent5"/>
+          </a:effectRef>
+          <a:fontRef idx="minor">
+            <a:schemeClr val="dk1"/>
+          </a:fontRef>
+        </p:style>
+        <p:txBody>
+          <a:bodyPr lIns="36000" tIns="36000" rIns="36000" bIns="36000" rtlCol="0" anchor="ctr"/>
+          <a:lstStyle/>
+          <a:p>
+            <a:pPr algn="ctr"/>
+            <a:r>
+              <a:rPr kumimoji="1" lang="en-US" altLang="ja-JP" sz="1100" dirty="0"/>
+              <a:t>C</a:t>
+            </a:r>
+            <a:endParaRPr kumimoji="1" lang="ja-JP" altLang="en-US" sz="1100" dirty="0"/>
+          </a:p>
+        </p:txBody>
+      </p:sp>
+    </p:spTree>
+    <p:extLst>
+      <p:ext uri="{BB962C8B-B14F-4D97-AF65-F5344CB8AC3E}">
+        <p14:creationId xmlns:p14="http://schemas.microsoft.com/office/powerpoint/2010/main" val="3681689887"/>
       </p:ext>
     </p:extLst>
   </p:cSld>
